--- a/fft_prezentacja.pptx
+++ b/fft_prezentacja.pptx
@@ -12,6 +12,7 @@
     <p:sldId id="260" r:id="rId6"/>
     <p:sldId id="261" r:id="rId7"/>
     <p:sldId id="262" r:id="rId8"/>
+    <p:sldId id="263" r:id="rId9"/>
   </p:sldIdLst>
   <p:sldSz cx="12192000" cy="6858000"/>
   <p:notesSz cx="6858000" cy="9144000"/>
@@ -110,6 +111,11 @@
       </a:defRPr>
     </a:lvl9pPr>
   </p:defaultTextStyle>
+  <p:extLst>
+    <p:ext uri="{EFAFB233-063F-42B5-8137-9DF3F51BA10A}">
+      <p15:sldGuideLst xmlns:p15="http://schemas.microsoft.com/office/powerpoint/2012/main"/>
+    </p:ext>
+  </p:extLst>
 </p:presentation>
 </file>
 
@@ -3161,8 +3167,8 @@
           <a:chExt cx="0" cy="0"/>
         </a:xfrm>
       </p:grpSpPr>
-      <mc:AlternateContent xmlns:mc="http://schemas.openxmlformats.org/markup-compatibility/2006">
-        <mc:Choice xmlns:a14="http://schemas.microsoft.com/office/drawing/2010/main" Requires="a14">
+      <mc:AlternateContent xmlns:mc="http://schemas.openxmlformats.org/markup-compatibility/2006" xmlns:a14="http://schemas.microsoft.com/office/drawing/2010/main">
+        <mc:Choice Requires="a14">
           <p:sp>
             <p:nvSpPr>
               <p:cNvPr id="4" name="TextBox 3"/>
@@ -3319,7 +3325,7 @@
             </p:txBody>
           </p:sp>
         </mc:Choice>
-        <mc:Fallback>
+        <mc:Fallback xmlns="">
           <p:sp>
             <p:nvSpPr>
               <p:cNvPr id="4" name="TextBox 3"/>
@@ -3388,8 +3394,8 @@
           </a:p>
         </p:txBody>
       </p:sp>
-      <mc:AlternateContent xmlns:mc="http://schemas.openxmlformats.org/markup-compatibility/2006">
-        <mc:Choice xmlns:a14="http://schemas.microsoft.com/office/drawing/2010/main" Requires="a14">
+      <mc:AlternateContent xmlns:mc="http://schemas.openxmlformats.org/markup-compatibility/2006" xmlns:a14="http://schemas.microsoft.com/office/drawing/2010/main">
+        <mc:Choice Requires="a14">
           <p:sp>
             <p:nvSpPr>
               <p:cNvPr id="6" name="TextBox 5"/>
@@ -3454,7 +3460,7 @@
             </p:txBody>
           </p:sp>
         </mc:Choice>
-        <mc:Fallback>
+        <mc:Fallback xmlns="">
           <p:sp>
             <p:nvSpPr>
               <p:cNvPr id="6" name="TextBox 5"/>
@@ -3535,7 +3541,7 @@
         </p:nvSpPr>
         <p:spPr>
           <a:xfrm>
-            <a:off x="3973001" y="5590782"/>
+            <a:off x="3985356" y="5411450"/>
             <a:ext cx="2811988" cy="769441"/>
           </a:xfrm>
           <a:prstGeom prst="rect">
@@ -3595,8 +3601,8 @@
         </p:nvSpPr>
         <p:spPr>
           <a:xfrm>
-            <a:off x="8968358" y="5564177"/>
-            <a:ext cx="1162498" cy="769441"/>
+            <a:off x="9285870" y="5411450"/>
+            <a:ext cx="1162498" cy="1446550"/>
           </a:xfrm>
           <a:prstGeom prst="rect">
             <a:avLst/>
@@ -3615,10 +3621,13 @@
             </a:r>
             <a:endParaRPr lang="pl-PL" sz="4400" dirty="0"/>
           </a:p>
-        </p:txBody>
-      </p:sp>
-      <mc:AlternateContent xmlns:mc="http://schemas.openxmlformats.org/markup-compatibility/2006">
-        <mc:Choice xmlns:a14="http://schemas.microsoft.com/office/drawing/2010/main" Requires="a14">
+          <a:p>
+            <a:endParaRPr lang="pl-PL" sz="4400" dirty="0"/>
+          </a:p>
+        </p:txBody>
+      </p:sp>
+      <mc:AlternateContent xmlns:mc="http://schemas.openxmlformats.org/markup-compatibility/2006" xmlns:a14="http://schemas.microsoft.com/office/drawing/2010/main">
+        <mc:Choice Requires="a14">
           <p:sp>
             <p:nvSpPr>
               <p:cNvPr id="11" name="TextBox 10"/>
@@ -3756,13 +3765,7 @@
                               <a:rPr lang="pl-PL" b="0" i="1" smtClean="0">
                                 <a:latin typeface="Cambria Math" panose="02040503050406030204" pitchFamily="18" charset="0"/>
                               </a:rPr>
-                              <m:t>∗1∗</m:t>
-                            </m:r>
-                            <m:r>
-                              <a:rPr lang="pl-PL" b="0" i="1" smtClean="0">
-                                <a:latin typeface="Cambria Math" panose="02040503050406030204" pitchFamily="18" charset="0"/>
-                              </a:rPr>
-                              <m:t>/</m:t>
+                              <m:t>∗1∗/</m:t>
                             </m:r>
                             <m:r>
                               <a:rPr lang="pl-PL" b="0" i="1" smtClean="0">
@@ -3781,7 +3784,7 @@
             </p:txBody>
           </p:sp>
         </mc:Choice>
-        <mc:Fallback>
+        <mc:Fallback xmlns="">
           <p:sp>
             <p:nvSpPr>
               <p:cNvPr id="11" name="TextBox 10"/>
@@ -3820,8 +3823,8 @@
           </p:sp>
         </mc:Fallback>
       </mc:AlternateContent>
-      <mc:AlternateContent xmlns:mc="http://schemas.openxmlformats.org/markup-compatibility/2006">
-        <mc:Choice xmlns:a14="http://schemas.microsoft.com/office/drawing/2010/main" Requires="a14">
+      <mc:AlternateContent xmlns:mc="http://schemas.openxmlformats.org/markup-compatibility/2006" xmlns:a14="http://schemas.microsoft.com/office/drawing/2010/main">
+        <mc:Choice Requires="a14">
           <p:sp>
             <p:nvSpPr>
               <p:cNvPr id="12" name="TextBox 11"/>
@@ -3959,13 +3962,7 @@
                               <a:rPr lang="pl-PL" b="0" i="1" smtClean="0">
                                 <a:latin typeface="Cambria Math" panose="02040503050406030204" pitchFamily="18" charset="0"/>
                               </a:rPr>
-                              <m:t>∗2∗</m:t>
-                            </m:r>
-                            <m:r>
-                              <a:rPr lang="pl-PL" b="0" i="1" smtClean="0">
-                                <a:latin typeface="Cambria Math" panose="02040503050406030204" pitchFamily="18" charset="0"/>
-                              </a:rPr>
-                              <m:t>/</m:t>
+                              <m:t>∗2∗/</m:t>
                             </m:r>
                             <m:r>
                               <a:rPr lang="pl-PL" b="0" i="1" smtClean="0">
@@ -3984,7 +3981,7 @@
             </p:txBody>
           </p:sp>
         </mc:Choice>
-        <mc:Fallback>
+        <mc:Fallback xmlns="">
           <p:sp>
             <p:nvSpPr>
               <p:cNvPr id="12" name="TextBox 11"/>
@@ -4023,8 +4020,8 @@
           </p:sp>
         </mc:Fallback>
       </mc:AlternateContent>
-      <mc:AlternateContent xmlns:mc="http://schemas.openxmlformats.org/markup-compatibility/2006">
-        <mc:Choice xmlns:a14="http://schemas.microsoft.com/office/drawing/2010/main" Requires="a14">
+      <mc:AlternateContent xmlns:mc="http://schemas.openxmlformats.org/markup-compatibility/2006" xmlns:a14="http://schemas.microsoft.com/office/drawing/2010/main">
+        <mc:Choice Requires="a14">
           <p:sp>
             <p:nvSpPr>
               <p:cNvPr id="13" name="TextBox 12"/>
@@ -4162,13 +4159,7 @@
                               <a:rPr lang="pl-PL" b="0" i="1" smtClean="0">
                                 <a:latin typeface="Cambria Math" panose="02040503050406030204" pitchFamily="18" charset="0"/>
                               </a:rPr>
-                              <m:t>∗3∗</m:t>
-                            </m:r>
-                            <m:r>
-                              <a:rPr lang="pl-PL" b="0" i="1" smtClean="0">
-                                <a:latin typeface="Cambria Math" panose="02040503050406030204" pitchFamily="18" charset="0"/>
-                              </a:rPr>
-                              <m:t>/</m:t>
+                              <m:t>∗3∗/</m:t>
                             </m:r>
                             <m:r>
                               <a:rPr lang="pl-PL" b="0" i="1" smtClean="0">
@@ -4187,7 +4178,7 @@
             </p:txBody>
           </p:sp>
         </mc:Choice>
-        <mc:Fallback>
+        <mc:Fallback xmlns="">
           <p:sp>
             <p:nvSpPr>
               <p:cNvPr id="13" name="TextBox 12"/>
@@ -4226,8 +4217,8 @@
           </p:sp>
         </mc:Fallback>
       </mc:AlternateContent>
-      <mc:AlternateContent xmlns:mc="http://schemas.openxmlformats.org/markup-compatibility/2006">
-        <mc:Choice xmlns:a14="http://schemas.microsoft.com/office/drawing/2010/main" Requires="a14">
+      <mc:AlternateContent xmlns:mc="http://schemas.openxmlformats.org/markup-compatibility/2006" xmlns:a14="http://schemas.microsoft.com/office/drawing/2010/main">
+        <mc:Choice Requires="a14">
           <p:sp>
             <p:nvSpPr>
               <p:cNvPr id="14" name="TextBox 13"/>
@@ -4384,7 +4375,7 @@
             </p:txBody>
           </p:sp>
         </mc:Choice>
-        <mc:Fallback>
+        <mc:Fallback xmlns="">
           <p:sp>
             <p:nvSpPr>
               <p:cNvPr id="14" name="TextBox 13"/>
@@ -4632,8 +4623,8 @@
           </a:extLst>
         </p:spPr>
       </p:pic>
-      <mc:AlternateContent xmlns:mc="http://schemas.openxmlformats.org/markup-compatibility/2006">
-        <mc:Choice xmlns:a14="http://schemas.microsoft.com/office/drawing/2010/main" Requires="a14">
+      <mc:AlternateContent xmlns:mc="http://schemas.openxmlformats.org/markup-compatibility/2006" xmlns:a14="http://schemas.microsoft.com/office/drawing/2010/main">
+        <mc:Choice Requires="a14">
           <p:sp>
             <p:nvSpPr>
               <p:cNvPr id="6" name="TextBox 5"/>
@@ -4656,6 +4647,7 @@
               </a:bodyPr>
               <a:lstStyle/>
               <a:p>
+                <a:pPr/>
                 <a14:m>
                   <m:oMathPara xmlns:m="http://schemas.openxmlformats.org/officeDocument/2006/math">
                     <m:oMathParaPr>
@@ -4756,7 +4748,7 @@
             </p:txBody>
           </p:sp>
         </mc:Choice>
-        <mc:Fallback>
+        <mc:Fallback xmlns="">
           <p:sp>
             <p:nvSpPr>
               <p:cNvPr id="6" name="TextBox 5"/>
@@ -5037,8 +5029,8 @@
           </a:p>
         </p:txBody>
       </p:sp>
-      <mc:AlternateContent xmlns:mc="http://schemas.openxmlformats.org/markup-compatibility/2006">
-        <mc:Choice xmlns:a14="http://schemas.microsoft.com/office/drawing/2010/main" Requires="a14">
+      <mc:AlternateContent xmlns:mc="http://schemas.openxmlformats.org/markup-compatibility/2006" xmlns:a14="http://schemas.microsoft.com/office/drawing/2010/main">
+        <mc:Choice Requires="a14">
           <p:sp>
             <p:nvSpPr>
               <p:cNvPr id="3" name="Content Placeholder 2"/>
@@ -5152,7 +5144,7 @@
             </p:txBody>
           </p:sp>
         </mc:Choice>
-        <mc:Fallback>
+        <mc:Fallback xmlns="">
           <p:sp>
             <p:nvSpPr>
               <p:cNvPr id="3" name="Content Placeholder 2"/>
@@ -5207,6 +5199,92 @@
       </p:par>
     </p:tnLst>
   </p:timing>
+</p:sld>
+</file>
+
+<file path=ppt/slides/slide8.xml><?xml version="1.0" encoding="utf-8"?>
+<p:sld xmlns:a="http://schemas.openxmlformats.org/drawingml/2006/main" xmlns:r="http://schemas.openxmlformats.org/officeDocument/2006/relationships" xmlns:p="http://schemas.openxmlformats.org/presentationml/2006/main">
+  <p:cSld>
+    <p:spTree>
+      <p:nvGrpSpPr>
+        <p:cNvPr id="1" name=""/>
+        <p:cNvGrpSpPr/>
+        <p:nvPr/>
+      </p:nvGrpSpPr>
+      <p:grpSpPr>
+        <a:xfrm>
+          <a:off x="0" y="0"/>
+          <a:ext cx="0" cy="0"/>
+          <a:chOff x="0" y="0"/>
+          <a:chExt cx="0" cy="0"/>
+        </a:xfrm>
+      </p:grpSpPr>
+      <p:sp>
+        <p:nvSpPr>
+          <p:cNvPr id="2" name="Title 1"/>
+          <p:cNvSpPr>
+            <a:spLocks noGrp="1"/>
+          </p:cNvSpPr>
+          <p:nvPr>
+            <p:ph type="title"/>
+          </p:nvPr>
+        </p:nvSpPr>
+        <p:spPr/>
+        <p:txBody>
+          <a:bodyPr/>
+          <a:lstStyle/>
+          <a:p>
+            <a:r>
+              <a:rPr lang="pl-PL" dirty="0" smtClean="0"/>
+              <a:t>Bibliografia</a:t>
+            </a:r>
+            <a:endParaRPr lang="pl-PL" dirty="0"/>
+          </a:p>
+        </p:txBody>
+      </p:sp>
+      <p:sp>
+        <p:nvSpPr>
+          <p:cNvPr id="3" name="Content Placeholder 2"/>
+          <p:cNvSpPr>
+            <a:spLocks noGrp="1"/>
+          </p:cNvSpPr>
+          <p:nvPr>
+            <p:ph idx="1"/>
+          </p:nvPr>
+        </p:nvSpPr>
+        <p:spPr/>
+        <p:txBody>
+          <a:bodyPr/>
+          <a:lstStyle/>
+          <a:p>
+            <a:r>
+              <a:rPr lang="en-US" dirty="0"/>
+              <a:t>Introduction to Parallel Computing, Second Edition </a:t>
+            </a:r>
+            <a:endParaRPr lang="pl-PL" dirty="0" smtClean="0"/>
+          </a:p>
+          <a:p>
+            <a:r>
+              <a:rPr lang="pl-PL" dirty="0" smtClean="0"/>
+              <a:t>https</a:t>
+            </a:r>
+            <a:r>
+              <a:rPr lang="pl-PL" dirty="0"/>
+              <a:t>://cs.wmich.edu/gupta/teaching/cs5260/5260Sp15web/studentProjects/tiba&amp;hussein/03278999.pdf</a:t>
+            </a:r>
+          </a:p>
+        </p:txBody>
+      </p:sp>
+    </p:spTree>
+    <p:extLst>
+      <p:ext uri="{BB962C8B-B14F-4D97-AF65-F5344CB8AC3E}">
+        <p14:creationId xmlns:p14="http://schemas.microsoft.com/office/powerpoint/2010/main" val="3542835466"/>
+      </p:ext>
+    </p:extLst>
+  </p:cSld>
+  <p:clrMapOvr>
+    <a:masterClrMapping/>
+  </p:clrMapOvr>
 </p:sld>
 </file>
 

--- a/fft_prezentacja.pptx
+++ b/fft_prezentacja.pptx
@@ -12,7 +12,14 @@
     <p:sldId id="260" r:id="rId6"/>
     <p:sldId id="261" r:id="rId7"/>
     <p:sldId id="262" r:id="rId8"/>
-    <p:sldId id="263" r:id="rId9"/>
+    <p:sldId id="264" r:id="rId9"/>
+    <p:sldId id="265" r:id="rId10"/>
+    <p:sldId id="267" r:id="rId11"/>
+    <p:sldId id="269" r:id="rId12"/>
+    <p:sldId id="266" r:id="rId13"/>
+    <p:sldId id="268" r:id="rId14"/>
+    <p:sldId id="270" r:id="rId15"/>
+    <p:sldId id="263" r:id="rId16"/>
   </p:sldIdLst>
   <p:sldSz cx="12192000" cy="6858000"/>
   <p:notesSz cx="6858000" cy="9144000"/>
@@ -119,6 +126,2658 @@
 </p:presentation>
 </file>
 
+<file path=ppt/charts/chart1.xml><?xml version="1.0" encoding="utf-8"?>
+<c:chartSpace xmlns:c="http://schemas.openxmlformats.org/drawingml/2006/chart" xmlns:a="http://schemas.openxmlformats.org/drawingml/2006/main" xmlns:r="http://schemas.openxmlformats.org/officeDocument/2006/relationships" xmlns:c16r2="http://schemas.microsoft.com/office/drawing/2015/06/chart">
+  <c:date1904 val="0"/>
+  <c:lang val="pl-PL"/>
+  <c:roundedCorners val="0"/>
+  <mc:AlternateContent xmlns:mc="http://schemas.openxmlformats.org/markup-compatibility/2006">
+    <mc:Choice xmlns:c14="http://schemas.microsoft.com/office/drawing/2007/8/2/chart" Requires="c14">
+      <c14:style val="102"/>
+    </mc:Choice>
+    <mc:Fallback>
+      <c:style val="2"/>
+    </mc:Fallback>
+  </mc:AlternateContent>
+  <c:chart>
+    <c:title>
+      <c:tx>
+        <c:rich>
+          <a:bodyPr rot="0"/>
+          <a:lstStyle/>
+          <a:p>
+            <a:pPr>
+              <a:defRPr sz="1400" b="0" i="1" strike="noStrike" spc="-1">
+                <a:solidFill>
+                  <a:srgbClr val="595959"/>
+                </a:solidFill>
+                <a:latin typeface="Calibri"/>
+              </a:defRPr>
+            </a:pPr>
+            <a:r>
+              <a:rPr lang="pl-PL" sz="1400" b="0" i="1" strike="noStrike" spc="-1">
+                <a:solidFill>
+                  <a:srgbClr val="595959"/>
+                </a:solidFill>
+                <a:latin typeface="Calibri"/>
+              </a:rPr>
+              <a:t>Czas wykonania algorytmu</a:t>
+            </a:r>
+            <a:r>
+              <a:rPr lang="pl-PL" sz="1400" b="0" i="1" strike="noStrike" spc="-1" baseline="0">
+                <a:solidFill>
+                  <a:srgbClr val="595959"/>
+                </a:solidFill>
+                <a:latin typeface="Calibri"/>
+              </a:rPr>
+              <a:t> właściwego w zależności od liczby użytych jednostek obliczeniowych</a:t>
+            </a:r>
+            <a:endParaRPr lang="pl-PL" sz="1400" b="0" i="1" strike="noStrike" spc="-1">
+              <a:solidFill>
+                <a:srgbClr val="595959"/>
+              </a:solidFill>
+              <a:latin typeface="Calibri"/>
+            </a:endParaRPr>
+          </a:p>
+        </c:rich>
+      </c:tx>
+      <c:overlay val="0"/>
+    </c:title>
+    <c:autoTitleDeleted val="0"/>
+    <c:plotArea>
+      <c:layout/>
+      <c:scatterChart>
+        <c:scatterStyle val="smoothMarker"/>
+        <c:varyColors val="0"/>
+        <c:ser>
+          <c:idx val="0"/>
+          <c:order val="0"/>
+          <c:tx>
+            <c:strRef>
+              <c:f>Badania!$B$2</c:f>
+              <c:strCache>
+                <c:ptCount val="1"/>
+                <c:pt idx="0">
+                  <c:v>1024</c:v>
+                </c:pt>
+              </c:strCache>
+            </c:strRef>
+          </c:tx>
+          <c:spPr>
+            <a:ln w="28800">
+              <a:solidFill>
+                <a:srgbClr val="ED7D31"/>
+              </a:solidFill>
+              <a:round/>
+            </a:ln>
+          </c:spPr>
+          <c:marker>
+            <c:spPr>
+              <a:solidFill>
+                <a:srgbClr val="ED7D31"/>
+              </a:solidFill>
+              <a:ln>
+                <a:solidFill>
+                  <a:srgbClr val="ED7D31"/>
+                </a:solidFill>
+              </a:ln>
+            </c:spPr>
+          </c:marker>
+          <c:xVal>
+            <c:numRef>
+              <c:f>Badania!$C$2:$C$7</c:f>
+              <c:numCache>
+                <c:formatCode>General</c:formatCode>
+                <c:ptCount val="6"/>
+                <c:pt idx="0">
+                  <c:v>1</c:v>
+                </c:pt>
+                <c:pt idx="1">
+                  <c:v>2</c:v>
+                </c:pt>
+                <c:pt idx="2">
+                  <c:v>4</c:v>
+                </c:pt>
+                <c:pt idx="3">
+                  <c:v>8</c:v>
+                </c:pt>
+                <c:pt idx="4">
+                  <c:v>16</c:v>
+                </c:pt>
+                <c:pt idx="5">
+                  <c:v>32</c:v>
+                </c:pt>
+              </c:numCache>
+            </c:numRef>
+          </c:xVal>
+          <c:yVal>
+            <c:numRef>
+              <c:f>Badania!$D$2:$D$7</c:f>
+              <c:numCache>
+                <c:formatCode>0.000000</c:formatCode>
+                <c:ptCount val="6"/>
+                <c:pt idx="0">
+                  <c:v>8.2116999999999996E-2</c:v>
+                </c:pt>
+                <c:pt idx="1">
+                  <c:v>5.0478000000000002E-2</c:v>
+                </c:pt>
+                <c:pt idx="2" formatCode="General">
+                  <c:v>3.7272E-2</c:v>
+                </c:pt>
+                <c:pt idx="3" formatCode="General">
+                  <c:v>3.4474999999999999E-2</c:v>
+                </c:pt>
+                <c:pt idx="4" formatCode="General">
+                  <c:v>3.1268999999999998E-2</c:v>
+                </c:pt>
+                <c:pt idx="5" formatCode="General">
+                  <c:v>2.9964000000000001E-2</c:v>
+                </c:pt>
+              </c:numCache>
+            </c:numRef>
+          </c:yVal>
+          <c:smooth val="1"/>
+          <c:extLst>
+            <c:ext xmlns:c16="http://schemas.microsoft.com/office/drawing/2014/chart" uri="{C3380CC4-5D6E-409C-BE32-E72D297353CC}">
+              <c16:uniqueId val="{00000000-4F3B-4177-97AD-058946AE7E6F}"/>
+            </c:ext>
+          </c:extLst>
+        </c:ser>
+        <c:ser>
+          <c:idx val="1"/>
+          <c:order val="1"/>
+          <c:tx>
+            <c:strRef>
+              <c:f>Badania!$B$8</c:f>
+              <c:strCache>
+                <c:ptCount val="1"/>
+                <c:pt idx="0">
+                  <c:v>8192</c:v>
+                </c:pt>
+              </c:strCache>
+            </c:strRef>
+          </c:tx>
+          <c:spPr>
+            <a:ln w="28800">
+              <a:solidFill>
+                <a:srgbClr val="579D1C"/>
+              </a:solidFill>
+              <a:round/>
+            </a:ln>
+          </c:spPr>
+          <c:marker>
+            <c:spPr>
+              <a:solidFill>
+                <a:srgbClr val="579D1C"/>
+              </a:solidFill>
+              <a:ln>
+                <a:solidFill>
+                  <a:srgbClr val="579D1C"/>
+                </a:solidFill>
+              </a:ln>
+            </c:spPr>
+          </c:marker>
+          <c:xVal>
+            <c:numRef>
+              <c:f>Badania!$C$8:$C$13</c:f>
+              <c:numCache>
+                <c:formatCode>General</c:formatCode>
+                <c:ptCount val="6"/>
+                <c:pt idx="0">
+                  <c:v>1</c:v>
+                </c:pt>
+                <c:pt idx="1">
+                  <c:v>2</c:v>
+                </c:pt>
+                <c:pt idx="2">
+                  <c:v>4</c:v>
+                </c:pt>
+                <c:pt idx="3">
+                  <c:v>8</c:v>
+                </c:pt>
+                <c:pt idx="4">
+                  <c:v>16</c:v>
+                </c:pt>
+                <c:pt idx="5">
+                  <c:v>32</c:v>
+                </c:pt>
+              </c:numCache>
+            </c:numRef>
+          </c:xVal>
+          <c:yVal>
+            <c:numRef>
+              <c:f>Badania!$D$8:$D$13</c:f>
+              <c:numCache>
+                <c:formatCode>0.000000</c:formatCode>
+                <c:ptCount val="6"/>
+                <c:pt idx="0">
+                  <c:v>0.84548599999999996</c:v>
+                </c:pt>
+                <c:pt idx="1">
+                  <c:v>0.51801399999999997</c:v>
+                </c:pt>
+                <c:pt idx="2">
+                  <c:v>0.43288500000000002</c:v>
+                </c:pt>
+                <c:pt idx="3">
+                  <c:v>0.31309500000000001</c:v>
+                </c:pt>
+                <c:pt idx="4">
+                  <c:v>0.249949</c:v>
+                </c:pt>
+                <c:pt idx="5">
+                  <c:v>0.23594000000000001</c:v>
+                </c:pt>
+              </c:numCache>
+            </c:numRef>
+          </c:yVal>
+          <c:smooth val="1"/>
+          <c:extLst>
+            <c:ext xmlns:c16="http://schemas.microsoft.com/office/drawing/2014/chart" uri="{C3380CC4-5D6E-409C-BE32-E72D297353CC}">
+              <c16:uniqueId val="{00000001-4F3B-4177-97AD-058946AE7E6F}"/>
+            </c:ext>
+          </c:extLst>
+        </c:ser>
+        <c:ser>
+          <c:idx val="2"/>
+          <c:order val="2"/>
+          <c:tx>
+            <c:strRef>
+              <c:f>Badania!$B$14</c:f>
+              <c:strCache>
+                <c:ptCount val="1"/>
+                <c:pt idx="0">
+                  <c:v>32768</c:v>
+                </c:pt>
+              </c:strCache>
+            </c:strRef>
+          </c:tx>
+          <c:spPr>
+            <a:ln w="28800">
+              <a:solidFill>
+                <a:srgbClr val="FF420E"/>
+              </a:solidFill>
+              <a:round/>
+            </a:ln>
+          </c:spPr>
+          <c:marker>
+            <c:spPr>
+              <a:solidFill>
+                <a:srgbClr val="FF420E"/>
+              </a:solidFill>
+              <a:ln>
+                <a:solidFill>
+                  <a:srgbClr val="FF420E"/>
+                </a:solidFill>
+              </a:ln>
+            </c:spPr>
+          </c:marker>
+          <c:xVal>
+            <c:numRef>
+              <c:f>Badania!$C$14:$C$19</c:f>
+              <c:numCache>
+                <c:formatCode>General</c:formatCode>
+                <c:ptCount val="6"/>
+                <c:pt idx="0">
+                  <c:v>1</c:v>
+                </c:pt>
+                <c:pt idx="1">
+                  <c:v>2</c:v>
+                </c:pt>
+                <c:pt idx="2">
+                  <c:v>4</c:v>
+                </c:pt>
+                <c:pt idx="3">
+                  <c:v>8</c:v>
+                </c:pt>
+                <c:pt idx="4">
+                  <c:v>16</c:v>
+                </c:pt>
+                <c:pt idx="5">
+                  <c:v>32</c:v>
+                </c:pt>
+              </c:numCache>
+            </c:numRef>
+          </c:xVal>
+          <c:yVal>
+            <c:numRef>
+              <c:f>Badania!$D$14:$D$19</c:f>
+              <c:numCache>
+                <c:formatCode>0.000000</c:formatCode>
+                <c:ptCount val="6"/>
+                <c:pt idx="0">
+                  <c:v>4.4733330000000002</c:v>
+                </c:pt>
+                <c:pt idx="1">
+                  <c:v>2.6644429999999999</c:v>
+                </c:pt>
+                <c:pt idx="2">
+                  <c:v>2.2803710000000001</c:v>
+                </c:pt>
+                <c:pt idx="3">
+                  <c:v>1.6094329999999999</c:v>
+                </c:pt>
+                <c:pt idx="4">
+                  <c:v>1.1262890000000001</c:v>
+                </c:pt>
+                <c:pt idx="5">
+                  <c:v>0.84895699999999996</c:v>
+                </c:pt>
+              </c:numCache>
+            </c:numRef>
+          </c:yVal>
+          <c:smooth val="1"/>
+          <c:extLst>
+            <c:ext xmlns:c16="http://schemas.microsoft.com/office/drawing/2014/chart" uri="{C3380CC4-5D6E-409C-BE32-E72D297353CC}">
+              <c16:uniqueId val="{00000002-4F3B-4177-97AD-058946AE7E6F}"/>
+            </c:ext>
+          </c:extLst>
+        </c:ser>
+        <c:ser>
+          <c:idx val="3"/>
+          <c:order val="3"/>
+          <c:tx>
+            <c:strRef>
+              <c:f>Badania!$B$20</c:f>
+              <c:strCache>
+                <c:ptCount val="1"/>
+                <c:pt idx="0">
+                  <c:v>131072</c:v>
+                </c:pt>
+              </c:strCache>
+            </c:strRef>
+          </c:tx>
+          <c:spPr>
+            <a:ln w="28800">
+              <a:solidFill>
+                <a:srgbClr val="FFC000"/>
+              </a:solidFill>
+              <a:round/>
+            </a:ln>
+          </c:spPr>
+          <c:marker>
+            <c:spPr>
+              <a:solidFill>
+                <a:srgbClr val="FFC000"/>
+              </a:solidFill>
+              <a:ln>
+                <a:solidFill>
+                  <a:srgbClr val="FFC000"/>
+                </a:solidFill>
+              </a:ln>
+            </c:spPr>
+          </c:marker>
+          <c:xVal>
+            <c:numRef>
+              <c:f>Badania!$C$20:$C$25</c:f>
+              <c:numCache>
+                <c:formatCode>General</c:formatCode>
+                <c:ptCount val="6"/>
+                <c:pt idx="0">
+                  <c:v>1</c:v>
+                </c:pt>
+                <c:pt idx="1">
+                  <c:v>2</c:v>
+                </c:pt>
+                <c:pt idx="2">
+                  <c:v>4</c:v>
+                </c:pt>
+                <c:pt idx="3">
+                  <c:v>8</c:v>
+                </c:pt>
+                <c:pt idx="4">
+                  <c:v>16</c:v>
+                </c:pt>
+                <c:pt idx="5">
+                  <c:v>32</c:v>
+                </c:pt>
+              </c:numCache>
+            </c:numRef>
+          </c:xVal>
+          <c:yVal>
+            <c:numRef>
+              <c:f>Badania!$D$20:$D$25</c:f>
+              <c:numCache>
+                <c:formatCode>0.000000</c:formatCode>
+                <c:ptCount val="6"/>
+                <c:pt idx="0">
+                  <c:v>21.796237000000001</c:v>
+                </c:pt>
+                <c:pt idx="1">
+                  <c:v>12.131159999999999</c:v>
+                </c:pt>
+                <c:pt idx="2">
+                  <c:v>8.9725020000000004</c:v>
+                </c:pt>
+                <c:pt idx="3">
+                  <c:v>6.5902620000000001</c:v>
+                </c:pt>
+                <c:pt idx="4">
+                  <c:v>4.8145199999999999</c:v>
+                </c:pt>
+                <c:pt idx="5">
+                  <c:v>3.7222780000000002</c:v>
+                </c:pt>
+              </c:numCache>
+            </c:numRef>
+          </c:yVal>
+          <c:smooth val="1"/>
+          <c:extLst>
+            <c:ext xmlns:c16="http://schemas.microsoft.com/office/drawing/2014/chart" uri="{C3380CC4-5D6E-409C-BE32-E72D297353CC}">
+              <c16:uniqueId val="{00000003-4F3B-4177-97AD-058946AE7E6F}"/>
+            </c:ext>
+          </c:extLst>
+        </c:ser>
+        <c:dLbls>
+          <c:showLegendKey val="0"/>
+          <c:showVal val="0"/>
+          <c:showCatName val="0"/>
+          <c:showSerName val="0"/>
+          <c:showPercent val="0"/>
+          <c:showBubbleSize val="0"/>
+        </c:dLbls>
+        <c:axId val="62421808"/>
+        <c:axId val="55283045"/>
+      </c:scatterChart>
+      <c:valAx>
+        <c:axId val="62421808"/>
+        <c:scaling>
+          <c:orientation val="minMax"/>
+          <c:max val="34"/>
+          <c:min val="0"/>
+        </c:scaling>
+        <c:delete val="0"/>
+        <c:axPos val="b"/>
+        <c:majorGridlines>
+          <c:spPr>
+            <a:ln w="9360">
+              <a:solidFill>
+                <a:srgbClr val="D9D9D9"/>
+              </a:solidFill>
+              <a:round/>
+            </a:ln>
+          </c:spPr>
+        </c:majorGridlines>
+        <c:title>
+          <c:tx>
+            <c:rich>
+              <a:bodyPr rot="0"/>
+              <a:lstStyle/>
+              <a:p>
+                <a:pPr>
+                  <a:defRPr sz="1000" b="0" strike="noStrike" spc="-1">
+                    <a:solidFill>
+                      <a:srgbClr val="595959"/>
+                    </a:solidFill>
+                    <a:latin typeface="Calibri"/>
+                  </a:defRPr>
+                </a:pPr>
+                <a:r>
+                  <a:rPr lang="pl-PL" sz="1000" b="0" strike="noStrike" spc="-1">
+                    <a:solidFill>
+                      <a:srgbClr val="595959"/>
+                    </a:solidFill>
+                    <a:latin typeface="Calibri"/>
+                  </a:rPr>
+                  <a:t>Liczba procesorów</a:t>
+                </a:r>
+              </a:p>
+            </c:rich>
+          </c:tx>
+          <c:overlay val="0"/>
+        </c:title>
+        <c:numFmt formatCode="General" sourceLinked="0"/>
+        <c:majorTickMark val="none"/>
+        <c:minorTickMark val="none"/>
+        <c:tickLblPos val="nextTo"/>
+        <c:spPr>
+          <a:ln w="9360">
+            <a:solidFill>
+              <a:srgbClr val="BFBFBF"/>
+            </a:solidFill>
+            <a:round/>
+          </a:ln>
+        </c:spPr>
+        <c:txPr>
+          <a:bodyPr/>
+          <a:lstStyle/>
+          <a:p>
+            <a:pPr>
+              <a:defRPr sz="900" b="0" strike="noStrike" spc="-1">
+                <a:solidFill>
+                  <a:srgbClr val="595959"/>
+                </a:solidFill>
+                <a:latin typeface="Calibri"/>
+              </a:defRPr>
+            </a:pPr>
+            <a:endParaRPr lang="pl-PL"/>
+          </a:p>
+        </c:txPr>
+        <c:crossAx val="55283045"/>
+        <c:crosses val="autoZero"/>
+        <c:crossBetween val="midCat"/>
+        <c:majorUnit val="4"/>
+        <c:minorUnit val="2"/>
+      </c:valAx>
+      <c:valAx>
+        <c:axId val="55283045"/>
+        <c:scaling>
+          <c:orientation val="minMax"/>
+        </c:scaling>
+        <c:delete val="0"/>
+        <c:axPos val="l"/>
+        <c:majorGridlines>
+          <c:spPr>
+            <a:ln w="9360">
+              <a:solidFill>
+                <a:srgbClr val="D9D9D9"/>
+              </a:solidFill>
+              <a:round/>
+            </a:ln>
+          </c:spPr>
+        </c:majorGridlines>
+        <c:title>
+          <c:tx>
+            <c:rich>
+              <a:bodyPr rot="-5400000"/>
+              <a:lstStyle/>
+              <a:p>
+                <a:pPr>
+                  <a:defRPr sz="1000" b="0" strike="noStrike" spc="-1">
+                    <a:solidFill>
+                      <a:srgbClr val="595959"/>
+                    </a:solidFill>
+                    <a:latin typeface="Calibri"/>
+                  </a:defRPr>
+                </a:pPr>
+                <a:r>
+                  <a:rPr lang="pl-PL" sz="1000" b="0" strike="noStrike" spc="-1">
+                    <a:solidFill>
+                      <a:srgbClr val="595959"/>
+                    </a:solidFill>
+                    <a:latin typeface="Calibri"/>
+                  </a:rPr>
+                  <a:t>Czas [s]</a:t>
+                </a:r>
+              </a:p>
+            </c:rich>
+          </c:tx>
+          <c:overlay val="0"/>
+        </c:title>
+        <c:numFmt formatCode="0.0" sourceLinked="0"/>
+        <c:majorTickMark val="none"/>
+        <c:minorTickMark val="none"/>
+        <c:tickLblPos val="nextTo"/>
+        <c:spPr>
+          <a:ln w="9360">
+            <a:solidFill>
+              <a:srgbClr val="BFBFBF"/>
+            </a:solidFill>
+            <a:round/>
+          </a:ln>
+        </c:spPr>
+        <c:txPr>
+          <a:bodyPr/>
+          <a:lstStyle/>
+          <a:p>
+            <a:pPr>
+              <a:defRPr sz="900" b="0" strike="noStrike" spc="-1">
+                <a:solidFill>
+                  <a:srgbClr val="595959"/>
+                </a:solidFill>
+                <a:latin typeface="Calibri"/>
+              </a:defRPr>
+            </a:pPr>
+            <a:endParaRPr lang="pl-PL"/>
+          </a:p>
+        </c:txPr>
+        <c:crossAx val="62421808"/>
+        <c:crosses val="autoZero"/>
+        <c:crossBetween val="midCat"/>
+        <c:majorUnit val="2"/>
+        <c:minorUnit val="1"/>
+      </c:valAx>
+      <c:spPr>
+        <a:noFill/>
+        <a:ln>
+          <a:noFill/>
+        </a:ln>
+      </c:spPr>
+    </c:plotArea>
+    <c:legend>
+      <c:legendPos val="b"/>
+      <c:overlay val="0"/>
+      <c:spPr>
+        <a:noFill/>
+        <a:ln>
+          <a:noFill/>
+        </a:ln>
+      </c:spPr>
+      <c:txPr>
+        <a:bodyPr/>
+        <a:lstStyle/>
+        <a:p>
+          <a:pPr>
+            <a:defRPr sz="900" b="0" strike="noStrike" spc="-1">
+              <a:solidFill>
+                <a:srgbClr val="595959"/>
+              </a:solidFill>
+              <a:latin typeface="Calibri"/>
+            </a:defRPr>
+          </a:pPr>
+          <a:endParaRPr lang="pl-PL"/>
+        </a:p>
+      </c:txPr>
+    </c:legend>
+    <c:plotVisOnly val="1"/>
+    <c:dispBlanksAs val="gap"/>
+    <c:showDLblsOverMax val="1"/>
+  </c:chart>
+  <c:spPr>
+    <a:solidFill>
+      <a:srgbClr val="FFFFFF"/>
+    </a:solidFill>
+    <a:ln w="9360">
+      <a:solidFill>
+        <a:srgbClr val="D9D9D9"/>
+      </a:solidFill>
+      <a:round/>
+    </a:ln>
+  </c:spPr>
+  <c:externalData r:id="rId1">
+    <c:autoUpdate val="0"/>
+  </c:externalData>
+</c:chartSpace>
+</file>
+
+<file path=ppt/charts/chart2.xml><?xml version="1.0" encoding="utf-8"?>
+<c:chartSpace xmlns:c="http://schemas.openxmlformats.org/drawingml/2006/chart" xmlns:a="http://schemas.openxmlformats.org/drawingml/2006/main" xmlns:r="http://schemas.openxmlformats.org/officeDocument/2006/relationships" xmlns:c16r2="http://schemas.microsoft.com/office/drawing/2015/06/chart">
+  <c:date1904 val="0"/>
+  <c:lang val="pl-PL"/>
+  <c:roundedCorners val="0"/>
+  <mc:AlternateContent xmlns:mc="http://schemas.openxmlformats.org/markup-compatibility/2006">
+    <mc:Choice xmlns:c14="http://schemas.microsoft.com/office/drawing/2007/8/2/chart" Requires="c14">
+      <c14:style val="102"/>
+    </mc:Choice>
+    <mc:Fallback>
+      <c:style val="2"/>
+    </mc:Fallback>
+  </mc:AlternateContent>
+  <c:chart>
+    <c:title>
+      <c:tx>
+        <c:rich>
+          <a:bodyPr rot="0"/>
+          <a:lstStyle/>
+          <a:p>
+            <a:pPr>
+              <a:defRPr sz="1400" b="0" i="1" strike="noStrike" spc="-1">
+                <a:solidFill>
+                  <a:srgbClr val="595959"/>
+                </a:solidFill>
+                <a:latin typeface="Calibri"/>
+              </a:defRPr>
+            </a:pPr>
+            <a:r>
+              <a:rPr lang="pl-PL" sz="1400" b="0" i="1" strike="noStrike" spc="-1">
+                <a:solidFill>
+                  <a:srgbClr val="595959"/>
+                </a:solidFill>
+                <a:latin typeface="Calibri"/>
+              </a:rPr>
+              <a:t>Czas wykonania algorytmu</a:t>
+            </a:r>
+            <a:r>
+              <a:rPr lang="pl-PL" sz="1400" b="0" i="1" strike="noStrike" spc="-1" baseline="0">
+                <a:solidFill>
+                  <a:srgbClr val="595959"/>
+                </a:solidFill>
+                <a:latin typeface="Calibri"/>
+              </a:rPr>
+              <a:t> właściwego w zależności od liczby użytych jednostek obliczeniowych</a:t>
+            </a:r>
+            <a:endParaRPr lang="pl-PL" sz="1400" b="0" i="1" strike="noStrike" spc="-1">
+              <a:solidFill>
+                <a:srgbClr val="595959"/>
+              </a:solidFill>
+              <a:latin typeface="Calibri"/>
+            </a:endParaRPr>
+          </a:p>
+        </c:rich>
+      </c:tx>
+      <c:overlay val="0"/>
+    </c:title>
+    <c:autoTitleDeleted val="0"/>
+    <c:plotArea>
+      <c:layout/>
+      <c:scatterChart>
+        <c:scatterStyle val="smoothMarker"/>
+        <c:varyColors val="0"/>
+        <c:ser>
+          <c:idx val="0"/>
+          <c:order val="0"/>
+          <c:tx>
+            <c:strRef>
+              <c:f>Badania!$B$2</c:f>
+              <c:strCache>
+                <c:ptCount val="1"/>
+                <c:pt idx="0">
+                  <c:v>1024</c:v>
+                </c:pt>
+              </c:strCache>
+            </c:strRef>
+          </c:tx>
+          <c:spPr>
+            <a:ln w="28800">
+              <a:solidFill>
+                <a:schemeClr val="accent2"/>
+              </a:solidFill>
+              <a:round/>
+            </a:ln>
+          </c:spPr>
+          <c:marker>
+            <c:spPr>
+              <a:solidFill>
+                <a:schemeClr val="accent2"/>
+              </a:solidFill>
+              <a:ln>
+                <a:solidFill>
+                  <a:schemeClr val="accent2"/>
+                </a:solidFill>
+              </a:ln>
+            </c:spPr>
+          </c:marker>
+          <c:dPt>
+            <c:idx val="4"/>
+            <c:bubble3D val="0"/>
+            <c:spPr>
+              <a:ln w="28800">
+                <a:solidFill>
+                  <a:srgbClr val="ED7D31"/>
+                </a:solidFill>
+                <a:round/>
+              </a:ln>
+            </c:spPr>
+            <c:extLst>
+              <c:ext xmlns:c16="http://schemas.microsoft.com/office/drawing/2014/chart" uri="{C3380CC4-5D6E-409C-BE32-E72D297353CC}">
+                <c16:uniqueId val="{00000001-1250-4808-937B-D669DD82CF7A}"/>
+              </c:ext>
+            </c:extLst>
+          </c:dPt>
+          <c:xVal>
+            <c:numRef>
+              <c:f>Badania!$C$2:$C$7</c:f>
+              <c:numCache>
+                <c:formatCode>General</c:formatCode>
+                <c:ptCount val="6"/>
+                <c:pt idx="0">
+                  <c:v>1</c:v>
+                </c:pt>
+                <c:pt idx="1">
+                  <c:v>2</c:v>
+                </c:pt>
+                <c:pt idx="2">
+                  <c:v>4</c:v>
+                </c:pt>
+                <c:pt idx="3">
+                  <c:v>8</c:v>
+                </c:pt>
+                <c:pt idx="4">
+                  <c:v>16</c:v>
+                </c:pt>
+                <c:pt idx="5">
+                  <c:v>32</c:v>
+                </c:pt>
+              </c:numCache>
+            </c:numRef>
+          </c:xVal>
+          <c:yVal>
+            <c:numRef>
+              <c:f>Badania!$D$2:$D$7</c:f>
+              <c:numCache>
+                <c:formatCode>0.000000</c:formatCode>
+                <c:ptCount val="6"/>
+                <c:pt idx="0">
+                  <c:v>8.2116999999999996E-2</c:v>
+                </c:pt>
+                <c:pt idx="1">
+                  <c:v>5.0478000000000002E-2</c:v>
+                </c:pt>
+                <c:pt idx="2" formatCode="General">
+                  <c:v>3.7272E-2</c:v>
+                </c:pt>
+                <c:pt idx="3" formatCode="General">
+                  <c:v>3.4474999999999999E-2</c:v>
+                </c:pt>
+                <c:pt idx="4" formatCode="General">
+                  <c:v>3.1268999999999998E-2</c:v>
+                </c:pt>
+                <c:pt idx="5" formatCode="General">
+                  <c:v>2.9964000000000001E-2</c:v>
+                </c:pt>
+              </c:numCache>
+            </c:numRef>
+          </c:yVal>
+          <c:smooth val="1"/>
+          <c:extLst>
+            <c:ext xmlns:c16="http://schemas.microsoft.com/office/drawing/2014/chart" uri="{C3380CC4-5D6E-409C-BE32-E72D297353CC}">
+              <c16:uniqueId val="{00000002-1250-4808-937B-D669DD82CF7A}"/>
+            </c:ext>
+          </c:extLst>
+        </c:ser>
+        <c:ser>
+          <c:idx val="1"/>
+          <c:order val="1"/>
+          <c:tx>
+            <c:strRef>
+              <c:f>Badania!$B$8</c:f>
+              <c:strCache>
+                <c:ptCount val="1"/>
+                <c:pt idx="0">
+                  <c:v>8192</c:v>
+                </c:pt>
+              </c:strCache>
+            </c:strRef>
+          </c:tx>
+          <c:spPr>
+            <a:ln w="28800">
+              <a:solidFill>
+                <a:schemeClr val="accent6">
+                  <a:lumMod val="75000"/>
+                </a:schemeClr>
+              </a:solidFill>
+              <a:round/>
+            </a:ln>
+          </c:spPr>
+          <c:marker>
+            <c:spPr>
+              <a:solidFill>
+                <a:schemeClr val="accent6">
+                  <a:lumMod val="75000"/>
+                </a:schemeClr>
+              </a:solidFill>
+              <a:ln>
+                <a:solidFill>
+                  <a:schemeClr val="accent6">
+                    <a:lumMod val="75000"/>
+                  </a:schemeClr>
+                </a:solidFill>
+              </a:ln>
+            </c:spPr>
+          </c:marker>
+          <c:xVal>
+            <c:numRef>
+              <c:f>Badania!$C$8:$C$13</c:f>
+              <c:numCache>
+                <c:formatCode>General</c:formatCode>
+                <c:ptCount val="6"/>
+                <c:pt idx="0">
+                  <c:v>1</c:v>
+                </c:pt>
+                <c:pt idx="1">
+                  <c:v>2</c:v>
+                </c:pt>
+                <c:pt idx="2">
+                  <c:v>4</c:v>
+                </c:pt>
+                <c:pt idx="3">
+                  <c:v>8</c:v>
+                </c:pt>
+                <c:pt idx="4">
+                  <c:v>16</c:v>
+                </c:pt>
+                <c:pt idx="5">
+                  <c:v>32</c:v>
+                </c:pt>
+              </c:numCache>
+            </c:numRef>
+          </c:xVal>
+          <c:yVal>
+            <c:numRef>
+              <c:f>Badania!$D$8:$D$13</c:f>
+              <c:numCache>
+                <c:formatCode>0.000000</c:formatCode>
+                <c:ptCount val="6"/>
+                <c:pt idx="0">
+                  <c:v>0.84548599999999996</c:v>
+                </c:pt>
+                <c:pt idx="1">
+                  <c:v>0.51801399999999997</c:v>
+                </c:pt>
+                <c:pt idx="2">
+                  <c:v>0.43288500000000002</c:v>
+                </c:pt>
+                <c:pt idx="3">
+                  <c:v>0.31309500000000001</c:v>
+                </c:pt>
+                <c:pt idx="4">
+                  <c:v>0.249949</c:v>
+                </c:pt>
+                <c:pt idx="5">
+                  <c:v>0.23594000000000001</c:v>
+                </c:pt>
+              </c:numCache>
+            </c:numRef>
+          </c:yVal>
+          <c:smooth val="1"/>
+          <c:extLst>
+            <c:ext xmlns:c16="http://schemas.microsoft.com/office/drawing/2014/chart" uri="{C3380CC4-5D6E-409C-BE32-E72D297353CC}">
+              <c16:uniqueId val="{00000003-1250-4808-937B-D669DD82CF7A}"/>
+            </c:ext>
+          </c:extLst>
+        </c:ser>
+        <c:ser>
+          <c:idx val="2"/>
+          <c:order val="2"/>
+          <c:tx>
+            <c:strRef>
+              <c:f>Badania!$B$14</c:f>
+              <c:strCache>
+                <c:ptCount val="1"/>
+                <c:pt idx="0">
+                  <c:v>32768</c:v>
+                </c:pt>
+              </c:strCache>
+            </c:strRef>
+          </c:tx>
+          <c:spPr>
+            <a:ln w="28800">
+              <a:solidFill>
+                <a:srgbClr val="FF420E"/>
+              </a:solidFill>
+              <a:round/>
+            </a:ln>
+          </c:spPr>
+          <c:marker>
+            <c:spPr>
+              <a:solidFill>
+                <a:srgbClr val="FF420E"/>
+              </a:solidFill>
+              <a:ln>
+                <a:solidFill>
+                  <a:srgbClr val="FF420E"/>
+                </a:solidFill>
+              </a:ln>
+            </c:spPr>
+          </c:marker>
+          <c:xVal>
+            <c:numRef>
+              <c:f>Badania!$C$14:$C$19</c:f>
+              <c:numCache>
+                <c:formatCode>General</c:formatCode>
+                <c:ptCount val="6"/>
+                <c:pt idx="0">
+                  <c:v>1</c:v>
+                </c:pt>
+                <c:pt idx="1">
+                  <c:v>2</c:v>
+                </c:pt>
+                <c:pt idx="2">
+                  <c:v>4</c:v>
+                </c:pt>
+                <c:pt idx="3">
+                  <c:v>8</c:v>
+                </c:pt>
+                <c:pt idx="4">
+                  <c:v>16</c:v>
+                </c:pt>
+                <c:pt idx="5">
+                  <c:v>32</c:v>
+                </c:pt>
+              </c:numCache>
+            </c:numRef>
+          </c:xVal>
+          <c:yVal>
+            <c:numRef>
+              <c:f>Badania!$D$14:$D$19</c:f>
+              <c:numCache>
+                <c:formatCode>0.000000</c:formatCode>
+                <c:ptCount val="6"/>
+                <c:pt idx="0">
+                  <c:v>4.4733330000000002</c:v>
+                </c:pt>
+                <c:pt idx="1">
+                  <c:v>2.6644429999999999</c:v>
+                </c:pt>
+                <c:pt idx="2">
+                  <c:v>2.2803710000000001</c:v>
+                </c:pt>
+                <c:pt idx="3">
+                  <c:v>1.6094329999999999</c:v>
+                </c:pt>
+                <c:pt idx="4">
+                  <c:v>1.1262890000000001</c:v>
+                </c:pt>
+                <c:pt idx="5">
+                  <c:v>0.84895699999999996</c:v>
+                </c:pt>
+              </c:numCache>
+            </c:numRef>
+          </c:yVal>
+          <c:smooth val="1"/>
+          <c:extLst>
+            <c:ext xmlns:c16="http://schemas.microsoft.com/office/drawing/2014/chart" uri="{C3380CC4-5D6E-409C-BE32-E72D297353CC}">
+              <c16:uniqueId val="{00000004-1250-4808-937B-D669DD82CF7A}"/>
+            </c:ext>
+          </c:extLst>
+        </c:ser>
+        <c:ser>
+          <c:idx val="3"/>
+          <c:order val="3"/>
+          <c:tx>
+            <c:strRef>
+              <c:f>Badania!$B$20</c:f>
+              <c:strCache>
+                <c:ptCount val="1"/>
+                <c:pt idx="0">
+                  <c:v>131072</c:v>
+                </c:pt>
+              </c:strCache>
+            </c:strRef>
+          </c:tx>
+          <c:spPr>
+            <a:ln w="28800">
+              <a:solidFill>
+                <a:srgbClr val="FFD320"/>
+              </a:solidFill>
+              <a:round/>
+            </a:ln>
+          </c:spPr>
+          <c:marker>
+            <c:spPr>
+              <a:solidFill>
+                <a:srgbClr val="FFC000"/>
+              </a:solidFill>
+              <a:ln>
+                <a:solidFill>
+                  <a:srgbClr val="FFC000"/>
+                </a:solidFill>
+              </a:ln>
+            </c:spPr>
+          </c:marker>
+          <c:xVal>
+            <c:numRef>
+              <c:f>Badania!$C$20:$C$25</c:f>
+              <c:numCache>
+                <c:formatCode>General</c:formatCode>
+                <c:ptCount val="6"/>
+                <c:pt idx="0">
+                  <c:v>1</c:v>
+                </c:pt>
+                <c:pt idx="1">
+                  <c:v>2</c:v>
+                </c:pt>
+                <c:pt idx="2">
+                  <c:v>4</c:v>
+                </c:pt>
+                <c:pt idx="3">
+                  <c:v>8</c:v>
+                </c:pt>
+                <c:pt idx="4">
+                  <c:v>16</c:v>
+                </c:pt>
+                <c:pt idx="5">
+                  <c:v>32</c:v>
+                </c:pt>
+              </c:numCache>
+            </c:numRef>
+          </c:xVal>
+          <c:yVal>
+            <c:numRef>
+              <c:f>Badania!$D$20:$D$25</c:f>
+              <c:numCache>
+                <c:formatCode>0.000000</c:formatCode>
+                <c:ptCount val="6"/>
+                <c:pt idx="0">
+                  <c:v>21.796237000000001</c:v>
+                </c:pt>
+                <c:pt idx="1">
+                  <c:v>12.131159999999999</c:v>
+                </c:pt>
+                <c:pt idx="2">
+                  <c:v>8.9725020000000004</c:v>
+                </c:pt>
+                <c:pt idx="3">
+                  <c:v>6.5902620000000001</c:v>
+                </c:pt>
+                <c:pt idx="4">
+                  <c:v>4.8145199999999999</c:v>
+                </c:pt>
+                <c:pt idx="5">
+                  <c:v>3.7222780000000002</c:v>
+                </c:pt>
+              </c:numCache>
+            </c:numRef>
+          </c:yVal>
+          <c:smooth val="1"/>
+          <c:extLst>
+            <c:ext xmlns:c16="http://schemas.microsoft.com/office/drawing/2014/chart" uri="{C3380CC4-5D6E-409C-BE32-E72D297353CC}">
+              <c16:uniqueId val="{00000005-1250-4808-937B-D669DD82CF7A}"/>
+            </c:ext>
+          </c:extLst>
+        </c:ser>
+        <c:dLbls>
+          <c:showLegendKey val="0"/>
+          <c:showVal val="0"/>
+          <c:showCatName val="0"/>
+          <c:showSerName val="0"/>
+          <c:showPercent val="0"/>
+          <c:showBubbleSize val="0"/>
+        </c:dLbls>
+        <c:axId val="62421808"/>
+        <c:axId val="55283045"/>
+      </c:scatterChart>
+      <c:valAx>
+        <c:axId val="62421808"/>
+        <c:scaling>
+          <c:orientation val="minMax"/>
+          <c:max val="34"/>
+          <c:min val="0"/>
+        </c:scaling>
+        <c:delete val="0"/>
+        <c:axPos val="b"/>
+        <c:title>
+          <c:tx>
+            <c:rich>
+              <a:bodyPr rot="0"/>
+              <a:lstStyle/>
+              <a:p>
+                <a:pPr>
+                  <a:defRPr sz="1000" b="0" strike="noStrike" spc="-1">
+                    <a:solidFill>
+                      <a:srgbClr val="595959"/>
+                    </a:solidFill>
+                    <a:latin typeface="Calibri"/>
+                  </a:defRPr>
+                </a:pPr>
+                <a:r>
+                  <a:rPr lang="pl-PL" sz="1000" b="0" strike="noStrike" spc="-1">
+                    <a:solidFill>
+                      <a:srgbClr val="595959"/>
+                    </a:solidFill>
+                    <a:latin typeface="Calibri"/>
+                  </a:rPr>
+                  <a:t>Liczba procesorów</a:t>
+                </a:r>
+              </a:p>
+            </c:rich>
+          </c:tx>
+          <c:overlay val="0"/>
+        </c:title>
+        <c:numFmt formatCode="General" sourceLinked="0"/>
+        <c:majorTickMark val="none"/>
+        <c:minorTickMark val="none"/>
+        <c:tickLblPos val="nextTo"/>
+        <c:spPr>
+          <a:ln w="9360">
+            <a:solidFill>
+              <a:srgbClr val="BFBFBF"/>
+            </a:solidFill>
+            <a:round/>
+          </a:ln>
+        </c:spPr>
+        <c:txPr>
+          <a:bodyPr/>
+          <a:lstStyle/>
+          <a:p>
+            <a:pPr>
+              <a:defRPr sz="900" b="0" strike="noStrike" spc="-1">
+                <a:solidFill>
+                  <a:srgbClr val="595959"/>
+                </a:solidFill>
+                <a:latin typeface="Calibri"/>
+              </a:defRPr>
+            </a:pPr>
+            <a:endParaRPr lang="pl-PL"/>
+          </a:p>
+        </c:txPr>
+        <c:crossAx val="55283045"/>
+        <c:crossesAt val="1.0000000000000002E-2"/>
+        <c:crossBetween val="midCat"/>
+        <c:majorUnit val="4"/>
+        <c:minorUnit val="2"/>
+      </c:valAx>
+      <c:valAx>
+        <c:axId val="55283045"/>
+        <c:scaling>
+          <c:logBase val="10"/>
+          <c:orientation val="minMax"/>
+        </c:scaling>
+        <c:delete val="0"/>
+        <c:axPos val="l"/>
+        <c:majorGridlines>
+          <c:spPr>
+            <a:ln w="9360">
+              <a:solidFill>
+                <a:srgbClr val="D9D9D9"/>
+              </a:solidFill>
+              <a:round/>
+            </a:ln>
+          </c:spPr>
+        </c:majorGridlines>
+        <c:title>
+          <c:tx>
+            <c:rich>
+              <a:bodyPr rot="-5400000"/>
+              <a:lstStyle/>
+              <a:p>
+                <a:pPr>
+                  <a:defRPr sz="1000" b="0" strike="noStrike" spc="-1">
+                    <a:solidFill>
+                      <a:srgbClr val="595959"/>
+                    </a:solidFill>
+                    <a:latin typeface="Calibri"/>
+                  </a:defRPr>
+                </a:pPr>
+                <a:r>
+                  <a:rPr lang="pl-PL" sz="1000" b="0" strike="noStrike" spc="-1">
+                    <a:solidFill>
+                      <a:srgbClr val="595959"/>
+                    </a:solidFill>
+                    <a:latin typeface="Calibri"/>
+                  </a:rPr>
+                  <a:t>Czas [s]</a:t>
+                </a:r>
+              </a:p>
+            </c:rich>
+          </c:tx>
+          <c:overlay val="0"/>
+        </c:title>
+        <c:numFmt formatCode="0.0" sourceLinked="0"/>
+        <c:majorTickMark val="none"/>
+        <c:minorTickMark val="none"/>
+        <c:tickLblPos val="nextTo"/>
+        <c:spPr>
+          <a:ln w="9360">
+            <a:solidFill>
+              <a:srgbClr val="BFBFBF"/>
+            </a:solidFill>
+            <a:round/>
+          </a:ln>
+        </c:spPr>
+        <c:txPr>
+          <a:bodyPr/>
+          <a:lstStyle/>
+          <a:p>
+            <a:pPr>
+              <a:defRPr sz="900" b="0" strike="noStrike" spc="-1">
+                <a:solidFill>
+                  <a:srgbClr val="595959"/>
+                </a:solidFill>
+                <a:latin typeface="Calibri"/>
+              </a:defRPr>
+            </a:pPr>
+            <a:endParaRPr lang="pl-PL"/>
+          </a:p>
+        </c:txPr>
+        <c:crossAx val="62421808"/>
+        <c:crosses val="autoZero"/>
+        <c:crossBetween val="midCat"/>
+      </c:valAx>
+      <c:spPr>
+        <a:noFill/>
+        <a:ln>
+          <a:noFill/>
+        </a:ln>
+      </c:spPr>
+    </c:plotArea>
+    <c:legend>
+      <c:legendPos val="b"/>
+      <c:overlay val="0"/>
+      <c:spPr>
+        <a:noFill/>
+        <a:ln>
+          <a:noFill/>
+        </a:ln>
+      </c:spPr>
+      <c:txPr>
+        <a:bodyPr/>
+        <a:lstStyle/>
+        <a:p>
+          <a:pPr>
+            <a:defRPr sz="900" b="0" strike="noStrike" spc="-1">
+              <a:solidFill>
+                <a:srgbClr val="595959"/>
+              </a:solidFill>
+              <a:latin typeface="Calibri"/>
+            </a:defRPr>
+          </a:pPr>
+          <a:endParaRPr lang="pl-PL"/>
+        </a:p>
+      </c:txPr>
+    </c:legend>
+    <c:plotVisOnly val="1"/>
+    <c:dispBlanksAs val="gap"/>
+    <c:showDLblsOverMax val="1"/>
+  </c:chart>
+  <c:spPr>
+    <a:solidFill>
+      <a:srgbClr val="FFFFFF"/>
+    </a:solidFill>
+    <a:ln w="9360">
+      <a:solidFill>
+        <a:srgbClr val="D9D9D9"/>
+      </a:solidFill>
+      <a:round/>
+    </a:ln>
+  </c:spPr>
+  <c:externalData r:id="rId1">
+    <c:autoUpdate val="0"/>
+  </c:externalData>
+</c:chartSpace>
+</file>
+
+<file path=ppt/charts/chart3.xml><?xml version="1.0" encoding="utf-8"?>
+<c:chartSpace xmlns:c="http://schemas.openxmlformats.org/drawingml/2006/chart" xmlns:a="http://schemas.openxmlformats.org/drawingml/2006/main" xmlns:r="http://schemas.openxmlformats.org/officeDocument/2006/relationships" xmlns:c16r2="http://schemas.microsoft.com/office/drawing/2015/06/chart">
+  <c:date1904 val="0"/>
+  <c:lang val="pl-PL"/>
+  <c:roundedCorners val="0"/>
+  <mc:AlternateContent xmlns:mc="http://schemas.openxmlformats.org/markup-compatibility/2006">
+    <mc:Choice xmlns:c14="http://schemas.microsoft.com/office/drawing/2007/8/2/chart" Requires="c14">
+      <c14:style val="102"/>
+    </mc:Choice>
+    <mc:Fallback>
+      <c:style val="2"/>
+    </mc:Fallback>
+  </mc:AlternateContent>
+  <c:chart>
+    <c:title>
+      <c:tx>
+        <c:rich>
+          <a:bodyPr rot="0"/>
+          <a:lstStyle/>
+          <a:p>
+            <a:pPr>
+              <a:defRPr sz="1400" b="0" i="1" strike="noStrike" spc="-1">
+                <a:solidFill>
+                  <a:srgbClr val="595959"/>
+                </a:solidFill>
+                <a:latin typeface="Calibri"/>
+              </a:defRPr>
+            </a:pPr>
+            <a:r>
+              <a:rPr lang="pl-PL" sz="1400" b="0" i="1" strike="noStrike" spc="-1">
+                <a:solidFill>
+                  <a:srgbClr val="595959"/>
+                </a:solidFill>
+                <a:latin typeface="Calibri"/>
+              </a:rPr>
+              <a:t>Przyspieszenie w zależności od liczby użytych jednostek obliczeniowych</a:t>
+            </a:r>
+          </a:p>
+        </c:rich>
+      </c:tx>
+      <c:overlay val="0"/>
+    </c:title>
+    <c:autoTitleDeleted val="0"/>
+    <c:plotArea>
+      <c:layout/>
+      <c:scatterChart>
+        <c:scatterStyle val="smoothMarker"/>
+        <c:varyColors val="0"/>
+        <c:ser>
+          <c:idx val="0"/>
+          <c:order val="0"/>
+          <c:tx>
+            <c:strRef>
+              <c:f>Badania!$B$2</c:f>
+              <c:strCache>
+                <c:ptCount val="1"/>
+                <c:pt idx="0">
+                  <c:v>1024</c:v>
+                </c:pt>
+              </c:strCache>
+            </c:strRef>
+          </c:tx>
+          <c:spPr>
+            <a:ln w="28800">
+              <a:solidFill>
+                <a:srgbClr val="FF950E"/>
+              </a:solidFill>
+              <a:round/>
+            </a:ln>
+          </c:spPr>
+          <c:marker>
+            <c:spPr>
+              <a:solidFill>
+                <a:srgbClr val="FF950E"/>
+              </a:solidFill>
+              <a:ln>
+                <a:solidFill>
+                  <a:srgbClr val="ED7D31"/>
+                </a:solidFill>
+              </a:ln>
+            </c:spPr>
+          </c:marker>
+          <c:dPt>
+            <c:idx val="5"/>
+            <c:marker>
+              <c:spPr>
+                <a:solidFill>
+                  <a:srgbClr val="ED7D31"/>
+                </a:solidFill>
+                <a:ln>
+                  <a:solidFill>
+                    <a:srgbClr val="ED7D31"/>
+                  </a:solidFill>
+                </a:ln>
+              </c:spPr>
+            </c:marker>
+            <c:bubble3D val="0"/>
+            <c:spPr>
+              <a:ln w="28800">
+                <a:solidFill>
+                  <a:srgbClr val="ED7D31"/>
+                </a:solidFill>
+                <a:round/>
+              </a:ln>
+            </c:spPr>
+            <c:extLst>
+              <c:ext xmlns:c16="http://schemas.microsoft.com/office/drawing/2014/chart" uri="{C3380CC4-5D6E-409C-BE32-E72D297353CC}">
+                <c16:uniqueId val="{00000001-0AA0-4840-8D1B-4C483929F6AF}"/>
+              </c:ext>
+            </c:extLst>
+          </c:dPt>
+          <c:xVal>
+            <c:numRef>
+              <c:f>Badania!$C$2:$C$7</c:f>
+              <c:numCache>
+                <c:formatCode>General</c:formatCode>
+                <c:ptCount val="6"/>
+                <c:pt idx="0">
+                  <c:v>1</c:v>
+                </c:pt>
+                <c:pt idx="1">
+                  <c:v>2</c:v>
+                </c:pt>
+                <c:pt idx="2">
+                  <c:v>4</c:v>
+                </c:pt>
+                <c:pt idx="3">
+                  <c:v>8</c:v>
+                </c:pt>
+                <c:pt idx="4">
+                  <c:v>16</c:v>
+                </c:pt>
+                <c:pt idx="5">
+                  <c:v>32</c:v>
+                </c:pt>
+              </c:numCache>
+            </c:numRef>
+          </c:xVal>
+          <c:yVal>
+            <c:numRef>
+              <c:f>Badania!$E$2:$E$7</c:f>
+              <c:numCache>
+                <c:formatCode>0.000</c:formatCode>
+                <c:ptCount val="6"/>
+                <c:pt idx="0">
+                  <c:v>1</c:v>
+                </c:pt>
+                <c:pt idx="1">
+                  <c:v>1.6267879076033123</c:v>
+                </c:pt>
+                <c:pt idx="2">
+                  <c:v>2.2031820133075768</c:v>
+                </c:pt>
+                <c:pt idx="3">
+                  <c:v>2.3819289340101522</c:v>
+                </c:pt>
+                <c:pt idx="4">
+                  <c:v>2.6261473024401165</c:v>
+                </c:pt>
+                <c:pt idx="5">
+                  <c:v>2.7405219596849548</c:v>
+                </c:pt>
+              </c:numCache>
+            </c:numRef>
+          </c:yVal>
+          <c:smooth val="1"/>
+          <c:extLst>
+            <c:ext xmlns:c16="http://schemas.microsoft.com/office/drawing/2014/chart" uri="{C3380CC4-5D6E-409C-BE32-E72D297353CC}">
+              <c16:uniqueId val="{00000002-0AA0-4840-8D1B-4C483929F6AF}"/>
+            </c:ext>
+          </c:extLst>
+        </c:ser>
+        <c:ser>
+          <c:idx val="1"/>
+          <c:order val="1"/>
+          <c:tx>
+            <c:strRef>
+              <c:f>Badania!$B$8</c:f>
+              <c:strCache>
+                <c:ptCount val="1"/>
+                <c:pt idx="0">
+                  <c:v>8192</c:v>
+                </c:pt>
+              </c:strCache>
+            </c:strRef>
+          </c:tx>
+          <c:spPr>
+            <a:ln w="28800">
+              <a:solidFill>
+                <a:srgbClr val="579D1C"/>
+              </a:solidFill>
+              <a:round/>
+            </a:ln>
+          </c:spPr>
+          <c:marker>
+            <c:spPr>
+              <a:solidFill>
+                <a:srgbClr val="579D1C"/>
+              </a:solidFill>
+              <a:ln>
+                <a:solidFill>
+                  <a:srgbClr val="579D1C"/>
+                </a:solidFill>
+              </a:ln>
+            </c:spPr>
+          </c:marker>
+          <c:xVal>
+            <c:numRef>
+              <c:f>Badania!$C$8:$C$13</c:f>
+              <c:numCache>
+                <c:formatCode>General</c:formatCode>
+                <c:ptCount val="6"/>
+                <c:pt idx="0">
+                  <c:v>1</c:v>
+                </c:pt>
+                <c:pt idx="1">
+                  <c:v>2</c:v>
+                </c:pt>
+                <c:pt idx="2">
+                  <c:v>4</c:v>
+                </c:pt>
+                <c:pt idx="3">
+                  <c:v>8</c:v>
+                </c:pt>
+                <c:pt idx="4">
+                  <c:v>16</c:v>
+                </c:pt>
+                <c:pt idx="5">
+                  <c:v>32</c:v>
+                </c:pt>
+              </c:numCache>
+            </c:numRef>
+          </c:xVal>
+          <c:yVal>
+            <c:numRef>
+              <c:f>Badania!$E$8:$E$13</c:f>
+              <c:numCache>
+                <c:formatCode>0.000</c:formatCode>
+                <c:ptCount val="6"/>
+                <c:pt idx="0">
+                  <c:v>1</c:v>
+                </c:pt>
+                <c:pt idx="1">
+                  <c:v>1.6321682425571509</c:v>
+                </c:pt>
+                <c:pt idx="2">
+                  <c:v>1.9531422895226214</c:v>
+                </c:pt>
+                <c:pt idx="3">
+                  <c:v>2.7004136124818343</c:v>
+                </c:pt>
+                <c:pt idx="4">
+                  <c:v>3.3826340573476985</c:v>
+                </c:pt>
+                <c:pt idx="5">
+                  <c:v>3.5834788505552257</c:v>
+                </c:pt>
+              </c:numCache>
+            </c:numRef>
+          </c:yVal>
+          <c:smooth val="1"/>
+          <c:extLst>
+            <c:ext xmlns:c16="http://schemas.microsoft.com/office/drawing/2014/chart" uri="{C3380CC4-5D6E-409C-BE32-E72D297353CC}">
+              <c16:uniqueId val="{00000003-0AA0-4840-8D1B-4C483929F6AF}"/>
+            </c:ext>
+          </c:extLst>
+        </c:ser>
+        <c:ser>
+          <c:idx val="2"/>
+          <c:order val="2"/>
+          <c:tx>
+            <c:strRef>
+              <c:f>Badania!$B$14</c:f>
+              <c:strCache>
+                <c:ptCount val="1"/>
+                <c:pt idx="0">
+                  <c:v>32768</c:v>
+                </c:pt>
+              </c:strCache>
+            </c:strRef>
+          </c:tx>
+          <c:spPr>
+            <a:ln w="28800">
+              <a:solidFill>
+                <a:srgbClr val="FF420E"/>
+              </a:solidFill>
+              <a:round/>
+            </a:ln>
+          </c:spPr>
+          <c:marker>
+            <c:spPr>
+              <a:solidFill>
+                <a:srgbClr val="FF420E"/>
+              </a:solidFill>
+              <a:ln>
+                <a:solidFill>
+                  <a:srgbClr val="FF420E"/>
+                </a:solidFill>
+              </a:ln>
+            </c:spPr>
+          </c:marker>
+          <c:xVal>
+            <c:numRef>
+              <c:f>Badania!$C$14:$C$19</c:f>
+              <c:numCache>
+                <c:formatCode>General</c:formatCode>
+                <c:ptCount val="6"/>
+                <c:pt idx="0">
+                  <c:v>1</c:v>
+                </c:pt>
+                <c:pt idx="1">
+                  <c:v>2</c:v>
+                </c:pt>
+                <c:pt idx="2">
+                  <c:v>4</c:v>
+                </c:pt>
+                <c:pt idx="3">
+                  <c:v>8</c:v>
+                </c:pt>
+                <c:pt idx="4">
+                  <c:v>16</c:v>
+                </c:pt>
+                <c:pt idx="5">
+                  <c:v>32</c:v>
+                </c:pt>
+              </c:numCache>
+            </c:numRef>
+          </c:xVal>
+          <c:yVal>
+            <c:numRef>
+              <c:f>Badania!$E$14:$E$19</c:f>
+              <c:numCache>
+                <c:formatCode>0.000</c:formatCode>
+                <c:ptCount val="6"/>
+                <c:pt idx="0">
+                  <c:v>1</c:v>
+                </c:pt>
+                <c:pt idx="1">
+                  <c:v>1.6788998676271176</c:v>
+                </c:pt>
+                <c:pt idx="2">
+                  <c:v>1.9616689564987451</c:v>
+                </c:pt>
+                <c:pt idx="3">
+                  <c:v>2.779446550431115</c:v>
+                </c:pt>
+                <c:pt idx="4">
+                  <c:v>3.9717452625391885</c:v>
+                </c:pt>
+                <c:pt idx="5">
+                  <c:v>5.2692103369193024</c:v>
+                </c:pt>
+              </c:numCache>
+            </c:numRef>
+          </c:yVal>
+          <c:smooth val="1"/>
+          <c:extLst>
+            <c:ext xmlns:c16="http://schemas.microsoft.com/office/drawing/2014/chart" uri="{C3380CC4-5D6E-409C-BE32-E72D297353CC}">
+              <c16:uniqueId val="{00000004-0AA0-4840-8D1B-4C483929F6AF}"/>
+            </c:ext>
+          </c:extLst>
+        </c:ser>
+        <c:ser>
+          <c:idx val="3"/>
+          <c:order val="3"/>
+          <c:tx>
+            <c:strRef>
+              <c:f>Badania!$B$20</c:f>
+              <c:strCache>
+                <c:ptCount val="1"/>
+                <c:pt idx="0">
+                  <c:v>131072</c:v>
+                </c:pt>
+              </c:strCache>
+            </c:strRef>
+          </c:tx>
+          <c:spPr>
+            <a:ln w="28800">
+              <a:solidFill>
+                <a:srgbClr val="FFD320"/>
+              </a:solidFill>
+              <a:round/>
+            </a:ln>
+          </c:spPr>
+          <c:marker>
+            <c:spPr>
+              <a:solidFill>
+                <a:srgbClr val="FFC000"/>
+              </a:solidFill>
+              <a:ln>
+                <a:solidFill>
+                  <a:srgbClr val="FFC000"/>
+                </a:solidFill>
+              </a:ln>
+            </c:spPr>
+          </c:marker>
+          <c:xVal>
+            <c:numRef>
+              <c:f>Badania!$C$20:$C$25</c:f>
+              <c:numCache>
+                <c:formatCode>General</c:formatCode>
+                <c:ptCount val="6"/>
+                <c:pt idx="0">
+                  <c:v>1</c:v>
+                </c:pt>
+                <c:pt idx="1">
+                  <c:v>2</c:v>
+                </c:pt>
+                <c:pt idx="2">
+                  <c:v>4</c:v>
+                </c:pt>
+                <c:pt idx="3">
+                  <c:v>8</c:v>
+                </c:pt>
+                <c:pt idx="4">
+                  <c:v>16</c:v>
+                </c:pt>
+                <c:pt idx="5">
+                  <c:v>32</c:v>
+                </c:pt>
+              </c:numCache>
+            </c:numRef>
+          </c:xVal>
+          <c:yVal>
+            <c:numRef>
+              <c:f>Badania!$E$20:$E$25</c:f>
+              <c:numCache>
+                <c:formatCode>0.000</c:formatCode>
+                <c:ptCount val="6"/>
+                <c:pt idx="0">
+                  <c:v>1</c:v>
+                </c:pt>
+                <c:pt idx="1">
+                  <c:v>1.7967149885089309</c:v>
+                </c:pt>
+                <c:pt idx="2">
+                  <c:v>2.4292262069153066</c:v>
+                </c:pt>
+                <c:pt idx="3">
+                  <c:v>3.3073399813239597</c:v>
+                </c:pt>
+                <c:pt idx="4">
+                  <c:v>4.5271879647399951</c:v>
+                </c:pt>
+                <c:pt idx="5">
+                  <c:v>5.8556177158181093</c:v>
+                </c:pt>
+              </c:numCache>
+            </c:numRef>
+          </c:yVal>
+          <c:smooth val="1"/>
+          <c:extLst>
+            <c:ext xmlns:c16="http://schemas.microsoft.com/office/drawing/2014/chart" uri="{C3380CC4-5D6E-409C-BE32-E72D297353CC}">
+              <c16:uniqueId val="{00000005-0AA0-4840-8D1B-4C483929F6AF}"/>
+            </c:ext>
+          </c:extLst>
+        </c:ser>
+        <c:dLbls>
+          <c:showLegendKey val="0"/>
+          <c:showVal val="0"/>
+          <c:showCatName val="0"/>
+          <c:showSerName val="0"/>
+          <c:showPercent val="0"/>
+          <c:showBubbleSize val="0"/>
+        </c:dLbls>
+        <c:axId val="74242498"/>
+        <c:axId val="39191243"/>
+      </c:scatterChart>
+      <c:valAx>
+        <c:axId val="74242498"/>
+        <c:scaling>
+          <c:orientation val="minMax"/>
+          <c:max val="34"/>
+          <c:min val="0"/>
+        </c:scaling>
+        <c:delete val="0"/>
+        <c:axPos val="b"/>
+        <c:majorGridlines>
+          <c:spPr>
+            <a:ln w="9360">
+              <a:solidFill>
+                <a:srgbClr val="D9D9D9"/>
+              </a:solidFill>
+              <a:round/>
+            </a:ln>
+          </c:spPr>
+        </c:majorGridlines>
+        <c:title>
+          <c:tx>
+            <c:rich>
+              <a:bodyPr rot="0"/>
+              <a:lstStyle/>
+              <a:p>
+                <a:pPr>
+                  <a:defRPr sz="1000" b="0" strike="noStrike" spc="-1">
+                    <a:solidFill>
+                      <a:srgbClr val="595959"/>
+                    </a:solidFill>
+                    <a:latin typeface="Calibri"/>
+                  </a:defRPr>
+                </a:pPr>
+                <a:r>
+                  <a:rPr lang="pl-PL" sz="1000" b="0" strike="noStrike" spc="-1">
+                    <a:solidFill>
+                      <a:srgbClr val="595959"/>
+                    </a:solidFill>
+                    <a:latin typeface="Calibri"/>
+                  </a:rPr>
+                  <a:t>Liczba procesorów</a:t>
+                </a:r>
+              </a:p>
+            </c:rich>
+          </c:tx>
+          <c:overlay val="0"/>
+        </c:title>
+        <c:numFmt formatCode="General" sourceLinked="0"/>
+        <c:majorTickMark val="none"/>
+        <c:minorTickMark val="none"/>
+        <c:tickLblPos val="nextTo"/>
+        <c:spPr>
+          <a:ln w="9360">
+            <a:solidFill>
+              <a:srgbClr val="BFBFBF"/>
+            </a:solidFill>
+            <a:round/>
+          </a:ln>
+        </c:spPr>
+        <c:txPr>
+          <a:bodyPr/>
+          <a:lstStyle/>
+          <a:p>
+            <a:pPr>
+              <a:defRPr sz="900" b="0" strike="noStrike" spc="-1">
+                <a:solidFill>
+                  <a:srgbClr val="595959"/>
+                </a:solidFill>
+                <a:latin typeface="Calibri"/>
+              </a:defRPr>
+            </a:pPr>
+            <a:endParaRPr lang="pl-PL"/>
+          </a:p>
+        </c:txPr>
+        <c:crossAx val="39191243"/>
+        <c:crosses val="autoZero"/>
+        <c:crossBetween val="midCat"/>
+        <c:majorUnit val="4"/>
+        <c:minorUnit val="2"/>
+      </c:valAx>
+      <c:valAx>
+        <c:axId val="39191243"/>
+        <c:scaling>
+          <c:orientation val="minMax"/>
+          <c:max val="6"/>
+        </c:scaling>
+        <c:delete val="0"/>
+        <c:axPos val="l"/>
+        <c:majorGridlines>
+          <c:spPr>
+            <a:ln w="9360">
+              <a:solidFill>
+                <a:srgbClr val="D9D9D9"/>
+              </a:solidFill>
+              <a:round/>
+            </a:ln>
+          </c:spPr>
+        </c:majorGridlines>
+        <c:title>
+          <c:tx>
+            <c:rich>
+              <a:bodyPr rot="-5400000"/>
+              <a:lstStyle/>
+              <a:p>
+                <a:pPr>
+                  <a:defRPr sz="1000" b="0" strike="noStrike" spc="-1">
+                    <a:solidFill>
+                      <a:srgbClr val="595959"/>
+                    </a:solidFill>
+                    <a:latin typeface="Calibri"/>
+                  </a:defRPr>
+                </a:pPr>
+                <a:r>
+                  <a:rPr lang="pl-PL" sz="1000" b="0" strike="noStrike" spc="-1">
+                    <a:solidFill>
+                      <a:srgbClr val="595959"/>
+                    </a:solidFill>
+                    <a:latin typeface="Calibri"/>
+                  </a:rPr>
+                  <a:t>Przyśpieszenie</a:t>
+                </a:r>
+              </a:p>
+            </c:rich>
+          </c:tx>
+          <c:overlay val="0"/>
+        </c:title>
+        <c:numFmt formatCode="0.0" sourceLinked="0"/>
+        <c:majorTickMark val="none"/>
+        <c:minorTickMark val="none"/>
+        <c:tickLblPos val="nextTo"/>
+        <c:spPr>
+          <a:ln w="9360">
+            <a:solidFill>
+              <a:srgbClr val="BFBFBF"/>
+            </a:solidFill>
+            <a:round/>
+          </a:ln>
+        </c:spPr>
+        <c:txPr>
+          <a:bodyPr/>
+          <a:lstStyle/>
+          <a:p>
+            <a:pPr>
+              <a:defRPr sz="900" b="0" strike="noStrike" spc="-1">
+                <a:solidFill>
+                  <a:srgbClr val="595959"/>
+                </a:solidFill>
+                <a:latin typeface="Calibri"/>
+              </a:defRPr>
+            </a:pPr>
+            <a:endParaRPr lang="pl-PL"/>
+          </a:p>
+        </c:txPr>
+        <c:crossAx val="74242498"/>
+        <c:crosses val="autoZero"/>
+        <c:crossBetween val="midCat"/>
+      </c:valAx>
+      <c:spPr>
+        <a:noFill/>
+        <a:ln>
+          <a:noFill/>
+        </a:ln>
+      </c:spPr>
+    </c:plotArea>
+    <c:legend>
+      <c:legendPos val="b"/>
+      <c:overlay val="0"/>
+      <c:spPr>
+        <a:noFill/>
+        <a:ln>
+          <a:noFill/>
+        </a:ln>
+      </c:spPr>
+      <c:txPr>
+        <a:bodyPr/>
+        <a:lstStyle/>
+        <a:p>
+          <a:pPr>
+            <a:defRPr sz="900" b="0" strike="noStrike" spc="-1">
+              <a:solidFill>
+                <a:srgbClr val="595959"/>
+              </a:solidFill>
+              <a:latin typeface="Calibri"/>
+            </a:defRPr>
+          </a:pPr>
+          <a:endParaRPr lang="pl-PL"/>
+        </a:p>
+      </c:txPr>
+    </c:legend>
+    <c:plotVisOnly val="1"/>
+    <c:dispBlanksAs val="gap"/>
+    <c:showDLblsOverMax val="1"/>
+  </c:chart>
+  <c:spPr>
+    <a:solidFill>
+      <a:srgbClr val="FFFFFF"/>
+    </a:solidFill>
+    <a:ln w="9360">
+      <a:solidFill>
+        <a:srgbClr val="D9D9D9"/>
+      </a:solidFill>
+      <a:round/>
+    </a:ln>
+  </c:spPr>
+  <c:externalData r:id="rId1">
+    <c:autoUpdate val="0"/>
+  </c:externalData>
+</c:chartSpace>
+</file>
+
+<file path=ppt/charts/chart4.xml><?xml version="1.0" encoding="utf-8"?>
+<c:chartSpace xmlns:c="http://schemas.openxmlformats.org/drawingml/2006/chart" xmlns:a="http://schemas.openxmlformats.org/drawingml/2006/main" xmlns:r="http://schemas.openxmlformats.org/officeDocument/2006/relationships" xmlns:c16r2="http://schemas.microsoft.com/office/drawing/2015/06/chart">
+  <c:date1904 val="0"/>
+  <c:lang val="pl-PL"/>
+  <c:roundedCorners val="0"/>
+  <mc:AlternateContent xmlns:mc="http://schemas.openxmlformats.org/markup-compatibility/2006">
+    <mc:Choice xmlns:c14="http://schemas.microsoft.com/office/drawing/2007/8/2/chart" Requires="c14">
+      <c14:style val="102"/>
+    </mc:Choice>
+    <mc:Fallback>
+      <c:style val="2"/>
+    </mc:Fallback>
+  </mc:AlternateContent>
+  <c:chart>
+    <c:title>
+      <c:tx>
+        <c:rich>
+          <a:bodyPr rot="0"/>
+          <a:lstStyle/>
+          <a:p>
+            <a:pPr>
+              <a:defRPr sz="1400" b="0" i="1" strike="noStrike" spc="-1">
+                <a:solidFill>
+                  <a:srgbClr val="595959"/>
+                </a:solidFill>
+                <a:latin typeface="Calibri"/>
+              </a:defRPr>
+            </a:pPr>
+            <a:r>
+              <a:rPr lang="pl-PL" sz="1400" b="0" i="1" strike="noStrike" spc="-1">
+                <a:solidFill>
+                  <a:srgbClr val="595959"/>
+                </a:solidFill>
+                <a:latin typeface="Calibri"/>
+              </a:rPr>
+              <a:t>Efektywność</a:t>
+            </a:r>
+            <a:r>
+              <a:rPr lang="pl-PL" sz="1400" b="0" i="1" strike="noStrike" spc="-1" baseline="0">
+                <a:solidFill>
+                  <a:srgbClr val="595959"/>
+                </a:solidFill>
+                <a:latin typeface="Calibri"/>
+              </a:rPr>
+              <a:t> zrównoleglania </a:t>
+            </a:r>
+            <a:r>
+              <a:rPr lang="pl-PL" sz="1400" b="0" i="1" strike="noStrike" spc="-1">
+                <a:solidFill>
+                  <a:srgbClr val="595959"/>
+                </a:solidFill>
+                <a:latin typeface="Calibri"/>
+              </a:rPr>
+              <a:t>w zależności od liczby użytych jednostek obliczeniowych</a:t>
+            </a:r>
+          </a:p>
+        </c:rich>
+      </c:tx>
+      <c:overlay val="0"/>
+    </c:title>
+    <c:autoTitleDeleted val="0"/>
+    <c:plotArea>
+      <c:layout/>
+      <c:scatterChart>
+        <c:scatterStyle val="smoothMarker"/>
+        <c:varyColors val="0"/>
+        <c:ser>
+          <c:idx val="0"/>
+          <c:order val="0"/>
+          <c:tx>
+            <c:strRef>
+              <c:f>Badania!$B$2</c:f>
+              <c:strCache>
+                <c:ptCount val="1"/>
+                <c:pt idx="0">
+                  <c:v>1024</c:v>
+                </c:pt>
+              </c:strCache>
+            </c:strRef>
+          </c:tx>
+          <c:spPr>
+            <a:ln w="28800">
+              <a:solidFill>
+                <a:srgbClr val="ED7D31"/>
+              </a:solidFill>
+              <a:round/>
+            </a:ln>
+          </c:spPr>
+          <c:marker>
+            <c:symbol val="none"/>
+          </c:marker>
+          <c:xVal>
+            <c:numRef>
+              <c:f>Badania!$C$2:$C$7</c:f>
+              <c:numCache>
+                <c:formatCode>General</c:formatCode>
+                <c:ptCount val="6"/>
+                <c:pt idx="0">
+                  <c:v>1</c:v>
+                </c:pt>
+                <c:pt idx="1">
+                  <c:v>2</c:v>
+                </c:pt>
+                <c:pt idx="2">
+                  <c:v>4</c:v>
+                </c:pt>
+                <c:pt idx="3">
+                  <c:v>8</c:v>
+                </c:pt>
+                <c:pt idx="4">
+                  <c:v>16</c:v>
+                </c:pt>
+                <c:pt idx="5">
+                  <c:v>32</c:v>
+                </c:pt>
+              </c:numCache>
+            </c:numRef>
+          </c:xVal>
+          <c:yVal>
+            <c:numRef>
+              <c:f>Badania!$F$2:$F$7</c:f>
+              <c:numCache>
+                <c:formatCode>0%</c:formatCode>
+                <c:ptCount val="6"/>
+                <c:pt idx="0">
+                  <c:v>1</c:v>
+                </c:pt>
+                <c:pt idx="1">
+                  <c:v>0.81339395380165613</c:v>
+                </c:pt>
+                <c:pt idx="2">
+                  <c:v>0.5507955033268942</c:v>
+                </c:pt>
+                <c:pt idx="3">
+                  <c:v>0.29774111675126902</c:v>
+                </c:pt>
+                <c:pt idx="4">
+                  <c:v>0.16413420640250728</c:v>
+                </c:pt>
+                <c:pt idx="5">
+                  <c:v>8.5641311240154838E-2</c:v>
+                </c:pt>
+              </c:numCache>
+            </c:numRef>
+          </c:yVal>
+          <c:smooth val="1"/>
+          <c:extLst>
+            <c:ext xmlns:c16="http://schemas.microsoft.com/office/drawing/2014/chart" uri="{C3380CC4-5D6E-409C-BE32-E72D297353CC}">
+              <c16:uniqueId val="{00000000-CCD8-44C0-BD55-F21E8BF77090}"/>
+            </c:ext>
+          </c:extLst>
+        </c:ser>
+        <c:ser>
+          <c:idx val="1"/>
+          <c:order val="1"/>
+          <c:tx>
+            <c:strRef>
+              <c:f>Badania!$B$8</c:f>
+              <c:strCache>
+                <c:ptCount val="1"/>
+                <c:pt idx="0">
+                  <c:v>8192</c:v>
+                </c:pt>
+              </c:strCache>
+            </c:strRef>
+          </c:tx>
+          <c:spPr>
+            <a:ln w="28800">
+              <a:solidFill>
+                <a:srgbClr val="579D1C"/>
+              </a:solidFill>
+              <a:round/>
+            </a:ln>
+          </c:spPr>
+          <c:marker>
+            <c:symbol val="none"/>
+          </c:marker>
+          <c:xVal>
+            <c:numRef>
+              <c:f>Badania!$C$8:$C$13</c:f>
+              <c:numCache>
+                <c:formatCode>General</c:formatCode>
+                <c:ptCount val="6"/>
+                <c:pt idx="0">
+                  <c:v>1</c:v>
+                </c:pt>
+                <c:pt idx="1">
+                  <c:v>2</c:v>
+                </c:pt>
+                <c:pt idx="2">
+                  <c:v>4</c:v>
+                </c:pt>
+                <c:pt idx="3">
+                  <c:v>8</c:v>
+                </c:pt>
+                <c:pt idx="4">
+                  <c:v>16</c:v>
+                </c:pt>
+                <c:pt idx="5">
+                  <c:v>32</c:v>
+                </c:pt>
+              </c:numCache>
+            </c:numRef>
+          </c:xVal>
+          <c:yVal>
+            <c:numRef>
+              <c:f>Badania!$F$8:$F$13</c:f>
+              <c:numCache>
+                <c:formatCode>0%</c:formatCode>
+                <c:ptCount val="6"/>
+                <c:pt idx="0">
+                  <c:v>1</c:v>
+                </c:pt>
+                <c:pt idx="1">
+                  <c:v>0.81608412127857544</c:v>
+                </c:pt>
+                <c:pt idx="2">
+                  <c:v>0.48828557238065534</c:v>
+                </c:pt>
+                <c:pt idx="3">
+                  <c:v>0.33755170156022929</c:v>
+                </c:pt>
+                <c:pt idx="4">
+                  <c:v>0.21141462858423116</c:v>
+                </c:pt>
+                <c:pt idx="5">
+                  <c:v>0.1119837140798508</c:v>
+                </c:pt>
+              </c:numCache>
+            </c:numRef>
+          </c:yVal>
+          <c:smooth val="1"/>
+          <c:extLst>
+            <c:ext xmlns:c16="http://schemas.microsoft.com/office/drawing/2014/chart" uri="{C3380CC4-5D6E-409C-BE32-E72D297353CC}">
+              <c16:uniqueId val="{00000001-CCD8-44C0-BD55-F21E8BF77090}"/>
+            </c:ext>
+          </c:extLst>
+        </c:ser>
+        <c:ser>
+          <c:idx val="2"/>
+          <c:order val="2"/>
+          <c:tx>
+            <c:strRef>
+              <c:f>Badania!$B$14</c:f>
+              <c:strCache>
+                <c:ptCount val="1"/>
+                <c:pt idx="0">
+                  <c:v>32768</c:v>
+                </c:pt>
+              </c:strCache>
+            </c:strRef>
+          </c:tx>
+          <c:spPr>
+            <a:ln w="28800">
+              <a:solidFill>
+                <a:srgbClr val="FF420E"/>
+              </a:solidFill>
+              <a:round/>
+            </a:ln>
+          </c:spPr>
+          <c:marker>
+            <c:symbol val="none"/>
+          </c:marker>
+          <c:xVal>
+            <c:numRef>
+              <c:f>Badania!$C$14:$C$19</c:f>
+              <c:numCache>
+                <c:formatCode>General</c:formatCode>
+                <c:ptCount val="6"/>
+                <c:pt idx="0">
+                  <c:v>1</c:v>
+                </c:pt>
+                <c:pt idx="1">
+                  <c:v>2</c:v>
+                </c:pt>
+                <c:pt idx="2">
+                  <c:v>4</c:v>
+                </c:pt>
+                <c:pt idx="3">
+                  <c:v>8</c:v>
+                </c:pt>
+                <c:pt idx="4">
+                  <c:v>16</c:v>
+                </c:pt>
+                <c:pt idx="5">
+                  <c:v>32</c:v>
+                </c:pt>
+              </c:numCache>
+            </c:numRef>
+          </c:xVal>
+          <c:yVal>
+            <c:numRef>
+              <c:f>Badania!$F$14:$F$19</c:f>
+              <c:numCache>
+                <c:formatCode>0%</c:formatCode>
+                <c:ptCount val="6"/>
+                <c:pt idx="0">
+                  <c:v>1</c:v>
+                </c:pt>
+                <c:pt idx="1">
+                  <c:v>0.83944993381355881</c:v>
+                </c:pt>
+                <c:pt idx="2">
+                  <c:v>0.49041723912468627</c:v>
+                </c:pt>
+                <c:pt idx="3">
+                  <c:v>0.34743081880388937</c:v>
+                </c:pt>
+                <c:pt idx="4">
+                  <c:v>0.24823407890869928</c:v>
+                </c:pt>
+                <c:pt idx="5">
+                  <c:v>0.1646628230287282</c:v>
+                </c:pt>
+              </c:numCache>
+            </c:numRef>
+          </c:yVal>
+          <c:smooth val="1"/>
+          <c:extLst>
+            <c:ext xmlns:c16="http://schemas.microsoft.com/office/drawing/2014/chart" uri="{C3380CC4-5D6E-409C-BE32-E72D297353CC}">
+              <c16:uniqueId val="{00000002-CCD8-44C0-BD55-F21E8BF77090}"/>
+            </c:ext>
+          </c:extLst>
+        </c:ser>
+        <c:ser>
+          <c:idx val="3"/>
+          <c:order val="3"/>
+          <c:tx>
+            <c:strRef>
+              <c:f>Badania!$B$20</c:f>
+              <c:strCache>
+                <c:ptCount val="1"/>
+                <c:pt idx="0">
+                  <c:v>131072</c:v>
+                </c:pt>
+              </c:strCache>
+            </c:strRef>
+          </c:tx>
+          <c:spPr>
+            <a:ln w="28800">
+              <a:solidFill>
+                <a:srgbClr val="FFD320"/>
+              </a:solidFill>
+              <a:round/>
+            </a:ln>
+          </c:spPr>
+          <c:marker>
+            <c:symbol val="none"/>
+          </c:marker>
+          <c:xVal>
+            <c:numRef>
+              <c:f>Badania!$C$20:$C$25</c:f>
+              <c:numCache>
+                <c:formatCode>General</c:formatCode>
+                <c:ptCount val="6"/>
+                <c:pt idx="0">
+                  <c:v>1</c:v>
+                </c:pt>
+                <c:pt idx="1">
+                  <c:v>2</c:v>
+                </c:pt>
+                <c:pt idx="2">
+                  <c:v>4</c:v>
+                </c:pt>
+                <c:pt idx="3">
+                  <c:v>8</c:v>
+                </c:pt>
+                <c:pt idx="4">
+                  <c:v>16</c:v>
+                </c:pt>
+                <c:pt idx="5">
+                  <c:v>32</c:v>
+                </c:pt>
+              </c:numCache>
+            </c:numRef>
+          </c:xVal>
+          <c:yVal>
+            <c:numRef>
+              <c:f>Badania!$F$20:$F$25</c:f>
+              <c:numCache>
+                <c:formatCode>0%</c:formatCode>
+                <c:ptCount val="6"/>
+                <c:pt idx="0">
+                  <c:v>1</c:v>
+                </c:pt>
+                <c:pt idx="1">
+                  <c:v>0.89835749425446543</c:v>
+                </c:pt>
+                <c:pt idx="2">
+                  <c:v>0.60730655172882664</c:v>
+                </c:pt>
+                <c:pt idx="3">
+                  <c:v>0.41341749766549496</c:v>
+                </c:pt>
+                <c:pt idx="4">
+                  <c:v>0.28294924779624969</c:v>
+                </c:pt>
+                <c:pt idx="5">
+                  <c:v>0.18298805361931592</c:v>
+                </c:pt>
+              </c:numCache>
+            </c:numRef>
+          </c:yVal>
+          <c:smooth val="1"/>
+          <c:extLst>
+            <c:ext xmlns:c16="http://schemas.microsoft.com/office/drawing/2014/chart" uri="{C3380CC4-5D6E-409C-BE32-E72D297353CC}">
+              <c16:uniqueId val="{00000003-CCD8-44C0-BD55-F21E8BF77090}"/>
+            </c:ext>
+          </c:extLst>
+        </c:ser>
+        <c:dLbls>
+          <c:showLegendKey val="0"/>
+          <c:showVal val="0"/>
+          <c:showCatName val="0"/>
+          <c:showSerName val="0"/>
+          <c:showPercent val="0"/>
+          <c:showBubbleSize val="0"/>
+        </c:dLbls>
+        <c:axId val="62421808"/>
+        <c:axId val="55283045"/>
+      </c:scatterChart>
+      <c:valAx>
+        <c:axId val="62421808"/>
+        <c:scaling>
+          <c:orientation val="minMax"/>
+          <c:max val="34"/>
+          <c:min val="0"/>
+        </c:scaling>
+        <c:delete val="0"/>
+        <c:axPos val="b"/>
+        <c:majorGridlines>
+          <c:spPr>
+            <a:ln w="9360">
+              <a:solidFill>
+                <a:srgbClr val="D9D9D9"/>
+              </a:solidFill>
+              <a:round/>
+            </a:ln>
+          </c:spPr>
+        </c:majorGridlines>
+        <c:title>
+          <c:tx>
+            <c:rich>
+              <a:bodyPr rot="0"/>
+              <a:lstStyle/>
+              <a:p>
+                <a:pPr>
+                  <a:defRPr sz="1000" b="0" strike="noStrike" spc="-1">
+                    <a:solidFill>
+                      <a:srgbClr val="595959"/>
+                    </a:solidFill>
+                    <a:latin typeface="Calibri"/>
+                  </a:defRPr>
+                </a:pPr>
+                <a:r>
+                  <a:rPr lang="pl-PL" sz="1000" b="0" strike="noStrike" spc="-1">
+                    <a:solidFill>
+                      <a:srgbClr val="595959"/>
+                    </a:solidFill>
+                    <a:latin typeface="Calibri"/>
+                  </a:rPr>
+                  <a:t>Liczba procesorów</a:t>
+                </a:r>
+              </a:p>
+            </c:rich>
+          </c:tx>
+          <c:overlay val="0"/>
+        </c:title>
+        <c:numFmt formatCode="General" sourceLinked="0"/>
+        <c:majorTickMark val="none"/>
+        <c:minorTickMark val="none"/>
+        <c:tickLblPos val="nextTo"/>
+        <c:spPr>
+          <a:ln w="9360">
+            <a:solidFill>
+              <a:srgbClr val="BFBFBF"/>
+            </a:solidFill>
+            <a:round/>
+          </a:ln>
+        </c:spPr>
+        <c:txPr>
+          <a:bodyPr/>
+          <a:lstStyle/>
+          <a:p>
+            <a:pPr>
+              <a:defRPr sz="900" b="0" strike="noStrike" spc="-1">
+                <a:solidFill>
+                  <a:srgbClr val="595959"/>
+                </a:solidFill>
+                <a:latin typeface="Calibri"/>
+              </a:defRPr>
+            </a:pPr>
+            <a:endParaRPr lang="pl-PL"/>
+          </a:p>
+        </c:txPr>
+        <c:crossAx val="55283045"/>
+        <c:crosses val="autoZero"/>
+        <c:crossBetween val="midCat"/>
+        <c:majorUnit val="4"/>
+        <c:minorUnit val="2"/>
+      </c:valAx>
+      <c:valAx>
+        <c:axId val="55283045"/>
+        <c:scaling>
+          <c:orientation val="minMax"/>
+          <c:max val="1"/>
+          <c:min val="0"/>
+        </c:scaling>
+        <c:delete val="0"/>
+        <c:axPos val="l"/>
+        <c:majorGridlines>
+          <c:spPr>
+            <a:ln w="9360">
+              <a:solidFill>
+                <a:srgbClr val="D9D9D9"/>
+              </a:solidFill>
+              <a:round/>
+            </a:ln>
+          </c:spPr>
+        </c:majorGridlines>
+        <c:title>
+          <c:tx>
+            <c:rich>
+              <a:bodyPr rot="-5400000"/>
+              <a:lstStyle/>
+              <a:p>
+                <a:pPr>
+                  <a:defRPr sz="1000" b="0" strike="noStrike" spc="-1">
+                    <a:solidFill>
+                      <a:srgbClr val="595959"/>
+                    </a:solidFill>
+                    <a:latin typeface="Calibri"/>
+                  </a:defRPr>
+                </a:pPr>
+                <a:r>
+                  <a:rPr lang="pl-PL" sz="1000" b="0" strike="noStrike" spc="-1">
+                    <a:solidFill>
+                      <a:srgbClr val="595959"/>
+                    </a:solidFill>
+                    <a:latin typeface="Calibri"/>
+                  </a:rPr>
+                  <a:t>Efektywność</a:t>
+                </a:r>
+              </a:p>
+            </c:rich>
+          </c:tx>
+          <c:overlay val="0"/>
+        </c:title>
+        <c:numFmt formatCode="0.0" sourceLinked="0"/>
+        <c:majorTickMark val="none"/>
+        <c:minorTickMark val="none"/>
+        <c:tickLblPos val="nextTo"/>
+        <c:spPr>
+          <a:ln w="9360">
+            <a:solidFill>
+              <a:srgbClr val="BFBFBF"/>
+            </a:solidFill>
+            <a:round/>
+          </a:ln>
+        </c:spPr>
+        <c:txPr>
+          <a:bodyPr/>
+          <a:lstStyle/>
+          <a:p>
+            <a:pPr>
+              <a:defRPr sz="900" b="0" strike="noStrike" spc="-1">
+                <a:solidFill>
+                  <a:srgbClr val="595959"/>
+                </a:solidFill>
+                <a:latin typeface="Calibri"/>
+              </a:defRPr>
+            </a:pPr>
+            <a:endParaRPr lang="pl-PL"/>
+          </a:p>
+        </c:txPr>
+        <c:crossAx val="62421808"/>
+        <c:crosses val="autoZero"/>
+        <c:crossBetween val="midCat"/>
+      </c:valAx>
+      <c:spPr>
+        <a:noFill/>
+        <a:ln>
+          <a:noFill/>
+        </a:ln>
+      </c:spPr>
+    </c:plotArea>
+    <c:legend>
+      <c:legendPos val="b"/>
+      <c:overlay val="0"/>
+      <c:spPr>
+        <a:noFill/>
+        <a:ln>
+          <a:noFill/>
+        </a:ln>
+      </c:spPr>
+      <c:txPr>
+        <a:bodyPr/>
+        <a:lstStyle/>
+        <a:p>
+          <a:pPr>
+            <a:defRPr sz="900" b="0" strike="noStrike" spc="-1">
+              <a:solidFill>
+                <a:srgbClr val="595959"/>
+              </a:solidFill>
+              <a:latin typeface="Calibri"/>
+            </a:defRPr>
+          </a:pPr>
+          <a:endParaRPr lang="pl-PL"/>
+        </a:p>
+      </c:txPr>
+    </c:legend>
+    <c:plotVisOnly val="1"/>
+    <c:dispBlanksAs val="gap"/>
+    <c:showDLblsOverMax val="1"/>
+  </c:chart>
+  <c:spPr>
+    <a:solidFill>
+      <a:srgbClr val="FFFFFF"/>
+    </a:solidFill>
+    <a:ln w="9360">
+      <a:solidFill>
+        <a:srgbClr val="D9D9D9"/>
+      </a:solidFill>
+      <a:round/>
+    </a:ln>
+  </c:spPr>
+  <c:externalData r:id="rId1">
+    <c:autoUpdate val="0"/>
+  </c:externalData>
+</c:chartSpace>
+</file>
+
 <file path=ppt/slideLayouts/slideLayout1.xml><?xml version="1.0" encoding="utf-8"?>
 <p:sldLayout xmlns:a="http://schemas.openxmlformats.org/drawingml/2006/main" xmlns:r="http://schemas.openxmlformats.org/officeDocument/2006/relationships" xmlns:p="http://schemas.openxmlformats.org/presentationml/2006/main" type="title" preserve="1">
   <p:cSld name="Title Slide">
@@ -161,7 +2820,7 @@
           </a:lstStyle>
           <a:p>
             <a:r>
-              <a:rPr lang="en-US" smtClean="0"/>
+              <a:rPr lang="en-US"/>
               <a:t>Click to edit Master title style</a:t>
             </a:r>
             <a:endParaRPr lang="pl-PL"/>
@@ -226,7 +2885,7 @@
           </a:lstStyle>
           <a:p>
             <a:r>
-              <a:rPr lang="en-US" smtClean="0"/>
+              <a:rPr lang="en-US"/>
               <a:t>Click to edit Master subtitle style</a:t>
             </a:r>
             <a:endParaRPr lang="pl-PL"/>
@@ -344,7 +3003,7 @@
           <a:lstStyle/>
           <a:p>
             <a:r>
-              <a:rPr lang="en-US" smtClean="0"/>
+              <a:rPr lang="en-US"/>
               <a:t>Click to edit Master title style</a:t>
             </a:r>
             <a:endParaRPr lang="pl-PL"/>
@@ -368,35 +3027,35 @@
           <a:p>
             <a:pPr lvl="0"/>
             <a:r>
-              <a:rPr lang="en-US" smtClean="0"/>
+              <a:rPr lang="en-US"/>
               <a:t>Click to edit Master text styles</a:t>
             </a:r>
           </a:p>
           <a:p>
             <a:pPr lvl="1"/>
             <a:r>
-              <a:rPr lang="en-US" smtClean="0"/>
+              <a:rPr lang="en-US"/>
               <a:t>Second level</a:t>
             </a:r>
           </a:p>
           <a:p>
             <a:pPr lvl="2"/>
             <a:r>
-              <a:rPr lang="en-US" smtClean="0"/>
+              <a:rPr lang="en-US"/>
               <a:t>Third level</a:t>
             </a:r>
           </a:p>
           <a:p>
             <a:pPr lvl="3"/>
             <a:r>
-              <a:rPr lang="en-US" smtClean="0"/>
+              <a:rPr lang="en-US"/>
               <a:t>Fourth level</a:t>
             </a:r>
           </a:p>
           <a:p>
             <a:pPr lvl="4"/>
             <a:r>
-              <a:rPr lang="en-US" smtClean="0"/>
+              <a:rPr lang="en-US"/>
               <a:t>Fifth level</a:t>
             </a:r>
             <a:endParaRPr lang="pl-PL"/>
@@ -519,7 +3178,7 @@
           <a:lstStyle/>
           <a:p>
             <a:r>
-              <a:rPr lang="en-US" smtClean="0"/>
+              <a:rPr lang="en-US"/>
               <a:t>Click to edit Master title style</a:t>
             </a:r>
             <a:endParaRPr lang="pl-PL"/>
@@ -548,35 +3207,35 @@
           <a:p>
             <a:pPr lvl="0"/>
             <a:r>
-              <a:rPr lang="en-US" smtClean="0"/>
+              <a:rPr lang="en-US"/>
               <a:t>Click to edit Master text styles</a:t>
             </a:r>
           </a:p>
           <a:p>
             <a:pPr lvl="1"/>
             <a:r>
-              <a:rPr lang="en-US" smtClean="0"/>
+              <a:rPr lang="en-US"/>
               <a:t>Second level</a:t>
             </a:r>
           </a:p>
           <a:p>
             <a:pPr lvl="2"/>
             <a:r>
-              <a:rPr lang="en-US" smtClean="0"/>
+              <a:rPr lang="en-US"/>
               <a:t>Third level</a:t>
             </a:r>
           </a:p>
           <a:p>
             <a:pPr lvl="3"/>
             <a:r>
-              <a:rPr lang="en-US" smtClean="0"/>
+              <a:rPr lang="en-US"/>
               <a:t>Fourth level</a:t>
             </a:r>
           </a:p>
           <a:p>
             <a:pPr lvl="4"/>
             <a:r>
-              <a:rPr lang="en-US" smtClean="0"/>
+              <a:rPr lang="en-US"/>
               <a:t>Fifth level</a:t>
             </a:r>
             <a:endParaRPr lang="pl-PL"/>
@@ -694,7 +3353,7 @@
           <a:lstStyle/>
           <a:p>
             <a:r>
-              <a:rPr lang="en-US" smtClean="0"/>
+              <a:rPr lang="en-US"/>
               <a:t>Click to edit Master title style</a:t>
             </a:r>
             <a:endParaRPr lang="pl-PL"/>
@@ -718,35 +3377,35 @@
           <a:p>
             <a:pPr lvl="0"/>
             <a:r>
-              <a:rPr lang="en-US" smtClean="0"/>
+              <a:rPr lang="en-US"/>
               <a:t>Click to edit Master text styles</a:t>
             </a:r>
           </a:p>
           <a:p>
             <a:pPr lvl="1"/>
             <a:r>
-              <a:rPr lang="en-US" smtClean="0"/>
+              <a:rPr lang="en-US"/>
               <a:t>Second level</a:t>
             </a:r>
           </a:p>
           <a:p>
             <a:pPr lvl="2"/>
             <a:r>
-              <a:rPr lang="en-US" smtClean="0"/>
+              <a:rPr lang="en-US"/>
               <a:t>Third level</a:t>
             </a:r>
           </a:p>
           <a:p>
             <a:pPr lvl="3"/>
             <a:r>
-              <a:rPr lang="en-US" smtClean="0"/>
+              <a:rPr lang="en-US"/>
               <a:t>Fourth level</a:t>
             </a:r>
           </a:p>
           <a:p>
             <a:pPr lvl="4"/>
             <a:r>
-              <a:rPr lang="en-US" smtClean="0"/>
+              <a:rPr lang="en-US"/>
               <a:t>Fifth level</a:t>
             </a:r>
             <a:endParaRPr lang="pl-PL"/>
@@ -873,7 +3532,7 @@
           </a:lstStyle>
           <a:p>
             <a:r>
-              <a:rPr lang="en-US" smtClean="0"/>
+              <a:rPr lang="en-US"/>
               <a:t>Click to edit Master title style</a:t>
             </a:r>
             <a:endParaRPr lang="pl-PL"/>
@@ -993,7 +3652,7 @@
           <a:p>
             <a:pPr lvl="0"/>
             <a:r>
-              <a:rPr lang="en-US" smtClean="0"/>
+              <a:rPr lang="en-US"/>
               <a:t>Click to edit Master text styles</a:t>
             </a:r>
           </a:p>
@@ -1110,7 +3769,7 @@
           <a:lstStyle/>
           <a:p>
             <a:r>
-              <a:rPr lang="en-US" smtClean="0"/>
+              <a:rPr lang="en-US"/>
               <a:t>Click to edit Master title style</a:t>
             </a:r>
             <a:endParaRPr lang="pl-PL"/>
@@ -1139,35 +3798,35 @@
           <a:p>
             <a:pPr lvl="0"/>
             <a:r>
-              <a:rPr lang="en-US" smtClean="0"/>
+              <a:rPr lang="en-US"/>
               <a:t>Click to edit Master text styles</a:t>
             </a:r>
           </a:p>
           <a:p>
             <a:pPr lvl="1"/>
             <a:r>
-              <a:rPr lang="en-US" smtClean="0"/>
+              <a:rPr lang="en-US"/>
               <a:t>Second level</a:t>
             </a:r>
           </a:p>
           <a:p>
             <a:pPr lvl="2"/>
             <a:r>
-              <a:rPr lang="en-US" smtClean="0"/>
+              <a:rPr lang="en-US"/>
               <a:t>Third level</a:t>
             </a:r>
           </a:p>
           <a:p>
             <a:pPr lvl="3"/>
             <a:r>
-              <a:rPr lang="en-US" smtClean="0"/>
+              <a:rPr lang="en-US"/>
               <a:t>Fourth level</a:t>
             </a:r>
           </a:p>
           <a:p>
             <a:pPr lvl="4"/>
             <a:r>
-              <a:rPr lang="en-US" smtClean="0"/>
+              <a:rPr lang="en-US"/>
               <a:t>Fifth level</a:t>
             </a:r>
             <a:endParaRPr lang="pl-PL"/>
@@ -1196,35 +3855,35 @@
           <a:p>
             <a:pPr lvl="0"/>
             <a:r>
-              <a:rPr lang="en-US" smtClean="0"/>
+              <a:rPr lang="en-US"/>
               <a:t>Click to edit Master text styles</a:t>
             </a:r>
           </a:p>
           <a:p>
             <a:pPr lvl="1"/>
             <a:r>
-              <a:rPr lang="en-US" smtClean="0"/>
+              <a:rPr lang="en-US"/>
               <a:t>Second level</a:t>
             </a:r>
           </a:p>
           <a:p>
             <a:pPr lvl="2"/>
             <a:r>
-              <a:rPr lang="en-US" smtClean="0"/>
+              <a:rPr lang="en-US"/>
               <a:t>Third level</a:t>
             </a:r>
           </a:p>
           <a:p>
             <a:pPr lvl="3"/>
             <a:r>
-              <a:rPr lang="en-US" smtClean="0"/>
+              <a:rPr lang="en-US"/>
               <a:t>Fourth level</a:t>
             </a:r>
           </a:p>
           <a:p>
             <a:pPr lvl="4"/>
             <a:r>
-              <a:rPr lang="en-US" smtClean="0"/>
+              <a:rPr lang="en-US"/>
               <a:t>Fifth level</a:t>
             </a:r>
             <a:endParaRPr lang="pl-PL"/>
@@ -1347,7 +4006,7 @@
           <a:lstStyle/>
           <a:p>
             <a:r>
-              <a:rPr lang="en-US" smtClean="0"/>
+              <a:rPr lang="en-US"/>
               <a:t>Click to edit Master title style</a:t>
             </a:r>
             <a:endParaRPr lang="pl-PL"/>
@@ -1413,7 +4072,7 @@
           <a:p>
             <a:pPr lvl="0"/>
             <a:r>
-              <a:rPr lang="en-US" smtClean="0"/>
+              <a:rPr lang="en-US"/>
               <a:t>Click to edit Master text styles</a:t>
             </a:r>
           </a:p>
@@ -1441,35 +4100,35 @@
           <a:p>
             <a:pPr lvl="0"/>
             <a:r>
-              <a:rPr lang="en-US" smtClean="0"/>
+              <a:rPr lang="en-US"/>
               <a:t>Click to edit Master text styles</a:t>
             </a:r>
           </a:p>
           <a:p>
             <a:pPr lvl="1"/>
             <a:r>
-              <a:rPr lang="en-US" smtClean="0"/>
+              <a:rPr lang="en-US"/>
               <a:t>Second level</a:t>
             </a:r>
           </a:p>
           <a:p>
             <a:pPr lvl="2"/>
             <a:r>
-              <a:rPr lang="en-US" smtClean="0"/>
+              <a:rPr lang="en-US"/>
               <a:t>Third level</a:t>
             </a:r>
           </a:p>
           <a:p>
             <a:pPr lvl="3"/>
             <a:r>
-              <a:rPr lang="en-US" smtClean="0"/>
+              <a:rPr lang="en-US"/>
               <a:t>Fourth level</a:t>
             </a:r>
           </a:p>
           <a:p>
             <a:pPr lvl="4"/>
             <a:r>
-              <a:rPr lang="en-US" smtClean="0"/>
+              <a:rPr lang="en-US"/>
               <a:t>Fifth level</a:t>
             </a:r>
             <a:endParaRPr lang="pl-PL"/>
@@ -1535,7 +4194,7 @@
           <a:p>
             <a:pPr lvl="0"/>
             <a:r>
-              <a:rPr lang="en-US" smtClean="0"/>
+              <a:rPr lang="en-US"/>
               <a:t>Click to edit Master text styles</a:t>
             </a:r>
           </a:p>
@@ -1563,35 +4222,35 @@
           <a:p>
             <a:pPr lvl="0"/>
             <a:r>
-              <a:rPr lang="en-US" smtClean="0"/>
+              <a:rPr lang="en-US"/>
               <a:t>Click to edit Master text styles</a:t>
             </a:r>
           </a:p>
           <a:p>
             <a:pPr lvl="1"/>
             <a:r>
-              <a:rPr lang="en-US" smtClean="0"/>
+              <a:rPr lang="en-US"/>
               <a:t>Second level</a:t>
             </a:r>
           </a:p>
           <a:p>
             <a:pPr lvl="2"/>
             <a:r>
-              <a:rPr lang="en-US" smtClean="0"/>
+              <a:rPr lang="en-US"/>
               <a:t>Third level</a:t>
             </a:r>
           </a:p>
           <a:p>
             <a:pPr lvl="3"/>
             <a:r>
-              <a:rPr lang="en-US" smtClean="0"/>
+              <a:rPr lang="en-US"/>
               <a:t>Fourth level</a:t>
             </a:r>
           </a:p>
           <a:p>
             <a:pPr lvl="4"/>
             <a:r>
-              <a:rPr lang="en-US" smtClean="0"/>
+              <a:rPr lang="en-US"/>
               <a:t>Fifth level</a:t>
             </a:r>
             <a:endParaRPr lang="pl-PL"/>
@@ -1709,7 +4368,7 @@
           <a:lstStyle/>
           <a:p>
             <a:r>
-              <a:rPr lang="en-US" smtClean="0"/>
+              <a:rPr lang="en-US"/>
               <a:t>Click to edit Master title style</a:t>
             </a:r>
             <a:endParaRPr lang="pl-PL"/>
@@ -1931,7 +4590,7 @@
           </a:lstStyle>
           <a:p>
             <a:r>
-              <a:rPr lang="en-US" smtClean="0"/>
+              <a:rPr lang="en-US"/>
               <a:t>Click to edit Master title style</a:t>
             </a:r>
             <a:endParaRPr lang="pl-PL"/>
@@ -1988,35 +4647,35 @@
           <a:p>
             <a:pPr lvl="0"/>
             <a:r>
-              <a:rPr lang="en-US" smtClean="0"/>
+              <a:rPr lang="en-US"/>
               <a:t>Click to edit Master text styles</a:t>
             </a:r>
           </a:p>
           <a:p>
             <a:pPr lvl="1"/>
             <a:r>
-              <a:rPr lang="en-US" smtClean="0"/>
+              <a:rPr lang="en-US"/>
               <a:t>Second level</a:t>
             </a:r>
           </a:p>
           <a:p>
             <a:pPr lvl="2"/>
             <a:r>
-              <a:rPr lang="en-US" smtClean="0"/>
+              <a:rPr lang="en-US"/>
               <a:t>Third level</a:t>
             </a:r>
           </a:p>
           <a:p>
             <a:pPr lvl="3"/>
             <a:r>
-              <a:rPr lang="en-US" smtClean="0"/>
+              <a:rPr lang="en-US"/>
               <a:t>Fourth level</a:t>
             </a:r>
           </a:p>
           <a:p>
             <a:pPr lvl="4"/>
             <a:r>
-              <a:rPr lang="en-US" smtClean="0"/>
+              <a:rPr lang="en-US"/>
               <a:t>Fifth level</a:t>
             </a:r>
             <a:endParaRPr lang="pl-PL"/>
@@ -2082,7 +4741,7 @@
           <a:p>
             <a:pPr lvl="0"/>
             <a:r>
-              <a:rPr lang="en-US" smtClean="0"/>
+              <a:rPr lang="en-US"/>
               <a:t>Click to edit Master text styles</a:t>
             </a:r>
           </a:p>
@@ -2208,7 +4867,7 @@
           </a:lstStyle>
           <a:p>
             <a:r>
-              <a:rPr lang="en-US" smtClean="0"/>
+              <a:rPr lang="en-US"/>
               <a:t>Click to edit Master title style</a:t>
             </a:r>
             <a:endParaRPr lang="pl-PL"/>
@@ -2335,7 +4994,7 @@
           <a:p>
             <a:pPr lvl="0"/>
             <a:r>
-              <a:rPr lang="en-US" smtClean="0"/>
+              <a:rPr lang="en-US"/>
               <a:t>Click to edit Master text styles</a:t>
             </a:r>
           </a:p>
@@ -2467,7 +5126,7 @@
           <a:lstStyle/>
           <a:p>
             <a:r>
-              <a:rPr lang="en-US" smtClean="0"/>
+              <a:rPr lang="en-US"/>
               <a:t>Click to edit Master title style</a:t>
             </a:r>
             <a:endParaRPr lang="pl-PL"/>
@@ -2501,35 +5160,35 @@
           <a:p>
             <a:pPr lvl="0"/>
             <a:r>
-              <a:rPr lang="en-US" smtClean="0"/>
+              <a:rPr lang="en-US"/>
               <a:t>Click to edit Master text styles</a:t>
             </a:r>
           </a:p>
           <a:p>
             <a:pPr lvl="1"/>
             <a:r>
-              <a:rPr lang="en-US" smtClean="0"/>
+              <a:rPr lang="en-US"/>
               <a:t>Second level</a:t>
             </a:r>
           </a:p>
           <a:p>
             <a:pPr lvl="2"/>
             <a:r>
-              <a:rPr lang="en-US" smtClean="0"/>
+              <a:rPr lang="en-US"/>
               <a:t>Third level</a:t>
             </a:r>
           </a:p>
           <a:p>
             <a:pPr lvl="3"/>
             <a:r>
-              <a:rPr lang="en-US" smtClean="0"/>
+              <a:rPr lang="en-US"/>
               <a:t>Fourth level</a:t>
             </a:r>
           </a:p>
           <a:p>
             <a:pPr lvl="4"/>
             <a:r>
-              <a:rPr lang="en-US" smtClean="0"/>
+              <a:rPr lang="en-US"/>
               <a:t>Fifth level</a:t>
             </a:r>
             <a:endParaRPr lang="pl-PL"/>
@@ -2992,10 +5651,9 @@
           <a:lstStyle/>
           <a:p>
             <a:r>
-              <a:rPr lang="pl-PL" dirty="0" smtClean="0"/>
+              <a:rPr lang="pl-PL" dirty="0"/>
               <a:t>FFT</a:t>
             </a:r>
-            <a:endParaRPr lang="pl-PL" dirty="0"/>
           </a:p>
         </p:txBody>
       </p:sp>
@@ -3015,10 +5673,9 @@
           <a:lstStyle/>
           <a:p>
             <a:r>
-              <a:rPr lang="pl-PL" dirty="0" smtClean="0"/>
+              <a:rPr lang="pl-PL" dirty="0"/>
               <a:t>Michał Szlachetka, Mateusz Kurpet</a:t>
             </a:r>
-            <a:endParaRPr lang="pl-PL" dirty="0"/>
           </a:p>
         </p:txBody>
       </p:sp>
@@ -3032,13 +5689,594 @@
   <p:clrMapOvr>
     <a:masterClrMapping/>
   </p:clrMapOvr>
-  <p:timing>
-    <p:tnLst>
-      <p:par>
-        <p:cTn id="1" dur="indefinite" restart="never" nodeType="tmRoot"/>
-      </p:par>
-    </p:tnLst>
-  </p:timing>
+</p:sld>
+</file>
+
+<file path=ppt/slides/slide10.xml><?xml version="1.0" encoding="utf-8"?>
+<p:sld xmlns:a="http://schemas.openxmlformats.org/drawingml/2006/main" xmlns:r="http://schemas.openxmlformats.org/officeDocument/2006/relationships" xmlns:p="http://schemas.openxmlformats.org/presentationml/2006/main">
+  <p:cSld>
+    <p:spTree>
+      <p:nvGrpSpPr>
+        <p:cNvPr id="1" name=""/>
+        <p:cNvGrpSpPr/>
+        <p:nvPr/>
+      </p:nvGrpSpPr>
+      <p:grpSpPr>
+        <a:xfrm>
+          <a:off x="0" y="0"/>
+          <a:ext cx="0" cy="0"/>
+          <a:chOff x="0" y="0"/>
+          <a:chExt cx="0" cy="0"/>
+        </a:xfrm>
+      </p:grpSpPr>
+      <p:sp>
+        <p:nvSpPr>
+          <p:cNvPr id="2" name="Tytuł 1">
+            <a:extLst>
+              <a:ext uri="{FF2B5EF4-FFF2-40B4-BE49-F238E27FC236}">
+                <a16:creationId xmlns:a16="http://schemas.microsoft.com/office/drawing/2014/main" id="{A582E30A-EC77-4F77-A8BF-103507B7AD08}"/>
+              </a:ext>
+            </a:extLst>
+          </p:cNvPr>
+          <p:cNvSpPr>
+            <a:spLocks noGrp="1"/>
+          </p:cNvSpPr>
+          <p:nvPr>
+            <p:ph type="title"/>
+          </p:nvPr>
+        </p:nvSpPr>
+        <p:spPr>
+          <a:xfrm>
+            <a:off x="450273" y="309707"/>
+            <a:ext cx="10515600" cy="785296"/>
+          </a:xfrm>
+        </p:spPr>
+        <p:txBody>
+          <a:bodyPr/>
+          <a:lstStyle/>
+          <a:p>
+            <a:r>
+              <a:rPr lang="pl-PL" dirty="0"/>
+              <a:t>Wyniki badań – Czas wykonania</a:t>
+            </a:r>
+          </a:p>
+        </p:txBody>
+      </p:sp>
+      <p:graphicFrame>
+        <p:nvGraphicFramePr>
+          <p:cNvPr id="5" name="Wykres 4">
+            <a:extLst>
+              <a:ext uri="{FF2B5EF4-FFF2-40B4-BE49-F238E27FC236}">
+                <a16:creationId xmlns:a16="http://schemas.microsoft.com/office/drawing/2014/main" id="{130594BA-BAF3-4891-A339-03D2E87128CC}"/>
+              </a:ext>
+            </a:extLst>
+          </p:cNvPr>
+          <p:cNvGraphicFramePr>
+            <a:graphicFrameLocks/>
+          </p:cNvGraphicFramePr>
+          <p:nvPr>
+            <p:extLst>
+              <p:ext uri="{D42A27DB-BD31-4B8C-83A1-F6EECF244321}">
+                <p14:modId xmlns:p14="http://schemas.microsoft.com/office/powerpoint/2010/main" val="1838676463"/>
+              </p:ext>
+            </p:extLst>
+          </p:nvPr>
+        </p:nvGraphicFramePr>
+        <p:xfrm>
+          <a:off x="1515865" y="1334334"/>
+          <a:ext cx="9160270" cy="4876683"/>
+        </p:xfrm>
+        <a:graphic>
+          <a:graphicData uri="http://schemas.openxmlformats.org/drawingml/2006/chart">
+            <c:chart xmlns:c="http://schemas.openxmlformats.org/drawingml/2006/chart" xmlns:r="http://schemas.openxmlformats.org/officeDocument/2006/relationships" r:id="rId2"/>
+          </a:graphicData>
+        </a:graphic>
+      </p:graphicFrame>
+    </p:spTree>
+    <p:extLst>
+      <p:ext uri="{BB962C8B-B14F-4D97-AF65-F5344CB8AC3E}">
+        <p14:creationId xmlns:p14="http://schemas.microsoft.com/office/powerpoint/2010/main" val="3236952352"/>
+      </p:ext>
+    </p:extLst>
+  </p:cSld>
+  <p:clrMapOvr>
+    <a:masterClrMapping/>
+  </p:clrMapOvr>
+</p:sld>
+</file>
+
+<file path=ppt/slides/slide11.xml><?xml version="1.0" encoding="utf-8"?>
+<p:sld xmlns:a="http://schemas.openxmlformats.org/drawingml/2006/main" xmlns:r="http://schemas.openxmlformats.org/officeDocument/2006/relationships" xmlns:p="http://schemas.openxmlformats.org/presentationml/2006/main">
+  <p:cSld>
+    <p:spTree>
+      <p:nvGrpSpPr>
+        <p:cNvPr id="1" name=""/>
+        <p:cNvGrpSpPr/>
+        <p:nvPr/>
+      </p:nvGrpSpPr>
+      <p:grpSpPr>
+        <a:xfrm>
+          <a:off x="0" y="0"/>
+          <a:ext cx="0" cy="0"/>
+          <a:chOff x="0" y="0"/>
+          <a:chExt cx="0" cy="0"/>
+        </a:xfrm>
+      </p:grpSpPr>
+      <p:sp>
+        <p:nvSpPr>
+          <p:cNvPr id="2" name="Tytuł 1">
+            <a:extLst>
+              <a:ext uri="{FF2B5EF4-FFF2-40B4-BE49-F238E27FC236}">
+                <a16:creationId xmlns:a16="http://schemas.microsoft.com/office/drawing/2014/main" id="{A582E30A-EC77-4F77-A8BF-103507B7AD08}"/>
+              </a:ext>
+            </a:extLst>
+          </p:cNvPr>
+          <p:cNvSpPr>
+            <a:spLocks noGrp="1"/>
+          </p:cNvSpPr>
+          <p:nvPr>
+            <p:ph type="title"/>
+          </p:nvPr>
+        </p:nvSpPr>
+        <p:spPr>
+          <a:xfrm>
+            <a:off x="450273" y="309707"/>
+            <a:ext cx="10515600" cy="785296"/>
+          </a:xfrm>
+        </p:spPr>
+        <p:txBody>
+          <a:bodyPr/>
+          <a:lstStyle/>
+          <a:p>
+            <a:r>
+              <a:rPr lang="pl-PL" dirty="0"/>
+              <a:t>Wyniki badań – Czas wykonania</a:t>
+            </a:r>
+          </a:p>
+        </p:txBody>
+      </p:sp>
+      <p:graphicFrame>
+        <p:nvGraphicFramePr>
+          <p:cNvPr id="5" name="Wykres 4">
+            <a:extLst>
+              <a:ext uri="{FF2B5EF4-FFF2-40B4-BE49-F238E27FC236}">
+                <a16:creationId xmlns:a16="http://schemas.microsoft.com/office/drawing/2014/main" id="{71274109-64F8-4FA3-ABFA-DB6D8690D304}"/>
+              </a:ext>
+            </a:extLst>
+          </p:cNvPr>
+          <p:cNvGraphicFramePr>
+            <a:graphicFrameLocks/>
+          </p:cNvGraphicFramePr>
+          <p:nvPr>
+            <p:extLst>
+              <p:ext uri="{D42A27DB-BD31-4B8C-83A1-F6EECF244321}">
+                <p14:modId xmlns:p14="http://schemas.microsoft.com/office/powerpoint/2010/main" val="1351385571"/>
+              </p:ext>
+            </p:extLst>
+          </p:nvPr>
+        </p:nvGraphicFramePr>
+        <p:xfrm>
+          <a:off x="1515865" y="1334335"/>
+          <a:ext cx="9160270" cy="4876684"/>
+        </p:xfrm>
+        <a:graphic>
+          <a:graphicData uri="http://schemas.openxmlformats.org/drawingml/2006/chart">
+            <c:chart xmlns:c="http://schemas.openxmlformats.org/drawingml/2006/chart" xmlns:r="http://schemas.openxmlformats.org/officeDocument/2006/relationships" r:id="rId2"/>
+          </a:graphicData>
+        </a:graphic>
+      </p:graphicFrame>
+    </p:spTree>
+    <p:extLst>
+      <p:ext uri="{BB962C8B-B14F-4D97-AF65-F5344CB8AC3E}">
+        <p14:creationId xmlns:p14="http://schemas.microsoft.com/office/powerpoint/2010/main" val="1213282550"/>
+      </p:ext>
+    </p:extLst>
+  </p:cSld>
+  <p:clrMapOvr>
+    <a:masterClrMapping/>
+  </p:clrMapOvr>
+</p:sld>
+</file>
+
+<file path=ppt/slides/slide12.xml><?xml version="1.0" encoding="utf-8"?>
+<p:sld xmlns:a="http://schemas.openxmlformats.org/drawingml/2006/main" xmlns:r="http://schemas.openxmlformats.org/officeDocument/2006/relationships" xmlns:p="http://schemas.openxmlformats.org/presentationml/2006/main">
+  <p:cSld>
+    <p:spTree>
+      <p:nvGrpSpPr>
+        <p:cNvPr id="1" name=""/>
+        <p:cNvGrpSpPr/>
+        <p:nvPr/>
+      </p:nvGrpSpPr>
+      <p:grpSpPr>
+        <a:xfrm>
+          <a:off x="0" y="0"/>
+          <a:ext cx="0" cy="0"/>
+          <a:chOff x="0" y="0"/>
+          <a:chExt cx="0" cy="0"/>
+        </a:xfrm>
+      </p:grpSpPr>
+      <p:sp>
+        <p:nvSpPr>
+          <p:cNvPr id="2" name="Tytuł 1">
+            <a:extLst>
+              <a:ext uri="{FF2B5EF4-FFF2-40B4-BE49-F238E27FC236}">
+                <a16:creationId xmlns:a16="http://schemas.microsoft.com/office/drawing/2014/main" id="{A582E30A-EC77-4F77-A8BF-103507B7AD08}"/>
+              </a:ext>
+            </a:extLst>
+          </p:cNvPr>
+          <p:cNvSpPr>
+            <a:spLocks noGrp="1"/>
+          </p:cNvSpPr>
+          <p:nvPr>
+            <p:ph type="title"/>
+          </p:nvPr>
+        </p:nvSpPr>
+        <p:spPr>
+          <a:xfrm>
+            <a:off x="450273" y="309707"/>
+            <a:ext cx="10515600" cy="785296"/>
+          </a:xfrm>
+        </p:spPr>
+        <p:txBody>
+          <a:bodyPr/>
+          <a:lstStyle/>
+          <a:p>
+            <a:r>
+              <a:rPr lang="pl-PL" dirty="0"/>
+              <a:t>Wyniki badań - Przyśpieszenie</a:t>
+            </a:r>
+          </a:p>
+        </p:txBody>
+      </p:sp>
+      <p:graphicFrame>
+        <p:nvGraphicFramePr>
+          <p:cNvPr id="7" name="Wykres 6">
+            <a:extLst>
+              <a:ext uri="{FF2B5EF4-FFF2-40B4-BE49-F238E27FC236}">
+                <a16:creationId xmlns:a16="http://schemas.microsoft.com/office/drawing/2014/main" id="{B5E067CD-665C-413C-864C-F0307C83CB28}"/>
+              </a:ext>
+            </a:extLst>
+          </p:cNvPr>
+          <p:cNvGraphicFramePr>
+            <a:graphicFrameLocks/>
+          </p:cNvGraphicFramePr>
+          <p:nvPr>
+            <p:extLst>
+              <p:ext uri="{D42A27DB-BD31-4B8C-83A1-F6EECF244321}">
+                <p14:modId xmlns:p14="http://schemas.microsoft.com/office/powerpoint/2010/main" val="1497022661"/>
+              </p:ext>
+            </p:extLst>
+          </p:nvPr>
+        </p:nvGraphicFramePr>
+        <p:xfrm>
+          <a:off x="1515865" y="1334335"/>
+          <a:ext cx="9160270" cy="4876684"/>
+        </p:xfrm>
+        <a:graphic>
+          <a:graphicData uri="http://schemas.openxmlformats.org/drawingml/2006/chart">
+            <c:chart xmlns:c="http://schemas.openxmlformats.org/drawingml/2006/chart" xmlns:r="http://schemas.openxmlformats.org/officeDocument/2006/relationships" r:id="rId2"/>
+          </a:graphicData>
+        </a:graphic>
+      </p:graphicFrame>
+    </p:spTree>
+    <p:extLst>
+      <p:ext uri="{BB962C8B-B14F-4D97-AF65-F5344CB8AC3E}">
+        <p14:creationId xmlns:p14="http://schemas.microsoft.com/office/powerpoint/2010/main" val="838488454"/>
+      </p:ext>
+    </p:extLst>
+  </p:cSld>
+  <p:clrMapOvr>
+    <a:masterClrMapping/>
+  </p:clrMapOvr>
+</p:sld>
+</file>
+
+<file path=ppt/slides/slide13.xml><?xml version="1.0" encoding="utf-8"?>
+<p:sld xmlns:a="http://schemas.openxmlformats.org/drawingml/2006/main" xmlns:r="http://schemas.openxmlformats.org/officeDocument/2006/relationships" xmlns:p="http://schemas.openxmlformats.org/presentationml/2006/main">
+  <p:cSld>
+    <p:spTree>
+      <p:nvGrpSpPr>
+        <p:cNvPr id="1" name=""/>
+        <p:cNvGrpSpPr/>
+        <p:nvPr/>
+      </p:nvGrpSpPr>
+      <p:grpSpPr>
+        <a:xfrm>
+          <a:off x="0" y="0"/>
+          <a:ext cx="0" cy="0"/>
+          <a:chOff x="0" y="0"/>
+          <a:chExt cx="0" cy="0"/>
+        </a:xfrm>
+      </p:grpSpPr>
+      <p:sp>
+        <p:nvSpPr>
+          <p:cNvPr id="2" name="Tytuł 1">
+            <a:extLst>
+              <a:ext uri="{FF2B5EF4-FFF2-40B4-BE49-F238E27FC236}">
+                <a16:creationId xmlns:a16="http://schemas.microsoft.com/office/drawing/2014/main" id="{A582E30A-EC77-4F77-A8BF-103507B7AD08}"/>
+              </a:ext>
+            </a:extLst>
+          </p:cNvPr>
+          <p:cNvSpPr>
+            <a:spLocks noGrp="1"/>
+          </p:cNvSpPr>
+          <p:nvPr>
+            <p:ph type="title"/>
+          </p:nvPr>
+        </p:nvSpPr>
+        <p:spPr>
+          <a:xfrm>
+            <a:off x="450273" y="309707"/>
+            <a:ext cx="10515600" cy="785296"/>
+          </a:xfrm>
+        </p:spPr>
+        <p:txBody>
+          <a:bodyPr/>
+          <a:lstStyle/>
+          <a:p>
+            <a:r>
+              <a:rPr lang="pl-PL" dirty="0"/>
+              <a:t>Wyniki badań - Efektywność</a:t>
+            </a:r>
+          </a:p>
+        </p:txBody>
+      </p:sp>
+      <p:graphicFrame>
+        <p:nvGraphicFramePr>
+          <p:cNvPr id="5" name="Wykres 4">
+            <a:extLst>
+              <a:ext uri="{FF2B5EF4-FFF2-40B4-BE49-F238E27FC236}">
+                <a16:creationId xmlns:a16="http://schemas.microsoft.com/office/drawing/2014/main" id="{E1F91575-9FA7-4BF8-B246-62B1972D26D9}"/>
+              </a:ext>
+            </a:extLst>
+          </p:cNvPr>
+          <p:cNvGraphicFramePr>
+            <a:graphicFrameLocks/>
+          </p:cNvGraphicFramePr>
+          <p:nvPr>
+            <p:extLst>
+              <p:ext uri="{D42A27DB-BD31-4B8C-83A1-F6EECF244321}">
+                <p14:modId xmlns:p14="http://schemas.microsoft.com/office/powerpoint/2010/main" val="1168528319"/>
+              </p:ext>
+            </p:extLst>
+          </p:nvPr>
+        </p:nvGraphicFramePr>
+        <p:xfrm>
+          <a:off x="1515865" y="1334334"/>
+          <a:ext cx="9160270" cy="4876683"/>
+        </p:xfrm>
+        <a:graphic>
+          <a:graphicData uri="http://schemas.openxmlformats.org/drawingml/2006/chart">
+            <c:chart xmlns:c="http://schemas.openxmlformats.org/drawingml/2006/chart" xmlns:r="http://schemas.openxmlformats.org/officeDocument/2006/relationships" r:id="rId2"/>
+          </a:graphicData>
+        </a:graphic>
+      </p:graphicFrame>
+    </p:spTree>
+    <p:extLst>
+      <p:ext uri="{BB962C8B-B14F-4D97-AF65-F5344CB8AC3E}">
+        <p14:creationId xmlns:p14="http://schemas.microsoft.com/office/powerpoint/2010/main" val="1167269668"/>
+      </p:ext>
+    </p:extLst>
+  </p:cSld>
+  <p:clrMapOvr>
+    <a:masterClrMapping/>
+  </p:clrMapOvr>
+</p:sld>
+</file>
+
+<file path=ppt/slides/slide14.xml><?xml version="1.0" encoding="utf-8"?>
+<p:sld xmlns:a="http://schemas.openxmlformats.org/drawingml/2006/main" xmlns:r="http://schemas.openxmlformats.org/officeDocument/2006/relationships" xmlns:p="http://schemas.openxmlformats.org/presentationml/2006/main">
+  <p:cSld>
+    <p:spTree>
+      <p:nvGrpSpPr>
+        <p:cNvPr id="1" name=""/>
+        <p:cNvGrpSpPr/>
+        <p:nvPr/>
+      </p:nvGrpSpPr>
+      <p:grpSpPr>
+        <a:xfrm>
+          <a:off x="0" y="0"/>
+          <a:ext cx="0" cy="0"/>
+          <a:chOff x="0" y="0"/>
+          <a:chExt cx="0" cy="0"/>
+        </a:xfrm>
+      </p:grpSpPr>
+      <p:sp>
+        <p:nvSpPr>
+          <p:cNvPr id="2" name="Tytuł 1">
+            <a:extLst>
+              <a:ext uri="{FF2B5EF4-FFF2-40B4-BE49-F238E27FC236}">
+                <a16:creationId xmlns:a16="http://schemas.microsoft.com/office/drawing/2014/main" id="{95C9A252-E7DC-4E2C-A49C-A2DC95823414}"/>
+              </a:ext>
+            </a:extLst>
+          </p:cNvPr>
+          <p:cNvSpPr>
+            <a:spLocks noGrp="1"/>
+          </p:cNvSpPr>
+          <p:nvPr>
+            <p:ph type="title"/>
+          </p:nvPr>
+        </p:nvSpPr>
+        <p:spPr/>
+        <p:txBody>
+          <a:bodyPr/>
+          <a:lstStyle/>
+          <a:p>
+            <a:r>
+              <a:rPr lang="pl-PL" dirty="0"/>
+              <a:t>Wnioski</a:t>
+            </a:r>
+          </a:p>
+        </p:txBody>
+      </p:sp>
+      <p:sp>
+        <p:nvSpPr>
+          <p:cNvPr id="3" name="Symbol zastępczy zawartości 2">
+            <a:extLst>
+              <a:ext uri="{FF2B5EF4-FFF2-40B4-BE49-F238E27FC236}">
+                <a16:creationId xmlns:a16="http://schemas.microsoft.com/office/drawing/2014/main" id="{510302EC-2F67-4CBB-AE0E-DE4A019089CB}"/>
+              </a:ext>
+            </a:extLst>
+          </p:cNvPr>
+          <p:cNvSpPr>
+            <a:spLocks noGrp="1"/>
+          </p:cNvSpPr>
+          <p:nvPr>
+            <p:ph idx="1"/>
+          </p:nvPr>
+        </p:nvSpPr>
+        <p:spPr>
+          <a:xfrm>
+            <a:off x="838200" y="1471942"/>
+            <a:ext cx="10515600" cy="4842594"/>
+          </a:xfrm>
+        </p:spPr>
+        <p:txBody>
+          <a:bodyPr>
+            <a:normAutofit fontScale="85000" lnSpcReduction="20000"/>
+          </a:bodyPr>
+          <a:lstStyle/>
+          <a:p>
+            <a:pPr lvl="0"/>
+            <a:r>
+              <a:rPr lang="pl-PL" dirty="0"/>
+              <a:t>Zrównoleglenie obliczeń przyniosło pożądany efekt. Dla wszystkich badanych częstotliwości można było zaobserwować przyśpieszenie przy zrównolegleniu obliczeń.</a:t>
+            </a:r>
+          </a:p>
+          <a:p>
+            <a:pPr lvl="0"/>
+            <a:r>
+              <a:rPr lang="pl-PL" dirty="0"/>
+              <a:t>Najlepsze wyniki zostały osiągnięte dla największych badanych wartości częstotliwości próbkowania: 131072 oraz 32768.</a:t>
+            </a:r>
+          </a:p>
+          <a:p>
+            <a:pPr lvl="0"/>
+            <a:r>
+              <a:rPr lang="pl-PL" dirty="0"/>
+              <a:t>Wykorzystanie 32 jednostek obliczeniowych dla częstotliwości próbkowania 8192 nie daje znaczącego wzrostu przyśpieszenia.</a:t>
+            </a:r>
+          </a:p>
+          <a:p>
+            <a:pPr lvl="0"/>
+            <a:r>
+              <a:rPr lang="pl-PL" dirty="0"/>
+              <a:t>Wykorzystanie więcej niż 4 jednostek obliczeniowych dla częstotliwości próbkowania 1024, nie daje zbyt dużego wzrostu przyśpieszenia.</a:t>
+            </a:r>
+          </a:p>
+          <a:p>
+            <a:pPr lvl="0"/>
+            <a:r>
+              <a:rPr lang="pl-PL" dirty="0"/>
+              <a:t>Im większa częstotliwości próbkowania tym dłużej można obserwować wzrost przyśpieszenia przy równoczesnym wzroście liczby jednostek obliczeniowych.</a:t>
+            </a:r>
+          </a:p>
+          <a:p>
+            <a:pPr lvl="0"/>
+            <a:r>
+              <a:rPr lang="pl-PL" dirty="0"/>
+              <a:t>Zależność efektywności zrównoleglania względem liczby wykorzystanych jednostek obliczeniowych jest podobna dla wszystkich badanych częstotliwości próbkowania – efektywność w podobny sposób maleje wraz ze wzrostem liczby wykorzystanych jednostek obliczeniowych.</a:t>
+            </a:r>
+          </a:p>
+        </p:txBody>
+      </p:sp>
+    </p:spTree>
+    <p:extLst>
+      <p:ext uri="{BB962C8B-B14F-4D97-AF65-F5344CB8AC3E}">
+        <p14:creationId xmlns:p14="http://schemas.microsoft.com/office/powerpoint/2010/main" val="1149606059"/>
+      </p:ext>
+    </p:extLst>
+  </p:cSld>
+  <p:clrMapOvr>
+    <a:masterClrMapping/>
+  </p:clrMapOvr>
+</p:sld>
+</file>
+
+<file path=ppt/slides/slide15.xml><?xml version="1.0" encoding="utf-8"?>
+<p:sld xmlns:a="http://schemas.openxmlformats.org/drawingml/2006/main" xmlns:r="http://schemas.openxmlformats.org/officeDocument/2006/relationships" xmlns:p="http://schemas.openxmlformats.org/presentationml/2006/main">
+  <p:cSld>
+    <p:spTree>
+      <p:nvGrpSpPr>
+        <p:cNvPr id="1" name=""/>
+        <p:cNvGrpSpPr/>
+        <p:nvPr/>
+      </p:nvGrpSpPr>
+      <p:grpSpPr>
+        <a:xfrm>
+          <a:off x="0" y="0"/>
+          <a:ext cx="0" cy="0"/>
+          <a:chOff x="0" y="0"/>
+          <a:chExt cx="0" cy="0"/>
+        </a:xfrm>
+      </p:grpSpPr>
+      <p:sp>
+        <p:nvSpPr>
+          <p:cNvPr id="2" name="Title 1"/>
+          <p:cNvSpPr>
+            <a:spLocks noGrp="1"/>
+          </p:cNvSpPr>
+          <p:nvPr>
+            <p:ph type="title"/>
+          </p:nvPr>
+        </p:nvSpPr>
+        <p:spPr/>
+        <p:txBody>
+          <a:bodyPr/>
+          <a:lstStyle/>
+          <a:p>
+            <a:r>
+              <a:rPr lang="pl-PL" dirty="0"/>
+              <a:t>Bibliografia</a:t>
+            </a:r>
+          </a:p>
+        </p:txBody>
+      </p:sp>
+      <p:sp>
+        <p:nvSpPr>
+          <p:cNvPr id="3" name="Content Placeholder 2"/>
+          <p:cNvSpPr>
+            <a:spLocks noGrp="1"/>
+          </p:cNvSpPr>
+          <p:nvPr>
+            <p:ph idx="1"/>
+          </p:nvPr>
+        </p:nvSpPr>
+        <p:spPr/>
+        <p:txBody>
+          <a:bodyPr/>
+          <a:lstStyle/>
+          <a:p>
+            <a:r>
+              <a:rPr lang="en-US" dirty="0"/>
+              <a:t>Introduction to Parallel Computing, Second Edition </a:t>
+            </a:r>
+            <a:endParaRPr lang="pl-PL" dirty="0"/>
+          </a:p>
+          <a:p>
+            <a:r>
+              <a:rPr lang="pl-PL" dirty="0"/>
+              <a:t>https://cs.wmich.edu/gupta/teaching/cs5260/5260Sp15web/studentProjects/tiba&amp;hussein/03278999.pdf</a:t>
+            </a:r>
+          </a:p>
+          <a:p>
+            <a:r>
+              <a:rPr lang="pl-PL" dirty="0"/>
+              <a:t>http://wazniak.mimuw.edu.pl/index.php?title=MN10</a:t>
+            </a:r>
+          </a:p>
+        </p:txBody>
+      </p:sp>
+    </p:spTree>
+    <p:extLst>
+      <p:ext uri="{BB962C8B-B14F-4D97-AF65-F5344CB8AC3E}">
+        <p14:creationId xmlns:p14="http://schemas.microsoft.com/office/powerpoint/2010/main" val="3542835466"/>
+      </p:ext>
+    </p:extLst>
+  </p:cSld>
+  <p:clrMapOvr>
+    <a:masterClrMapping/>
+  </p:clrMapOvr>
 </p:sld>
 </file>
 
@@ -3080,10 +6318,9 @@
           <a:lstStyle/>
           <a:p>
             <a:r>
-              <a:rPr lang="pl-PL" dirty="0" smtClean="0"/>
+              <a:rPr lang="pl-PL" dirty="0"/>
               <a:t>Transformata Fouriera</a:t>
             </a:r>
-            <a:endParaRPr lang="pl-PL" dirty="0"/>
           </a:p>
         </p:txBody>
       </p:sp>
@@ -3140,13 +6377,6 @@
   <p:clrMapOvr>
     <a:masterClrMapping/>
   </p:clrMapOvr>
-  <p:timing>
-    <p:tnLst>
-      <p:par>
-        <p:cTn id="1" dur="indefinite" restart="never" nodeType="tmRoot"/>
-      </p:par>
-    </p:tnLst>
-  </p:timing>
 </p:sld>
 </file>
 
@@ -3192,7 +6422,7 @@
               <a:lstStyle/>
               <a:p>
                 <a:r>
-                  <a:rPr lang="pl-PL" sz="4000" dirty="0" smtClean="0"/>
+                  <a:rPr lang="pl-PL" sz="4000" dirty="0"/>
                   <a:t>Matematycznie DFT: X(m) = </a:t>
                 </a:r>
                 <a14:m>
@@ -3387,10 +6617,9 @@
           <a:lstStyle/>
           <a:p>
             <a:r>
-              <a:rPr lang="pl-PL" sz="4400" dirty="0" smtClean="0"/>
+              <a:rPr lang="pl-PL" sz="4400" dirty="0"/>
               <a:t>DFT</a:t>
             </a:r>
-            <a:endParaRPr lang="pl-PL" sz="4400" dirty="0"/>
           </a:p>
         </p:txBody>
       </p:sp>
@@ -3419,7 +6648,7 @@
               <a:lstStyle/>
               <a:p>
                 <a:r>
-                  <a:rPr lang="pl-PL" sz="4400" dirty="0" smtClean="0"/>
+                  <a:rPr lang="pl-PL" sz="4400" dirty="0"/>
                   <a:t>O(</a:t>
                 </a:r>
                 <a14:m>
@@ -3452,10 +6681,9 @@
                   </m:oMath>
                 </a14:m>
                 <a:r>
-                  <a:rPr lang="pl-PL" sz="4400" dirty="0" smtClean="0"/>
+                  <a:rPr lang="pl-PL" sz="4400" dirty="0"/>
                   <a:t>)</a:t>
                 </a:r>
-                <a:endParaRPr lang="pl-PL" sz="4400" dirty="0"/>
               </a:p>
             </p:txBody>
           </p:sp>
@@ -3523,13 +6751,8 @@
           <a:p>
             <a:r>
               <a:rPr lang="pl-PL" sz="4400" dirty="0"/>
-              <a:t>F</a:t>
+              <a:t>FFT</a:t>
             </a:r>
-            <a:r>
-              <a:rPr lang="pl-PL" sz="4400" dirty="0" smtClean="0"/>
-              <a:t>FT</a:t>
-            </a:r>
-            <a:endParaRPr lang="pl-PL" sz="4400" dirty="0"/>
           </a:p>
         </p:txBody>
       </p:sp>
@@ -3556,10 +6779,9 @@
           <a:lstStyle/>
           <a:p>
             <a:r>
-              <a:rPr lang="pl-PL" sz="4400" dirty="0" smtClean="0"/>
+              <a:rPr lang="pl-PL" sz="4400" dirty="0"/>
               <a:t>O(n*log(n))</a:t>
             </a:r>
-            <a:endParaRPr lang="pl-PL" sz="4400" dirty="0"/>
           </a:p>
         </p:txBody>
       </p:sp>
@@ -3586,10 +6808,9 @@
           <a:lstStyle/>
           <a:p>
             <a:r>
-              <a:rPr lang="pl-PL" sz="4400" dirty="0" smtClean="0"/>
+              <a:rPr lang="pl-PL" sz="4400" dirty="0"/>
               <a:t>FFT równolegle</a:t>
             </a:r>
-            <a:endParaRPr lang="pl-PL" sz="4400" dirty="0"/>
           </a:p>
         </p:txBody>
       </p:sp>
@@ -3616,10 +6837,9 @@
           <a:lstStyle/>
           <a:p>
             <a:r>
-              <a:rPr lang="pl-PL" sz="4400" dirty="0" smtClean="0"/>
+              <a:rPr lang="pl-PL" sz="4400" dirty="0"/>
               <a:t>O(?)</a:t>
             </a:r>
-            <a:endParaRPr lang="pl-PL" sz="4400" dirty="0"/>
           </a:p>
           <a:p>
             <a:endParaRPr lang="pl-PL" sz="4400" dirty="0"/>
@@ -3651,7 +6871,7 @@
               <a:lstStyle/>
               <a:p>
                 <a:r>
-                  <a:rPr lang="pl-PL" dirty="0" smtClean="0"/>
+                  <a:rPr lang="pl-PL" dirty="0"/>
                   <a:t>X(1) = </a:t>
                 </a:r>
                 <a14:m>
@@ -3848,7 +7068,7 @@
               <a:lstStyle/>
               <a:p>
                 <a:r>
-                  <a:rPr lang="pl-PL" dirty="0" smtClean="0"/>
+                  <a:rPr lang="pl-PL" dirty="0"/>
                   <a:t>X(2) = </a:t>
                 </a:r>
                 <a14:m>
@@ -4045,7 +7265,7 @@
               <a:lstStyle/>
               <a:p>
                 <a:r>
-                  <a:rPr lang="pl-PL" dirty="0" smtClean="0"/>
+                  <a:rPr lang="pl-PL" dirty="0"/>
                   <a:t>X(3) = </a:t>
                 </a:r>
                 <a14:m>
@@ -4242,7 +7462,7 @@
               <a:lstStyle/>
               <a:p>
                 <a:r>
-                  <a:rPr lang="pl-PL" dirty="0" smtClean="0"/>
+                  <a:rPr lang="pl-PL" dirty="0"/>
                   <a:t>X(m) = </a:t>
                 </a:r>
                 <a14:m>
@@ -4437,10 +7657,9 @@
           <a:lstStyle/>
           <a:p>
             <a:r>
-              <a:rPr lang="pl-PL" dirty="0" smtClean="0"/>
+              <a:rPr lang="pl-PL" dirty="0"/>
               <a:t>...</a:t>
             </a:r>
-            <a:endParaRPr lang="pl-PL" dirty="0"/>
           </a:p>
         </p:txBody>
       </p:sp>
@@ -4508,10 +7727,9 @@
           <a:lstStyle/>
           <a:p>
             <a:r>
-              <a:rPr lang="pl-PL" sz="15600" dirty="0" smtClean="0"/>
+              <a:rPr lang="pl-PL" sz="15600" dirty="0"/>
               <a:t>?</a:t>
             </a:r>
-            <a:endParaRPr lang="pl-PL" sz="15600" dirty="0"/>
           </a:p>
         </p:txBody>
       </p:sp>
@@ -4525,13 +7743,6 @@
   <p:clrMapOvr>
     <a:masterClrMapping/>
   </p:clrMapOvr>
-  <p:timing>
-    <p:tnLst>
-      <p:par>
-        <p:cTn id="1" dur="indefinite" restart="never" nodeType="tmRoot"/>
-      </p:par>
-    </p:tnLst>
-  </p:timing>
 </p:sld>
 </file>
 
@@ -4573,10 +7784,9 @@
           <a:lstStyle/>
           <a:p>
             <a:r>
-              <a:rPr lang="pl-PL" dirty="0" smtClean="0"/>
+              <a:rPr lang="pl-PL" dirty="0"/>
               <a:t>FFT na jednej jednostce obliczeniowej</a:t>
             </a:r>
-            <a:endParaRPr lang="pl-PL" dirty="0"/>
           </a:p>
         </p:txBody>
       </p:sp>
@@ -4797,13 +8007,6 @@
   <p:clrMapOvr>
     <a:masterClrMapping/>
   </p:clrMapOvr>
-  <p:timing>
-    <p:tnLst>
-      <p:par>
-        <p:cTn id="1" dur="indefinite" restart="never" nodeType="tmRoot"/>
-      </p:par>
-    </p:tnLst>
-  </p:timing>
 </p:sld>
 </file>
 
@@ -4845,10 +8048,9 @@
           <a:lstStyle/>
           <a:p>
             <a:r>
-              <a:rPr lang="pl-PL" dirty="0" smtClean="0"/>
+              <a:rPr lang="pl-PL" dirty="0"/>
               <a:t>FFT równlolegle</a:t>
             </a:r>
-            <a:endParaRPr lang="pl-PL" dirty="0"/>
           </a:p>
         </p:txBody>
       </p:sp>
@@ -4888,13 +8090,6 @@
   <p:clrMapOvr>
     <a:masterClrMapping/>
   </p:clrMapOvr>
-  <p:timing>
-    <p:tnLst>
-      <p:par>
-        <p:cTn id="1" dur="indefinite" restart="never" nodeType="tmRoot"/>
-      </p:par>
-    </p:tnLst>
-  </p:timing>
 </p:sld>
 </file>
 
@@ -4936,10 +8131,9 @@
           <a:lstStyle/>
           <a:p>
             <a:r>
-              <a:rPr lang="pl-PL" dirty="0" smtClean="0"/>
+              <a:rPr lang="pl-PL" dirty="0"/>
               <a:t>I tak dalej i tak dalej ....</a:t>
             </a:r>
-            <a:endParaRPr lang="pl-PL" dirty="0"/>
           </a:p>
         </p:txBody>
       </p:sp>
@@ -4979,13 +8173,6 @@
   <p:clrMapOvr>
     <a:masterClrMapping/>
   </p:clrMapOvr>
-  <p:timing>
-    <p:tnLst>
-      <p:par>
-        <p:cTn id="1" dur="indefinite" restart="never" nodeType="tmRoot"/>
-      </p:par>
-    </p:tnLst>
-  </p:timing>
 </p:sld>
 </file>
 
@@ -5022,10 +8209,9 @@
           <a:lstStyle/>
           <a:p>
             <a:r>
-              <a:rPr lang="pl-PL" dirty="0" smtClean="0"/>
+              <a:rPr lang="pl-PL" dirty="0"/>
               <a:t>Przebieg równoległego FFT</a:t>
             </a:r>
-            <a:endParaRPr lang="pl-PL" dirty="0"/>
           </a:p>
         </p:txBody>
       </p:sp>
@@ -5056,7 +8242,7 @@
                   <a:buAutoNum type="arabicPeriod"/>
                 </a:pPr>
                 <a:r>
-                  <a:rPr lang="pl-PL" dirty="0" smtClean="0"/>
+                  <a:rPr lang="pl-PL" dirty="0"/>
                   <a:t>Zaokrąglij liczbę danych wejściowych do najbliższej wyższej potęgi 2</a:t>
                 </a:r>
               </a:p>
@@ -5066,7 +8252,7 @@
                   <a:buAutoNum type="arabicPeriod"/>
                 </a:pPr>
                 <a:r>
-                  <a:rPr lang="pl-PL" dirty="0" smtClean="0"/>
+                  <a:rPr lang="pl-PL" dirty="0"/>
                   <a:t>Wylicz współczynniki </a:t>
                 </a:r>
                 <a14:m>
@@ -5098,7 +8284,7 @@
                     </m:sSub>
                   </m:oMath>
                 </a14:m>
-                <a:endParaRPr lang="pl-PL" dirty="0" smtClean="0"/>
+                <a:endParaRPr lang="pl-PL" dirty="0"/>
               </a:p>
               <a:p>
                 <a:pPr marL="514350" indent="-514350">
@@ -5106,7 +8292,7 @@
                   <a:buAutoNum type="arabicPeriod"/>
                 </a:pPr>
                 <a:r>
-                  <a:rPr lang="pl-PL" dirty="0" smtClean="0"/>
+                  <a:rPr lang="pl-PL" dirty="0"/>
                   <a:t>Rozdziel dane równo pomiędzy jednostki obliczeniowe</a:t>
                 </a:r>
               </a:p>
@@ -5116,7 +8302,7 @@
                   <a:buAutoNum type="arabicPeriod"/>
                 </a:pPr>
                 <a:r>
-                  <a:rPr lang="pl-PL" dirty="0" smtClean="0"/>
+                  <a:rPr lang="pl-PL" dirty="0"/>
                   <a:t>Dopóki liczba elementów krzyżyjących się jest mniejsza od ilości danych na jednostce, obliczaj FFT lokalnie</a:t>
                 </a:r>
               </a:p>
@@ -5126,7 +8312,7 @@
                   <a:buAutoNum type="arabicPeriod"/>
                 </a:pPr>
                 <a:r>
-                  <a:rPr lang="pl-PL" dirty="0" smtClean="0"/>
+                  <a:rPr lang="pl-PL" dirty="0"/>
                   <a:t>W przeciwnym razie wymieniaj wszystkie aktualne wyliczenia z odpowiednią jednostką w strukturze motyla i wylicz FTT</a:t>
                 </a:r>
               </a:p>
@@ -5136,10 +8322,9 @@
                   <a:buAutoNum type="arabicPeriod"/>
                 </a:pPr>
                 <a:r>
-                  <a:rPr lang="pl-PL" dirty="0" smtClean="0"/>
+                  <a:rPr lang="pl-PL" dirty="0"/>
                   <a:t>Po ostatniej wymianie zbierz wyniki</a:t>
                 </a:r>
-                <a:endParaRPr lang="pl-PL" dirty="0"/>
               </a:p>
             </p:txBody>
           </p:sp>
@@ -5192,13 +8377,6 @@
   <p:clrMapOvr>
     <a:masterClrMapping/>
   </p:clrMapOvr>
-  <p:timing>
-    <p:tnLst>
-      <p:par>
-        <p:cTn id="1" dur="indefinite" restart="never" nodeType="tmRoot"/>
-      </p:par>
-    </p:tnLst>
-  </p:timing>
 </p:sld>
 </file>
 
@@ -5221,7 +8399,13 @@
       </p:grpSpPr>
       <p:sp>
         <p:nvSpPr>
-          <p:cNvPr id="2" name="Title 1"/>
+          <p:cNvPr id="2" name="Tytuł 1">
+            <a:extLst>
+              <a:ext uri="{FF2B5EF4-FFF2-40B4-BE49-F238E27FC236}">
+                <a16:creationId xmlns:a16="http://schemas.microsoft.com/office/drawing/2014/main" id="{95C9A252-E7DC-4E2C-A49C-A2DC95823414}"/>
+              </a:ext>
+            </a:extLst>
+          </p:cNvPr>
           <p:cNvSpPr>
             <a:spLocks noGrp="1"/>
           </p:cNvSpPr>
@@ -5235,16 +8419,21 @@
           <a:lstStyle/>
           <a:p>
             <a:r>
-              <a:rPr lang="pl-PL" dirty="0" smtClean="0"/>
-              <a:t>Bibliografia</a:t>
+              <a:rPr lang="pl-PL" dirty="0"/>
+              <a:t>Badania</a:t>
             </a:r>
-            <a:endParaRPr lang="pl-PL" dirty="0"/>
           </a:p>
         </p:txBody>
       </p:sp>
       <p:sp>
         <p:nvSpPr>
-          <p:cNvPr id="3" name="Content Placeholder 2"/>
+          <p:cNvPr id="3" name="Symbol zastępczy zawartości 2">
+            <a:extLst>
+              <a:ext uri="{FF2B5EF4-FFF2-40B4-BE49-F238E27FC236}">
+                <a16:creationId xmlns:a16="http://schemas.microsoft.com/office/drawing/2014/main" id="{510302EC-2F67-4CBB-AE0E-DE4A019089CB}"/>
+              </a:ext>
+            </a:extLst>
+          </p:cNvPr>
           <p:cNvSpPr>
             <a:spLocks noGrp="1"/>
           </p:cNvSpPr>
@@ -5252,25 +8441,65 @@
             <p:ph idx="1"/>
           </p:nvPr>
         </p:nvSpPr>
-        <p:spPr/>
+        <p:spPr>
+          <a:xfrm>
+            <a:off x="838200" y="1471942"/>
+            <a:ext cx="10910978" cy="4351338"/>
+          </a:xfrm>
+        </p:spPr>
         <p:txBody>
           <a:bodyPr/>
           <a:lstStyle/>
           <a:p>
             <a:r>
-              <a:rPr lang="en-US" dirty="0"/>
-              <a:t>Introduction to Parallel Computing, Second Edition </a:t>
+              <a:rPr lang="pl-PL" dirty="0"/>
+              <a:t>Stały czas pomiaru = 64 sekundy</a:t>
             </a:r>
-            <a:endParaRPr lang="pl-PL" dirty="0" smtClean="0"/>
-          </a:p>
-          <a:p>
-            <a:r>
-              <a:rPr lang="pl-PL" dirty="0" smtClean="0"/>
-              <a:t>https</a:t>
-            </a:r>
+          </a:p>
+          <a:p>
             <a:r>
               <a:rPr lang="pl-PL" dirty="0"/>
-              <a:t>://cs.wmich.edu/gupta/teaching/cs5260/5260Sp15web/studentProjects/tiba&amp;hussein/03278999.pdf</a:t>
+              <a:t>4 różne częstotliwości próbkowania:</a:t>
+            </a:r>
+          </a:p>
+          <a:p>
+            <a:pPr lvl="1"/>
+            <a:r>
+              <a:rPr lang="pl-PL" dirty="0"/>
+              <a:t>1024</a:t>
+            </a:r>
+          </a:p>
+          <a:p>
+            <a:pPr lvl="1"/>
+            <a:r>
+              <a:rPr lang="pl-PL" dirty="0"/>
+              <a:t>8192</a:t>
+            </a:r>
+          </a:p>
+          <a:p>
+            <a:pPr lvl="1"/>
+            <a:r>
+              <a:rPr lang="pl-PL" dirty="0"/>
+              <a:t>32768</a:t>
+            </a:r>
+          </a:p>
+          <a:p>
+            <a:pPr lvl="1"/>
+            <a:r>
+              <a:rPr lang="pl-PL" dirty="0"/>
+              <a:t>131072</a:t>
+            </a:r>
+          </a:p>
+          <a:p>
+            <a:r>
+              <a:rPr lang="pl-PL" dirty="0"/>
+              <a:t>Badania przeprowadzono dla 1, 2, 4, 8, 16, 32 jednostek obliczeniowych.</a:t>
+            </a:r>
+          </a:p>
+          <a:p>
+            <a:r>
+              <a:rPr lang="pl-PL" dirty="0"/>
+              <a:t>Sygnał wejściowy – fala sinusoidalna</a:t>
             </a:r>
           </a:p>
         </p:txBody>
@@ -5278,7 +8507,3871 @@
     </p:spTree>
     <p:extLst>
       <p:ext uri="{BB962C8B-B14F-4D97-AF65-F5344CB8AC3E}">
-        <p14:creationId xmlns:p14="http://schemas.microsoft.com/office/powerpoint/2010/main" val="3542835466"/>
+        <p14:creationId xmlns:p14="http://schemas.microsoft.com/office/powerpoint/2010/main" val="237449844"/>
+      </p:ext>
+    </p:extLst>
+  </p:cSld>
+  <p:clrMapOvr>
+    <a:masterClrMapping/>
+  </p:clrMapOvr>
+</p:sld>
+</file>
+
+<file path=ppt/slides/slide9.xml><?xml version="1.0" encoding="utf-8"?>
+<p:sld xmlns:a="http://schemas.openxmlformats.org/drawingml/2006/main" xmlns:r="http://schemas.openxmlformats.org/officeDocument/2006/relationships" xmlns:p="http://schemas.openxmlformats.org/presentationml/2006/main">
+  <p:cSld>
+    <p:spTree>
+      <p:nvGrpSpPr>
+        <p:cNvPr id="1" name=""/>
+        <p:cNvGrpSpPr/>
+        <p:nvPr/>
+      </p:nvGrpSpPr>
+      <p:grpSpPr>
+        <a:xfrm>
+          <a:off x="0" y="0"/>
+          <a:ext cx="0" cy="0"/>
+          <a:chOff x="0" y="0"/>
+          <a:chExt cx="0" cy="0"/>
+        </a:xfrm>
+      </p:grpSpPr>
+      <p:sp>
+        <p:nvSpPr>
+          <p:cNvPr id="2" name="Tytuł 1">
+            <a:extLst>
+              <a:ext uri="{FF2B5EF4-FFF2-40B4-BE49-F238E27FC236}">
+                <a16:creationId xmlns:a16="http://schemas.microsoft.com/office/drawing/2014/main" id="{A582E30A-EC77-4F77-A8BF-103507B7AD08}"/>
+              </a:ext>
+            </a:extLst>
+          </p:cNvPr>
+          <p:cNvSpPr>
+            <a:spLocks noGrp="1"/>
+          </p:cNvSpPr>
+          <p:nvPr>
+            <p:ph type="title"/>
+          </p:nvPr>
+        </p:nvSpPr>
+        <p:spPr>
+          <a:xfrm>
+            <a:off x="450273" y="309707"/>
+            <a:ext cx="10515600" cy="785296"/>
+          </a:xfrm>
+        </p:spPr>
+        <p:txBody>
+          <a:bodyPr/>
+          <a:lstStyle/>
+          <a:p>
+            <a:r>
+              <a:rPr lang="pl-PL" dirty="0"/>
+              <a:t>Wyniki badań</a:t>
+            </a:r>
+          </a:p>
+        </p:txBody>
+      </p:sp>
+      <p:graphicFrame>
+        <p:nvGraphicFramePr>
+          <p:cNvPr id="5" name="Symbol zastępczy zawartości 4">
+            <a:extLst>
+              <a:ext uri="{FF2B5EF4-FFF2-40B4-BE49-F238E27FC236}">
+                <a16:creationId xmlns:a16="http://schemas.microsoft.com/office/drawing/2014/main" id="{E15B2B98-9280-4019-B791-352A89436E52}"/>
+              </a:ext>
+            </a:extLst>
+          </p:cNvPr>
+          <p:cNvGraphicFramePr>
+            <a:graphicFrameLocks noGrp="1"/>
+          </p:cNvGraphicFramePr>
+          <p:nvPr>
+            <p:ph idx="1"/>
+            <p:extLst>
+              <p:ext uri="{D42A27DB-BD31-4B8C-83A1-F6EECF244321}">
+                <p14:modId xmlns:p14="http://schemas.microsoft.com/office/powerpoint/2010/main" val="1436423216"/>
+              </p:ext>
+            </p:extLst>
+          </p:nvPr>
+        </p:nvGraphicFramePr>
+        <p:xfrm>
+          <a:off x="2427094" y="1107920"/>
+          <a:ext cx="6561958" cy="5440373"/>
+        </p:xfrm>
+        <a:graphic>
+          <a:graphicData uri="http://schemas.openxmlformats.org/drawingml/2006/table">
+            <a:tbl>
+              <a:tblPr firstRow="1" firstCol="1" bandRow="1">
+                <a:tableStyleId>{5C22544A-7EE6-4342-B048-85BDC9FD1C3A}</a:tableStyleId>
+              </a:tblPr>
+              <a:tblGrid>
+                <a:gridCol w="1042086">
+                  <a:extLst>
+                    <a:ext uri="{9D8B030D-6E8A-4147-A177-3AD203B41FA5}">
+                      <a16:colId xmlns:a16="http://schemas.microsoft.com/office/drawing/2014/main" val="3380946497"/>
+                    </a:ext>
+                  </a:extLst>
+                </a:gridCol>
+                <a:gridCol w="1150043">
+                  <a:extLst>
+                    <a:ext uri="{9D8B030D-6E8A-4147-A177-3AD203B41FA5}">
+                      <a16:colId xmlns:a16="http://schemas.microsoft.com/office/drawing/2014/main" val="1304830972"/>
+                    </a:ext>
+                  </a:extLst>
+                </a:gridCol>
+                <a:gridCol w="985245">
+                  <a:extLst>
+                    <a:ext uri="{9D8B030D-6E8A-4147-A177-3AD203B41FA5}">
+                      <a16:colId xmlns:a16="http://schemas.microsoft.com/office/drawing/2014/main" val="863751653"/>
+                    </a:ext>
+                  </a:extLst>
+                </a:gridCol>
+                <a:gridCol w="1133812">
+                  <a:extLst>
+                    <a:ext uri="{9D8B030D-6E8A-4147-A177-3AD203B41FA5}">
+                      <a16:colId xmlns:a16="http://schemas.microsoft.com/office/drawing/2014/main" val="1435134236"/>
+                    </a:ext>
+                  </a:extLst>
+                </a:gridCol>
+                <a:gridCol w="1165094">
+                  <a:extLst>
+                    <a:ext uri="{9D8B030D-6E8A-4147-A177-3AD203B41FA5}">
+                      <a16:colId xmlns:a16="http://schemas.microsoft.com/office/drawing/2014/main" val="2141005104"/>
+                    </a:ext>
+                  </a:extLst>
+                </a:gridCol>
+                <a:gridCol w="1085678">
+                  <a:extLst>
+                    <a:ext uri="{9D8B030D-6E8A-4147-A177-3AD203B41FA5}">
+                      <a16:colId xmlns:a16="http://schemas.microsoft.com/office/drawing/2014/main" val="238580117"/>
+                    </a:ext>
+                  </a:extLst>
+                </a:gridCol>
+              </a:tblGrid>
+              <a:tr h="578813">
+                <a:tc>
+                  <a:txBody>
+                    <a:bodyPr/>
+                    <a:lstStyle/>
+                    <a:p>
+                      <a:pPr algn="ctr">
+                        <a:lnSpc>
+                          <a:spcPct val="107000"/>
+                        </a:lnSpc>
+                        <a:spcAft>
+                          <a:spcPts val="0"/>
+                        </a:spcAft>
+                      </a:pPr>
+                      <a:r>
+                        <a:rPr lang="pl-PL" sz="1300" dirty="0">
+                          <a:effectLst/>
+                        </a:rPr>
+                        <a:t>Czas pomiaru [s]</a:t>
+                      </a:r>
+                      <a:endParaRPr lang="pl-PL" sz="1300" dirty="0">
+                        <a:effectLst/>
+                        <a:latin typeface="Calibri" panose="020F0502020204030204" pitchFamily="34" charset="0"/>
+                        <a:ea typeface="Calibri" panose="020F0502020204030204" pitchFamily="34" charset="0"/>
+                        <a:cs typeface="Times New Roman" panose="02020603050405020304" pitchFamily="18" charset="0"/>
+                      </a:endParaRPr>
+                    </a:p>
+                  </a:txBody>
+                  <a:tcPr marL="74864" marR="74864" marT="0" marB="0" anchor="ctr"/>
+                </a:tc>
+                <a:tc>
+                  <a:txBody>
+                    <a:bodyPr/>
+                    <a:lstStyle/>
+                    <a:p>
+                      <a:pPr algn="ctr">
+                        <a:lnSpc>
+                          <a:spcPct val="107000"/>
+                        </a:lnSpc>
+                        <a:spcAft>
+                          <a:spcPts val="0"/>
+                        </a:spcAft>
+                      </a:pPr>
+                      <a:r>
+                        <a:rPr lang="pl-PL" sz="1300" dirty="0">
+                          <a:effectLst/>
+                        </a:rPr>
+                        <a:t>Częstotliwość próbkowania</a:t>
+                      </a:r>
+                      <a:endParaRPr lang="pl-PL" sz="1300" dirty="0">
+                        <a:effectLst/>
+                        <a:latin typeface="Calibri" panose="020F0502020204030204" pitchFamily="34" charset="0"/>
+                        <a:ea typeface="Calibri" panose="020F0502020204030204" pitchFamily="34" charset="0"/>
+                        <a:cs typeface="Times New Roman" panose="02020603050405020304" pitchFamily="18" charset="0"/>
+                      </a:endParaRPr>
+                    </a:p>
+                  </a:txBody>
+                  <a:tcPr marL="74864" marR="74864" marT="0" marB="0" anchor="ctr"/>
+                </a:tc>
+                <a:tc>
+                  <a:txBody>
+                    <a:bodyPr/>
+                    <a:lstStyle/>
+                    <a:p>
+                      <a:pPr algn="ctr">
+                        <a:lnSpc>
+                          <a:spcPct val="107000"/>
+                        </a:lnSpc>
+                        <a:spcAft>
+                          <a:spcPts val="0"/>
+                        </a:spcAft>
+                      </a:pPr>
+                      <a:r>
+                        <a:rPr lang="pl-PL" sz="1300">
+                          <a:effectLst/>
+                        </a:rPr>
+                        <a:t>Liczba procesorów</a:t>
+                      </a:r>
+                      <a:endParaRPr lang="pl-PL" sz="1300">
+                        <a:effectLst/>
+                        <a:latin typeface="Calibri" panose="020F0502020204030204" pitchFamily="34" charset="0"/>
+                        <a:ea typeface="Calibri" panose="020F0502020204030204" pitchFamily="34" charset="0"/>
+                        <a:cs typeface="Times New Roman" panose="02020603050405020304" pitchFamily="18" charset="0"/>
+                      </a:endParaRPr>
+                    </a:p>
+                  </a:txBody>
+                  <a:tcPr marL="74864" marR="74864" marT="0" marB="0" anchor="ctr"/>
+                </a:tc>
+                <a:tc>
+                  <a:txBody>
+                    <a:bodyPr/>
+                    <a:lstStyle/>
+                    <a:p>
+                      <a:pPr algn="ctr">
+                        <a:lnSpc>
+                          <a:spcPct val="107000"/>
+                        </a:lnSpc>
+                        <a:spcAft>
+                          <a:spcPts val="0"/>
+                        </a:spcAft>
+                      </a:pPr>
+                      <a:r>
+                        <a:rPr lang="pl-PL" sz="1300" dirty="0">
+                          <a:effectLst/>
+                        </a:rPr>
+                        <a:t>Średni czas [s]</a:t>
+                      </a:r>
+                      <a:endParaRPr lang="pl-PL" sz="1300" dirty="0">
+                        <a:effectLst/>
+                        <a:latin typeface="Calibri" panose="020F0502020204030204" pitchFamily="34" charset="0"/>
+                        <a:ea typeface="Calibri" panose="020F0502020204030204" pitchFamily="34" charset="0"/>
+                        <a:cs typeface="Times New Roman" panose="02020603050405020304" pitchFamily="18" charset="0"/>
+                      </a:endParaRPr>
+                    </a:p>
+                  </a:txBody>
+                  <a:tcPr marL="74864" marR="74864" marT="0" marB="0" anchor="ctr"/>
+                </a:tc>
+                <a:tc>
+                  <a:txBody>
+                    <a:bodyPr/>
+                    <a:lstStyle/>
+                    <a:p>
+                      <a:pPr algn="ctr">
+                        <a:lnSpc>
+                          <a:spcPct val="107000"/>
+                        </a:lnSpc>
+                        <a:spcAft>
+                          <a:spcPts val="0"/>
+                        </a:spcAft>
+                      </a:pPr>
+                      <a:r>
+                        <a:rPr lang="pl-PL" sz="1300">
+                          <a:effectLst/>
+                        </a:rPr>
+                        <a:t>Przyśpieszenie</a:t>
+                      </a:r>
+                      <a:endParaRPr lang="pl-PL" sz="1300">
+                        <a:effectLst/>
+                        <a:latin typeface="Calibri" panose="020F0502020204030204" pitchFamily="34" charset="0"/>
+                        <a:ea typeface="Calibri" panose="020F0502020204030204" pitchFamily="34" charset="0"/>
+                        <a:cs typeface="Times New Roman" panose="02020603050405020304" pitchFamily="18" charset="0"/>
+                      </a:endParaRPr>
+                    </a:p>
+                  </a:txBody>
+                  <a:tcPr marL="74864" marR="74864" marT="0" marB="0" anchor="ctr"/>
+                </a:tc>
+                <a:tc>
+                  <a:txBody>
+                    <a:bodyPr/>
+                    <a:lstStyle/>
+                    <a:p>
+                      <a:pPr algn="ctr">
+                        <a:lnSpc>
+                          <a:spcPct val="107000"/>
+                        </a:lnSpc>
+                        <a:spcAft>
+                          <a:spcPts val="0"/>
+                        </a:spcAft>
+                      </a:pPr>
+                      <a:r>
+                        <a:rPr lang="pl-PL" sz="1300">
+                          <a:effectLst/>
+                        </a:rPr>
+                        <a:t>Efektywność</a:t>
+                      </a:r>
+                      <a:endParaRPr lang="pl-PL" sz="1300">
+                        <a:effectLst/>
+                        <a:latin typeface="Calibri" panose="020F0502020204030204" pitchFamily="34" charset="0"/>
+                        <a:ea typeface="Calibri" panose="020F0502020204030204" pitchFamily="34" charset="0"/>
+                        <a:cs typeface="Times New Roman" panose="02020603050405020304" pitchFamily="18" charset="0"/>
+                      </a:endParaRPr>
+                    </a:p>
+                  </a:txBody>
+                  <a:tcPr marL="74864" marR="74864" marT="0" marB="0" anchor="ctr"/>
+                </a:tc>
+                <a:extLst>
+                  <a:ext uri="{0D108BD9-81ED-4DB2-BD59-A6C34878D82A}">
+                    <a16:rowId xmlns:a16="http://schemas.microsoft.com/office/drawing/2014/main" val="2447351384"/>
+                  </a:ext>
+                </a:extLst>
+              </a:tr>
+              <a:tr h="199638">
+                <a:tc rowSpan="24">
+                  <a:txBody>
+                    <a:bodyPr/>
+                    <a:lstStyle/>
+                    <a:p>
+                      <a:pPr algn="ctr">
+                        <a:lnSpc>
+                          <a:spcPct val="107000"/>
+                        </a:lnSpc>
+                        <a:spcAft>
+                          <a:spcPts val="0"/>
+                        </a:spcAft>
+                      </a:pPr>
+                      <a:r>
+                        <a:rPr lang="pl-PL" sz="1300" b="1" dirty="0">
+                          <a:solidFill>
+                            <a:schemeClr val="tx1"/>
+                          </a:solidFill>
+                          <a:effectLst/>
+                        </a:rPr>
+                        <a:t>64</a:t>
+                      </a:r>
+                      <a:endParaRPr lang="pl-PL" sz="1300" b="1" dirty="0">
+                        <a:solidFill>
+                          <a:schemeClr val="tx1"/>
+                        </a:solidFill>
+                        <a:effectLst/>
+                        <a:latin typeface="Calibri" panose="020F0502020204030204" pitchFamily="34" charset="0"/>
+                        <a:ea typeface="Calibri" panose="020F0502020204030204" pitchFamily="34" charset="0"/>
+                        <a:cs typeface="Times New Roman" panose="02020603050405020304" pitchFamily="18" charset="0"/>
+                      </a:endParaRPr>
+                    </a:p>
+                  </a:txBody>
+                  <a:tcPr marL="96404" marR="96404" marT="48202" marB="48202" anchor="ctr">
+                    <a:solidFill>
+                      <a:srgbClr val="D2DEEF"/>
+                    </a:solidFill>
+                  </a:tcPr>
+                </a:tc>
+                <a:tc rowSpan="6">
+                  <a:txBody>
+                    <a:bodyPr/>
+                    <a:lstStyle/>
+                    <a:p>
+                      <a:pPr algn="ctr">
+                        <a:lnSpc>
+                          <a:spcPct val="107000"/>
+                        </a:lnSpc>
+                        <a:spcAft>
+                          <a:spcPts val="0"/>
+                        </a:spcAft>
+                      </a:pPr>
+                      <a:r>
+                        <a:rPr lang="pl-PL" sz="1300" b="1" dirty="0">
+                          <a:effectLst/>
+                        </a:rPr>
+                        <a:t>1024</a:t>
+                      </a:r>
+                      <a:endParaRPr lang="pl-PL" sz="1300" b="1" dirty="0">
+                        <a:effectLst/>
+                        <a:latin typeface="Calibri" panose="020F0502020204030204" pitchFamily="34" charset="0"/>
+                        <a:ea typeface="Calibri" panose="020F0502020204030204" pitchFamily="34" charset="0"/>
+                        <a:cs typeface="Times New Roman" panose="02020603050405020304" pitchFamily="18" charset="0"/>
+                      </a:endParaRPr>
+                    </a:p>
+                  </a:txBody>
+                  <a:tcPr marL="96404" marR="96404" marT="48202" marB="48202" anchor="ctr">
+                    <a:solidFill>
+                      <a:srgbClr val="D2DEEF"/>
+                    </a:solidFill>
+                  </a:tcPr>
+                </a:tc>
+                <a:tc>
+                  <a:txBody>
+                    <a:bodyPr/>
+                    <a:lstStyle/>
+                    <a:p>
+                      <a:pPr algn="ctr">
+                        <a:lnSpc>
+                          <a:spcPct val="107000"/>
+                        </a:lnSpc>
+                        <a:spcAft>
+                          <a:spcPts val="0"/>
+                        </a:spcAft>
+                      </a:pPr>
+                      <a:r>
+                        <a:rPr lang="pl-PL" sz="1300">
+                          <a:effectLst/>
+                        </a:rPr>
+                        <a:t>1</a:t>
+                      </a:r>
+                      <a:endParaRPr lang="pl-PL" sz="1300">
+                        <a:effectLst/>
+                        <a:latin typeface="Calibri" panose="020F0502020204030204" pitchFamily="34" charset="0"/>
+                        <a:ea typeface="Calibri" panose="020F0502020204030204" pitchFamily="34" charset="0"/>
+                        <a:cs typeface="Times New Roman" panose="02020603050405020304" pitchFamily="18" charset="0"/>
+                      </a:endParaRPr>
+                    </a:p>
+                  </a:txBody>
+                  <a:tcPr marL="74864" marR="74864" marT="0" marB="0" anchor="ctr"/>
+                </a:tc>
+                <a:tc>
+                  <a:txBody>
+                    <a:bodyPr/>
+                    <a:lstStyle/>
+                    <a:p>
+                      <a:pPr algn="ctr">
+                        <a:lnSpc>
+                          <a:spcPct val="107000"/>
+                        </a:lnSpc>
+                        <a:spcAft>
+                          <a:spcPts val="0"/>
+                        </a:spcAft>
+                      </a:pPr>
+                      <a:r>
+                        <a:rPr lang="pl-PL" sz="1300">
+                          <a:effectLst/>
+                        </a:rPr>
+                        <a:t>0,082117</a:t>
+                      </a:r>
+                      <a:endParaRPr lang="pl-PL" sz="1300">
+                        <a:effectLst/>
+                        <a:latin typeface="Calibri" panose="020F0502020204030204" pitchFamily="34" charset="0"/>
+                        <a:ea typeface="Calibri" panose="020F0502020204030204" pitchFamily="34" charset="0"/>
+                        <a:cs typeface="Times New Roman" panose="02020603050405020304" pitchFamily="18" charset="0"/>
+                      </a:endParaRPr>
+                    </a:p>
+                  </a:txBody>
+                  <a:tcPr marL="74864" marR="74864" marT="0" marB="0" anchor="ctr"/>
+                </a:tc>
+                <a:tc>
+                  <a:txBody>
+                    <a:bodyPr/>
+                    <a:lstStyle/>
+                    <a:p>
+                      <a:pPr algn="ctr">
+                        <a:lnSpc>
+                          <a:spcPct val="107000"/>
+                        </a:lnSpc>
+                        <a:spcAft>
+                          <a:spcPts val="0"/>
+                        </a:spcAft>
+                      </a:pPr>
+                      <a:r>
+                        <a:rPr lang="pl-PL" sz="1300">
+                          <a:effectLst/>
+                        </a:rPr>
+                        <a:t>1,000</a:t>
+                      </a:r>
+                      <a:endParaRPr lang="pl-PL" sz="1300">
+                        <a:effectLst/>
+                        <a:latin typeface="Calibri" panose="020F0502020204030204" pitchFamily="34" charset="0"/>
+                        <a:ea typeface="Calibri" panose="020F0502020204030204" pitchFamily="34" charset="0"/>
+                        <a:cs typeface="Times New Roman" panose="02020603050405020304" pitchFamily="18" charset="0"/>
+                      </a:endParaRPr>
+                    </a:p>
+                  </a:txBody>
+                  <a:tcPr marL="74864" marR="74864" marT="0" marB="0" anchor="ctr"/>
+                </a:tc>
+                <a:tc>
+                  <a:txBody>
+                    <a:bodyPr/>
+                    <a:lstStyle/>
+                    <a:p>
+                      <a:pPr algn="ctr">
+                        <a:lnSpc>
+                          <a:spcPct val="107000"/>
+                        </a:lnSpc>
+                        <a:spcAft>
+                          <a:spcPts val="0"/>
+                        </a:spcAft>
+                      </a:pPr>
+                      <a:r>
+                        <a:rPr lang="pl-PL" sz="1300">
+                          <a:effectLst/>
+                        </a:rPr>
+                        <a:t>100%</a:t>
+                      </a:r>
+                      <a:endParaRPr lang="pl-PL" sz="1300">
+                        <a:effectLst/>
+                        <a:latin typeface="Calibri" panose="020F0502020204030204" pitchFamily="34" charset="0"/>
+                        <a:ea typeface="Calibri" panose="020F0502020204030204" pitchFamily="34" charset="0"/>
+                        <a:cs typeface="Times New Roman" panose="02020603050405020304" pitchFamily="18" charset="0"/>
+                      </a:endParaRPr>
+                    </a:p>
+                  </a:txBody>
+                  <a:tcPr marL="74864" marR="74864" marT="0" marB="0" anchor="ctr"/>
+                </a:tc>
+                <a:extLst>
+                  <a:ext uri="{0D108BD9-81ED-4DB2-BD59-A6C34878D82A}">
+                    <a16:rowId xmlns:a16="http://schemas.microsoft.com/office/drawing/2014/main" val="2503762704"/>
+                  </a:ext>
+                </a:extLst>
+              </a:tr>
+              <a:tr h="199638">
+                <a:tc vMerge="1">
+                  <a:txBody>
+                    <a:bodyPr/>
+                    <a:lstStyle/>
+                    <a:p>
+                      <a:endParaRPr lang="pl-PL"/>
+                    </a:p>
+                  </a:txBody>
+                  <a:tcPr/>
+                </a:tc>
+                <a:tc vMerge="1">
+                  <a:txBody>
+                    <a:bodyPr/>
+                    <a:lstStyle/>
+                    <a:p>
+                      <a:endParaRPr lang="pl-PL"/>
+                    </a:p>
+                  </a:txBody>
+                  <a:tcPr/>
+                </a:tc>
+                <a:tc>
+                  <a:txBody>
+                    <a:bodyPr/>
+                    <a:lstStyle/>
+                    <a:p>
+                      <a:pPr algn="ctr">
+                        <a:lnSpc>
+                          <a:spcPct val="107000"/>
+                        </a:lnSpc>
+                        <a:spcAft>
+                          <a:spcPts val="0"/>
+                        </a:spcAft>
+                      </a:pPr>
+                      <a:r>
+                        <a:rPr lang="pl-PL" sz="1300">
+                          <a:effectLst/>
+                        </a:rPr>
+                        <a:t>2</a:t>
+                      </a:r>
+                      <a:endParaRPr lang="pl-PL" sz="1300">
+                        <a:effectLst/>
+                        <a:latin typeface="Calibri" panose="020F0502020204030204" pitchFamily="34" charset="0"/>
+                        <a:ea typeface="Calibri" panose="020F0502020204030204" pitchFamily="34" charset="0"/>
+                        <a:cs typeface="Times New Roman" panose="02020603050405020304" pitchFamily="18" charset="0"/>
+                      </a:endParaRPr>
+                    </a:p>
+                  </a:txBody>
+                  <a:tcPr marL="74864" marR="74864" marT="0" marB="0" anchor="ctr"/>
+                </a:tc>
+                <a:tc>
+                  <a:txBody>
+                    <a:bodyPr/>
+                    <a:lstStyle/>
+                    <a:p>
+                      <a:pPr algn="ctr">
+                        <a:lnSpc>
+                          <a:spcPct val="107000"/>
+                        </a:lnSpc>
+                        <a:spcAft>
+                          <a:spcPts val="0"/>
+                        </a:spcAft>
+                      </a:pPr>
+                      <a:r>
+                        <a:rPr lang="pl-PL" sz="1300">
+                          <a:effectLst/>
+                        </a:rPr>
+                        <a:t>0,050478</a:t>
+                      </a:r>
+                      <a:endParaRPr lang="pl-PL" sz="1300">
+                        <a:effectLst/>
+                        <a:latin typeface="Calibri" panose="020F0502020204030204" pitchFamily="34" charset="0"/>
+                        <a:ea typeface="Calibri" panose="020F0502020204030204" pitchFamily="34" charset="0"/>
+                        <a:cs typeface="Times New Roman" panose="02020603050405020304" pitchFamily="18" charset="0"/>
+                      </a:endParaRPr>
+                    </a:p>
+                  </a:txBody>
+                  <a:tcPr marL="74864" marR="74864" marT="0" marB="0" anchor="ctr"/>
+                </a:tc>
+                <a:tc>
+                  <a:txBody>
+                    <a:bodyPr/>
+                    <a:lstStyle/>
+                    <a:p>
+                      <a:pPr algn="ctr">
+                        <a:lnSpc>
+                          <a:spcPct val="107000"/>
+                        </a:lnSpc>
+                        <a:spcAft>
+                          <a:spcPts val="0"/>
+                        </a:spcAft>
+                      </a:pPr>
+                      <a:r>
+                        <a:rPr lang="pl-PL" sz="1300">
+                          <a:effectLst/>
+                        </a:rPr>
+                        <a:t>1,627</a:t>
+                      </a:r>
+                      <a:endParaRPr lang="pl-PL" sz="1300">
+                        <a:effectLst/>
+                        <a:latin typeface="Calibri" panose="020F0502020204030204" pitchFamily="34" charset="0"/>
+                        <a:ea typeface="Calibri" panose="020F0502020204030204" pitchFamily="34" charset="0"/>
+                        <a:cs typeface="Times New Roman" panose="02020603050405020304" pitchFamily="18" charset="0"/>
+                      </a:endParaRPr>
+                    </a:p>
+                  </a:txBody>
+                  <a:tcPr marL="74864" marR="74864" marT="0" marB="0" anchor="ctr"/>
+                </a:tc>
+                <a:tc>
+                  <a:txBody>
+                    <a:bodyPr/>
+                    <a:lstStyle/>
+                    <a:p>
+                      <a:pPr algn="ctr">
+                        <a:lnSpc>
+                          <a:spcPct val="107000"/>
+                        </a:lnSpc>
+                        <a:spcAft>
+                          <a:spcPts val="0"/>
+                        </a:spcAft>
+                      </a:pPr>
+                      <a:r>
+                        <a:rPr lang="pl-PL" sz="1300">
+                          <a:effectLst/>
+                        </a:rPr>
+                        <a:t>81%</a:t>
+                      </a:r>
+                      <a:endParaRPr lang="pl-PL" sz="1300">
+                        <a:effectLst/>
+                        <a:latin typeface="Calibri" panose="020F0502020204030204" pitchFamily="34" charset="0"/>
+                        <a:ea typeface="Calibri" panose="020F0502020204030204" pitchFamily="34" charset="0"/>
+                        <a:cs typeface="Times New Roman" panose="02020603050405020304" pitchFamily="18" charset="0"/>
+                      </a:endParaRPr>
+                    </a:p>
+                  </a:txBody>
+                  <a:tcPr marL="74864" marR="74864" marT="0" marB="0" anchor="ctr"/>
+                </a:tc>
+                <a:extLst>
+                  <a:ext uri="{0D108BD9-81ED-4DB2-BD59-A6C34878D82A}">
+                    <a16:rowId xmlns:a16="http://schemas.microsoft.com/office/drawing/2014/main" val="983178477"/>
+                  </a:ext>
+                </a:extLst>
+              </a:tr>
+              <a:tr h="199638">
+                <a:tc vMerge="1">
+                  <a:txBody>
+                    <a:bodyPr/>
+                    <a:lstStyle/>
+                    <a:p>
+                      <a:endParaRPr lang="pl-PL"/>
+                    </a:p>
+                  </a:txBody>
+                  <a:tcPr/>
+                </a:tc>
+                <a:tc vMerge="1">
+                  <a:txBody>
+                    <a:bodyPr/>
+                    <a:lstStyle/>
+                    <a:p>
+                      <a:endParaRPr lang="pl-PL"/>
+                    </a:p>
+                  </a:txBody>
+                  <a:tcPr/>
+                </a:tc>
+                <a:tc>
+                  <a:txBody>
+                    <a:bodyPr/>
+                    <a:lstStyle/>
+                    <a:p>
+                      <a:pPr algn="ctr">
+                        <a:lnSpc>
+                          <a:spcPct val="107000"/>
+                        </a:lnSpc>
+                        <a:spcAft>
+                          <a:spcPts val="0"/>
+                        </a:spcAft>
+                      </a:pPr>
+                      <a:r>
+                        <a:rPr lang="pl-PL" sz="1300">
+                          <a:effectLst/>
+                        </a:rPr>
+                        <a:t>4</a:t>
+                      </a:r>
+                      <a:endParaRPr lang="pl-PL" sz="1300">
+                        <a:effectLst/>
+                        <a:latin typeface="Calibri" panose="020F0502020204030204" pitchFamily="34" charset="0"/>
+                        <a:ea typeface="Calibri" panose="020F0502020204030204" pitchFamily="34" charset="0"/>
+                        <a:cs typeface="Times New Roman" panose="02020603050405020304" pitchFamily="18" charset="0"/>
+                      </a:endParaRPr>
+                    </a:p>
+                  </a:txBody>
+                  <a:tcPr marL="74864" marR="74864" marT="0" marB="0" anchor="ctr"/>
+                </a:tc>
+                <a:tc>
+                  <a:txBody>
+                    <a:bodyPr/>
+                    <a:lstStyle/>
+                    <a:p>
+                      <a:pPr algn="ctr">
+                        <a:lnSpc>
+                          <a:spcPct val="107000"/>
+                        </a:lnSpc>
+                        <a:spcAft>
+                          <a:spcPts val="0"/>
+                        </a:spcAft>
+                      </a:pPr>
+                      <a:r>
+                        <a:rPr lang="pl-PL" sz="1300" dirty="0">
+                          <a:effectLst/>
+                        </a:rPr>
+                        <a:t>0,037272</a:t>
+                      </a:r>
+                      <a:endParaRPr lang="pl-PL" sz="1300" dirty="0">
+                        <a:effectLst/>
+                        <a:latin typeface="Calibri" panose="020F0502020204030204" pitchFamily="34" charset="0"/>
+                        <a:ea typeface="Calibri" panose="020F0502020204030204" pitchFamily="34" charset="0"/>
+                        <a:cs typeface="Times New Roman" panose="02020603050405020304" pitchFamily="18" charset="0"/>
+                      </a:endParaRPr>
+                    </a:p>
+                  </a:txBody>
+                  <a:tcPr marL="74864" marR="74864" marT="0" marB="0" anchor="ctr"/>
+                </a:tc>
+                <a:tc>
+                  <a:txBody>
+                    <a:bodyPr/>
+                    <a:lstStyle/>
+                    <a:p>
+                      <a:pPr algn="ctr">
+                        <a:lnSpc>
+                          <a:spcPct val="107000"/>
+                        </a:lnSpc>
+                        <a:spcAft>
+                          <a:spcPts val="0"/>
+                        </a:spcAft>
+                      </a:pPr>
+                      <a:r>
+                        <a:rPr lang="pl-PL" sz="1300">
+                          <a:effectLst/>
+                        </a:rPr>
+                        <a:t>2,203</a:t>
+                      </a:r>
+                      <a:endParaRPr lang="pl-PL" sz="1300">
+                        <a:effectLst/>
+                        <a:latin typeface="Calibri" panose="020F0502020204030204" pitchFamily="34" charset="0"/>
+                        <a:ea typeface="Calibri" panose="020F0502020204030204" pitchFamily="34" charset="0"/>
+                        <a:cs typeface="Times New Roman" panose="02020603050405020304" pitchFamily="18" charset="0"/>
+                      </a:endParaRPr>
+                    </a:p>
+                  </a:txBody>
+                  <a:tcPr marL="74864" marR="74864" marT="0" marB="0" anchor="ctr"/>
+                </a:tc>
+                <a:tc>
+                  <a:txBody>
+                    <a:bodyPr/>
+                    <a:lstStyle/>
+                    <a:p>
+                      <a:pPr algn="ctr">
+                        <a:lnSpc>
+                          <a:spcPct val="107000"/>
+                        </a:lnSpc>
+                        <a:spcAft>
+                          <a:spcPts val="0"/>
+                        </a:spcAft>
+                      </a:pPr>
+                      <a:r>
+                        <a:rPr lang="pl-PL" sz="1300">
+                          <a:effectLst/>
+                        </a:rPr>
+                        <a:t>55%</a:t>
+                      </a:r>
+                      <a:endParaRPr lang="pl-PL" sz="1300">
+                        <a:effectLst/>
+                        <a:latin typeface="Calibri" panose="020F0502020204030204" pitchFamily="34" charset="0"/>
+                        <a:ea typeface="Calibri" panose="020F0502020204030204" pitchFamily="34" charset="0"/>
+                        <a:cs typeface="Times New Roman" panose="02020603050405020304" pitchFamily="18" charset="0"/>
+                      </a:endParaRPr>
+                    </a:p>
+                  </a:txBody>
+                  <a:tcPr marL="74864" marR="74864" marT="0" marB="0" anchor="ctr"/>
+                </a:tc>
+                <a:extLst>
+                  <a:ext uri="{0D108BD9-81ED-4DB2-BD59-A6C34878D82A}">
+                    <a16:rowId xmlns:a16="http://schemas.microsoft.com/office/drawing/2014/main" val="2561531068"/>
+                  </a:ext>
+                </a:extLst>
+              </a:tr>
+              <a:tr h="199638">
+                <a:tc vMerge="1">
+                  <a:txBody>
+                    <a:bodyPr/>
+                    <a:lstStyle/>
+                    <a:p>
+                      <a:endParaRPr lang="pl-PL"/>
+                    </a:p>
+                  </a:txBody>
+                  <a:tcPr/>
+                </a:tc>
+                <a:tc vMerge="1">
+                  <a:txBody>
+                    <a:bodyPr/>
+                    <a:lstStyle/>
+                    <a:p>
+                      <a:endParaRPr lang="pl-PL"/>
+                    </a:p>
+                  </a:txBody>
+                  <a:tcPr/>
+                </a:tc>
+                <a:tc>
+                  <a:txBody>
+                    <a:bodyPr/>
+                    <a:lstStyle/>
+                    <a:p>
+                      <a:pPr algn="ctr">
+                        <a:lnSpc>
+                          <a:spcPct val="107000"/>
+                        </a:lnSpc>
+                        <a:spcAft>
+                          <a:spcPts val="0"/>
+                        </a:spcAft>
+                      </a:pPr>
+                      <a:r>
+                        <a:rPr lang="pl-PL" sz="1300">
+                          <a:effectLst/>
+                        </a:rPr>
+                        <a:t>8</a:t>
+                      </a:r>
+                      <a:endParaRPr lang="pl-PL" sz="1300">
+                        <a:effectLst/>
+                        <a:latin typeface="Calibri" panose="020F0502020204030204" pitchFamily="34" charset="0"/>
+                        <a:ea typeface="Calibri" panose="020F0502020204030204" pitchFamily="34" charset="0"/>
+                        <a:cs typeface="Times New Roman" panose="02020603050405020304" pitchFamily="18" charset="0"/>
+                      </a:endParaRPr>
+                    </a:p>
+                  </a:txBody>
+                  <a:tcPr marL="74864" marR="74864" marT="0" marB="0" anchor="ctr"/>
+                </a:tc>
+                <a:tc>
+                  <a:txBody>
+                    <a:bodyPr/>
+                    <a:lstStyle/>
+                    <a:p>
+                      <a:pPr algn="ctr">
+                        <a:lnSpc>
+                          <a:spcPct val="107000"/>
+                        </a:lnSpc>
+                        <a:spcAft>
+                          <a:spcPts val="0"/>
+                        </a:spcAft>
+                      </a:pPr>
+                      <a:r>
+                        <a:rPr lang="pl-PL" sz="1300">
+                          <a:effectLst/>
+                        </a:rPr>
+                        <a:t>0,034475</a:t>
+                      </a:r>
+                      <a:endParaRPr lang="pl-PL" sz="1300">
+                        <a:effectLst/>
+                        <a:latin typeface="Calibri" panose="020F0502020204030204" pitchFamily="34" charset="0"/>
+                        <a:ea typeface="Calibri" panose="020F0502020204030204" pitchFamily="34" charset="0"/>
+                        <a:cs typeface="Times New Roman" panose="02020603050405020304" pitchFamily="18" charset="0"/>
+                      </a:endParaRPr>
+                    </a:p>
+                  </a:txBody>
+                  <a:tcPr marL="74864" marR="74864" marT="0" marB="0" anchor="ctr"/>
+                </a:tc>
+                <a:tc>
+                  <a:txBody>
+                    <a:bodyPr/>
+                    <a:lstStyle/>
+                    <a:p>
+                      <a:pPr algn="ctr">
+                        <a:lnSpc>
+                          <a:spcPct val="107000"/>
+                        </a:lnSpc>
+                        <a:spcAft>
+                          <a:spcPts val="0"/>
+                        </a:spcAft>
+                      </a:pPr>
+                      <a:r>
+                        <a:rPr lang="pl-PL" sz="1300">
+                          <a:effectLst/>
+                        </a:rPr>
+                        <a:t>2,382</a:t>
+                      </a:r>
+                      <a:endParaRPr lang="pl-PL" sz="1300">
+                        <a:effectLst/>
+                        <a:latin typeface="Calibri" panose="020F0502020204030204" pitchFamily="34" charset="0"/>
+                        <a:ea typeface="Calibri" panose="020F0502020204030204" pitchFamily="34" charset="0"/>
+                        <a:cs typeface="Times New Roman" panose="02020603050405020304" pitchFamily="18" charset="0"/>
+                      </a:endParaRPr>
+                    </a:p>
+                  </a:txBody>
+                  <a:tcPr marL="74864" marR="74864" marT="0" marB="0" anchor="ctr"/>
+                </a:tc>
+                <a:tc>
+                  <a:txBody>
+                    <a:bodyPr/>
+                    <a:lstStyle/>
+                    <a:p>
+                      <a:pPr algn="ctr">
+                        <a:lnSpc>
+                          <a:spcPct val="107000"/>
+                        </a:lnSpc>
+                        <a:spcAft>
+                          <a:spcPts val="0"/>
+                        </a:spcAft>
+                      </a:pPr>
+                      <a:r>
+                        <a:rPr lang="pl-PL" sz="1300">
+                          <a:effectLst/>
+                        </a:rPr>
+                        <a:t>30%</a:t>
+                      </a:r>
+                      <a:endParaRPr lang="pl-PL" sz="1300">
+                        <a:effectLst/>
+                        <a:latin typeface="Calibri" panose="020F0502020204030204" pitchFamily="34" charset="0"/>
+                        <a:ea typeface="Calibri" panose="020F0502020204030204" pitchFamily="34" charset="0"/>
+                        <a:cs typeface="Times New Roman" panose="02020603050405020304" pitchFamily="18" charset="0"/>
+                      </a:endParaRPr>
+                    </a:p>
+                  </a:txBody>
+                  <a:tcPr marL="74864" marR="74864" marT="0" marB="0" anchor="ctr"/>
+                </a:tc>
+                <a:extLst>
+                  <a:ext uri="{0D108BD9-81ED-4DB2-BD59-A6C34878D82A}">
+                    <a16:rowId xmlns:a16="http://schemas.microsoft.com/office/drawing/2014/main" val="1897358896"/>
+                  </a:ext>
+                </a:extLst>
+              </a:tr>
+              <a:tr h="199638">
+                <a:tc vMerge="1">
+                  <a:txBody>
+                    <a:bodyPr/>
+                    <a:lstStyle/>
+                    <a:p>
+                      <a:endParaRPr lang="pl-PL"/>
+                    </a:p>
+                  </a:txBody>
+                  <a:tcPr/>
+                </a:tc>
+                <a:tc vMerge="1">
+                  <a:txBody>
+                    <a:bodyPr/>
+                    <a:lstStyle/>
+                    <a:p>
+                      <a:endParaRPr lang="pl-PL"/>
+                    </a:p>
+                  </a:txBody>
+                  <a:tcPr/>
+                </a:tc>
+                <a:tc>
+                  <a:txBody>
+                    <a:bodyPr/>
+                    <a:lstStyle/>
+                    <a:p>
+                      <a:pPr algn="ctr">
+                        <a:lnSpc>
+                          <a:spcPct val="107000"/>
+                        </a:lnSpc>
+                        <a:spcAft>
+                          <a:spcPts val="0"/>
+                        </a:spcAft>
+                      </a:pPr>
+                      <a:r>
+                        <a:rPr lang="pl-PL" sz="1300">
+                          <a:effectLst/>
+                        </a:rPr>
+                        <a:t>16</a:t>
+                      </a:r>
+                      <a:endParaRPr lang="pl-PL" sz="1300">
+                        <a:effectLst/>
+                        <a:latin typeface="Calibri" panose="020F0502020204030204" pitchFamily="34" charset="0"/>
+                        <a:ea typeface="Calibri" panose="020F0502020204030204" pitchFamily="34" charset="0"/>
+                        <a:cs typeface="Times New Roman" panose="02020603050405020304" pitchFamily="18" charset="0"/>
+                      </a:endParaRPr>
+                    </a:p>
+                  </a:txBody>
+                  <a:tcPr marL="74864" marR="74864" marT="0" marB="0" anchor="ctr"/>
+                </a:tc>
+                <a:tc>
+                  <a:txBody>
+                    <a:bodyPr/>
+                    <a:lstStyle/>
+                    <a:p>
+                      <a:pPr algn="ctr">
+                        <a:lnSpc>
+                          <a:spcPct val="107000"/>
+                        </a:lnSpc>
+                        <a:spcAft>
+                          <a:spcPts val="0"/>
+                        </a:spcAft>
+                      </a:pPr>
+                      <a:r>
+                        <a:rPr lang="pl-PL" sz="1300">
+                          <a:effectLst/>
+                        </a:rPr>
+                        <a:t>0,031269</a:t>
+                      </a:r>
+                      <a:endParaRPr lang="pl-PL" sz="1300">
+                        <a:effectLst/>
+                        <a:latin typeface="Calibri" panose="020F0502020204030204" pitchFamily="34" charset="0"/>
+                        <a:ea typeface="Calibri" panose="020F0502020204030204" pitchFamily="34" charset="0"/>
+                        <a:cs typeface="Times New Roman" panose="02020603050405020304" pitchFamily="18" charset="0"/>
+                      </a:endParaRPr>
+                    </a:p>
+                  </a:txBody>
+                  <a:tcPr marL="74864" marR="74864" marT="0" marB="0" anchor="ctr"/>
+                </a:tc>
+                <a:tc>
+                  <a:txBody>
+                    <a:bodyPr/>
+                    <a:lstStyle/>
+                    <a:p>
+                      <a:pPr algn="ctr">
+                        <a:lnSpc>
+                          <a:spcPct val="107000"/>
+                        </a:lnSpc>
+                        <a:spcAft>
+                          <a:spcPts val="0"/>
+                        </a:spcAft>
+                      </a:pPr>
+                      <a:r>
+                        <a:rPr lang="pl-PL" sz="1300">
+                          <a:effectLst/>
+                        </a:rPr>
+                        <a:t>2,626</a:t>
+                      </a:r>
+                      <a:endParaRPr lang="pl-PL" sz="1300">
+                        <a:effectLst/>
+                        <a:latin typeface="Calibri" panose="020F0502020204030204" pitchFamily="34" charset="0"/>
+                        <a:ea typeface="Calibri" panose="020F0502020204030204" pitchFamily="34" charset="0"/>
+                        <a:cs typeface="Times New Roman" panose="02020603050405020304" pitchFamily="18" charset="0"/>
+                      </a:endParaRPr>
+                    </a:p>
+                  </a:txBody>
+                  <a:tcPr marL="74864" marR="74864" marT="0" marB="0" anchor="ctr"/>
+                </a:tc>
+                <a:tc>
+                  <a:txBody>
+                    <a:bodyPr/>
+                    <a:lstStyle/>
+                    <a:p>
+                      <a:pPr algn="ctr">
+                        <a:lnSpc>
+                          <a:spcPct val="107000"/>
+                        </a:lnSpc>
+                        <a:spcAft>
+                          <a:spcPts val="0"/>
+                        </a:spcAft>
+                      </a:pPr>
+                      <a:r>
+                        <a:rPr lang="pl-PL" sz="1300">
+                          <a:effectLst/>
+                        </a:rPr>
+                        <a:t>16%</a:t>
+                      </a:r>
+                      <a:endParaRPr lang="pl-PL" sz="1300">
+                        <a:effectLst/>
+                        <a:latin typeface="Calibri" panose="020F0502020204030204" pitchFamily="34" charset="0"/>
+                        <a:ea typeface="Calibri" panose="020F0502020204030204" pitchFamily="34" charset="0"/>
+                        <a:cs typeface="Times New Roman" panose="02020603050405020304" pitchFamily="18" charset="0"/>
+                      </a:endParaRPr>
+                    </a:p>
+                  </a:txBody>
+                  <a:tcPr marL="74864" marR="74864" marT="0" marB="0" anchor="ctr"/>
+                </a:tc>
+                <a:extLst>
+                  <a:ext uri="{0D108BD9-81ED-4DB2-BD59-A6C34878D82A}">
+                    <a16:rowId xmlns:a16="http://schemas.microsoft.com/office/drawing/2014/main" val="2147459088"/>
+                  </a:ext>
+                </a:extLst>
+              </a:tr>
+              <a:tr h="199638">
+                <a:tc vMerge="1">
+                  <a:txBody>
+                    <a:bodyPr/>
+                    <a:lstStyle/>
+                    <a:p>
+                      <a:endParaRPr lang="pl-PL"/>
+                    </a:p>
+                  </a:txBody>
+                  <a:tcPr/>
+                </a:tc>
+                <a:tc vMerge="1">
+                  <a:txBody>
+                    <a:bodyPr/>
+                    <a:lstStyle/>
+                    <a:p>
+                      <a:endParaRPr lang="pl-PL"/>
+                    </a:p>
+                  </a:txBody>
+                  <a:tcPr/>
+                </a:tc>
+                <a:tc>
+                  <a:txBody>
+                    <a:bodyPr/>
+                    <a:lstStyle/>
+                    <a:p>
+                      <a:pPr algn="ctr">
+                        <a:lnSpc>
+                          <a:spcPct val="107000"/>
+                        </a:lnSpc>
+                        <a:spcAft>
+                          <a:spcPts val="0"/>
+                        </a:spcAft>
+                      </a:pPr>
+                      <a:r>
+                        <a:rPr lang="pl-PL" sz="1300">
+                          <a:effectLst/>
+                        </a:rPr>
+                        <a:t>32</a:t>
+                      </a:r>
+                      <a:endParaRPr lang="pl-PL" sz="1300">
+                        <a:effectLst/>
+                        <a:latin typeface="Calibri" panose="020F0502020204030204" pitchFamily="34" charset="0"/>
+                        <a:ea typeface="Calibri" panose="020F0502020204030204" pitchFamily="34" charset="0"/>
+                        <a:cs typeface="Times New Roman" panose="02020603050405020304" pitchFamily="18" charset="0"/>
+                      </a:endParaRPr>
+                    </a:p>
+                  </a:txBody>
+                  <a:tcPr marL="74864" marR="74864" marT="0" marB="0" anchor="ctr"/>
+                </a:tc>
+                <a:tc>
+                  <a:txBody>
+                    <a:bodyPr/>
+                    <a:lstStyle/>
+                    <a:p>
+                      <a:pPr algn="ctr">
+                        <a:lnSpc>
+                          <a:spcPct val="107000"/>
+                        </a:lnSpc>
+                        <a:spcAft>
+                          <a:spcPts val="0"/>
+                        </a:spcAft>
+                      </a:pPr>
+                      <a:r>
+                        <a:rPr lang="pl-PL" sz="1300">
+                          <a:effectLst/>
+                        </a:rPr>
+                        <a:t>0,029964</a:t>
+                      </a:r>
+                      <a:endParaRPr lang="pl-PL" sz="1300">
+                        <a:effectLst/>
+                        <a:latin typeface="Calibri" panose="020F0502020204030204" pitchFamily="34" charset="0"/>
+                        <a:ea typeface="Calibri" panose="020F0502020204030204" pitchFamily="34" charset="0"/>
+                        <a:cs typeface="Times New Roman" panose="02020603050405020304" pitchFamily="18" charset="0"/>
+                      </a:endParaRPr>
+                    </a:p>
+                  </a:txBody>
+                  <a:tcPr marL="74864" marR="74864" marT="0" marB="0" anchor="ctr"/>
+                </a:tc>
+                <a:tc>
+                  <a:txBody>
+                    <a:bodyPr/>
+                    <a:lstStyle/>
+                    <a:p>
+                      <a:pPr algn="ctr">
+                        <a:lnSpc>
+                          <a:spcPct val="107000"/>
+                        </a:lnSpc>
+                        <a:spcAft>
+                          <a:spcPts val="0"/>
+                        </a:spcAft>
+                      </a:pPr>
+                      <a:r>
+                        <a:rPr lang="pl-PL" sz="1300">
+                          <a:effectLst/>
+                        </a:rPr>
+                        <a:t>2,741</a:t>
+                      </a:r>
+                      <a:endParaRPr lang="pl-PL" sz="1300">
+                        <a:effectLst/>
+                        <a:latin typeface="Calibri" panose="020F0502020204030204" pitchFamily="34" charset="0"/>
+                        <a:ea typeface="Calibri" panose="020F0502020204030204" pitchFamily="34" charset="0"/>
+                        <a:cs typeface="Times New Roman" panose="02020603050405020304" pitchFamily="18" charset="0"/>
+                      </a:endParaRPr>
+                    </a:p>
+                  </a:txBody>
+                  <a:tcPr marL="74864" marR="74864" marT="0" marB="0" anchor="ctr"/>
+                </a:tc>
+                <a:tc>
+                  <a:txBody>
+                    <a:bodyPr/>
+                    <a:lstStyle/>
+                    <a:p>
+                      <a:pPr algn="ctr">
+                        <a:lnSpc>
+                          <a:spcPct val="107000"/>
+                        </a:lnSpc>
+                        <a:spcAft>
+                          <a:spcPts val="0"/>
+                        </a:spcAft>
+                      </a:pPr>
+                      <a:r>
+                        <a:rPr lang="pl-PL" sz="1300">
+                          <a:effectLst/>
+                        </a:rPr>
+                        <a:t>9%</a:t>
+                      </a:r>
+                      <a:endParaRPr lang="pl-PL" sz="1300">
+                        <a:effectLst/>
+                        <a:latin typeface="Calibri" panose="020F0502020204030204" pitchFamily="34" charset="0"/>
+                        <a:ea typeface="Calibri" panose="020F0502020204030204" pitchFamily="34" charset="0"/>
+                        <a:cs typeface="Times New Roman" panose="02020603050405020304" pitchFamily="18" charset="0"/>
+                      </a:endParaRPr>
+                    </a:p>
+                  </a:txBody>
+                  <a:tcPr marL="74864" marR="74864" marT="0" marB="0" anchor="ctr"/>
+                </a:tc>
+                <a:extLst>
+                  <a:ext uri="{0D108BD9-81ED-4DB2-BD59-A6C34878D82A}">
+                    <a16:rowId xmlns:a16="http://schemas.microsoft.com/office/drawing/2014/main" val="1823000533"/>
+                  </a:ext>
+                </a:extLst>
+              </a:tr>
+              <a:tr h="199638">
+                <a:tc vMerge="1">
+                  <a:txBody>
+                    <a:bodyPr/>
+                    <a:lstStyle/>
+                    <a:p>
+                      <a:endParaRPr lang="pl-PL"/>
+                    </a:p>
+                  </a:txBody>
+                  <a:tcPr/>
+                </a:tc>
+                <a:tc rowSpan="6">
+                  <a:txBody>
+                    <a:bodyPr/>
+                    <a:lstStyle/>
+                    <a:p>
+                      <a:pPr algn="ctr">
+                        <a:lnSpc>
+                          <a:spcPct val="107000"/>
+                        </a:lnSpc>
+                        <a:spcAft>
+                          <a:spcPts val="0"/>
+                        </a:spcAft>
+                      </a:pPr>
+                      <a:r>
+                        <a:rPr lang="pl-PL" sz="1300" b="1" dirty="0">
+                          <a:effectLst/>
+                        </a:rPr>
+                        <a:t>8192</a:t>
+                      </a:r>
+                      <a:endParaRPr lang="pl-PL" sz="1300" b="1" dirty="0">
+                        <a:effectLst/>
+                        <a:latin typeface="Calibri" panose="020F0502020204030204" pitchFamily="34" charset="0"/>
+                        <a:ea typeface="Calibri" panose="020F0502020204030204" pitchFamily="34" charset="0"/>
+                        <a:cs typeface="Times New Roman" panose="02020603050405020304" pitchFamily="18" charset="0"/>
+                      </a:endParaRPr>
+                    </a:p>
+                  </a:txBody>
+                  <a:tcPr marL="96404" marR="96404" marT="48202" marB="48202" anchor="ctr"/>
+                </a:tc>
+                <a:tc>
+                  <a:txBody>
+                    <a:bodyPr/>
+                    <a:lstStyle/>
+                    <a:p>
+                      <a:pPr algn="ctr">
+                        <a:lnSpc>
+                          <a:spcPct val="107000"/>
+                        </a:lnSpc>
+                        <a:spcAft>
+                          <a:spcPts val="0"/>
+                        </a:spcAft>
+                      </a:pPr>
+                      <a:r>
+                        <a:rPr lang="pl-PL" sz="1300">
+                          <a:effectLst/>
+                        </a:rPr>
+                        <a:t>1</a:t>
+                      </a:r>
+                      <a:endParaRPr lang="pl-PL" sz="1300">
+                        <a:effectLst/>
+                        <a:latin typeface="Calibri" panose="020F0502020204030204" pitchFamily="34" charset="0"/>
+                        <a:ea typeface="Calibri" panose="020F0502020204030204" pitchFamily="34" charset="0"/>
+                        <a:cs typeface="Times New Roman" panose="02020603050405020304" pitchFamily="18" charset="0"/>
+                      </a:endParaRPr>
+                    </a:p>
+                  </a:txBody>
+                  <a:tcPr marL="74864" marR="74864" marT="0" marB="0" anchor="ctr"/>
+                </a:tc>
+                <a:tc>
+                  <a:txBody>
+                    <a:bodyPr/>
+                    <a:lstStyle/>
+                    <a:p>
+                      <a:pPr algn="ctr">
+                        <a:lnSpc>
+                          <a:spcPct val="107000"/>
+                        </a:lnSpc>
+                        <a:spcAft>
+                          <a:spcPts val="0"/>
+                        </a:spcAft>
+                      </a:pPr>
+                      <a:r>
+                        <a:rPr lang="pl-PL" sz="1300">
+                          <a:effectLst/>
+                        </a:rPr>
+                        <a:t>0,845486</a:t>
+                      </a:r>
+                      <a:endParaRPr lang="pl-PL" sz="1300">
+                        <a:effectLst/>
+                        <a:latin typeface="Calibri" panose="020F0502020204030204" pitchFamily="34" charset="0"/>
+                        <a:ea typeface="Calibri" panose="020F0502020204030204" pitchFamily="34" charset="0"/>
+                        <a:cs typeface="Times New Roman" panose="02020603050405020304" pitchFamily="18" charset="0"/>
+                      </a:endParaRPr>
+                    </a:p>
+                  </a:txBody>
+                  <a:tcPr marL="74864" marR="74864" marT="0" marB="0" anchor="ctr"/>
+                </a:tc>
+                <a:tc>
+                  <a:txBody>
+                    <a:bodyPr/>
+                    <a:lstStyle/>
+                    <a:p>
+                      <a:pPr algn="ctr">
+                        <a:lnSpc>
+                          <a:spcPct val="107000"/>
+                        </a:lnSpc>
+                        <a:spcAft>
+                          <a:spcPts val="0"/>
+                        </a:spcAft>
+                      </a:pPr>
+                      <a:r>
+                        <a:rPr lang="pl-PL" sz="1300">
+                          <a:effectLst/>
+                        </a:rPr>
+                        <a:t>1,000</a:t>
+                      </a:r>
+                      <a:endParaRPr lang="pl-PL" sz="1300">
+                        <a:effectLst/>
+                        <a:latin typeface="Calibri" panose="020F0502020204030204" pitchFamily="34" charset="0"/>
+                        <a:ea typeface="Calibri" panose="020F0502020204030204" pitchFamily="34" charset="0"/>
+                        <a:cs typeface="Times New Roman" panose="02020603050405020304" pitchFamily="18" charset="0"/>
+                      </a:endParaRPr>
+                    </a:p>
+                  </a:txBody>
+                  <a:tcPr marL="74864" marR="74864" marT="0" marB="0" anchor="ctr"/>
+                </a:tc>
+                <a:tc>
+                  <a:txBody>
+                    <a:bodyPr/>
+                    <a:lstStyle/>
+                    <a:p>
+                      <a:pPr algn="ctr">
+                        <a:lnSpc>
+                          <a:spcPct val="107000"/>
+                        </a:lnSpc>
+                        <a:spcAft>
+                          <a:spcPts val="0"/>
+                        </a:spcAft>
+                      </a:pPr>
+                      <a:r>
+                        <a:rPr lang="pl-PL" sz="1300">
+                          <a:effectLst/>
+                        </a:rPr>
+                        <a:t>100%</a:t>
+                      </a:r>
+                      <a:endParaRPr lang="pl-PL" sz="1300">
+                        <a:effectLst/>
+                        <a:latin typeface="Calibri" panose="020F0502020204030204" pitchFamily="34" charset="0"/>
+                        <a:ea typeface="Calibri" panose="020F0502020204030204" pitchFamily="34" charset="0"/>
+                        <a:cs typeface="Times New Roman" panose="02020603050405020304" pitchFamily="18" charset="0"/>
+                      </a:endParaRPr>
+                    </a:p>
+                  </a:txBody>
+                  <a:tcPr marL="74864" marR="74864" marT="0" marB="0" anchor="ctr"/>
+                </a:tc>
+                <a:extLst>
+                  <a:ext uri="{0D108BD9-81ED-4DB2-BD59-A6C34878D82A}">
+                    <a16:rowId xmlns:a16="http://schemas.microsoft.com/office/drawing/2014/main" val="1272006699"/>
+                  </a:ext>
+                </a:extLst>
+              </a:tr>
+              <a:tr h="199638">
+                <a:tc vMerge="1">
+                  <a:txBody>
+                    <a:bodyPr/>
+                    <a:lstStyle/>
+                    <a:p>
+                      <a:endParaRPr lang="pl-PL"/>
+                    </a:p>
+                  </a:txBody>
+                  <a:tcPr/>
+                </a:tc>
+                <a:tc vMerge="1">
+                  <a:txBody>
+                    <a:bodyPr/>
+                    <a:lstStyle/>
+                    <a:p>
+                      <a:endParaRPr lang="pl-PL"/>
+                    </a:p>
+                  </a:txBody>
+                  <a:tcPr/>
+                </a:tc>
+                <a:tc>
+                  <a:txBody>
+                    <a:bodyPr/>
+                    <a:lstStyle/>
+                    <a:p>
+                      <a:pPr algn="ctr">
+                        <a:lnSpc>
+                          <a:spcPct val="107000"/>
+                        </a:lnSpc>
+                        <a:spcAft>
+                          <a:spcPts val="0"/>
+                        </a:spcAft>
+                      </a:pPr>
+                      <a:r>
+                        <a:rPr lang="pl-PL" sz="1300">
+                          <a:effectLst/>
+                        </a:rPr>
+                        <a:t>2</a:t>
+                      </a:r>
+                      <a:endParaRPr lang="pl-PL" sz="1300">
+                        <a:effectLst/>
+                        <a:latin typeface="Calibri" panose="020F0502020204030204" pitchFamily="34" charset="0"/>
+                        <a:ea typeface="Calibri" panose="020F0502020204030204" pitchFamily="34" charset="0"/>
+                        <a:cs typeface="Times New Roman" panose="02020603050405020304" pitchFamily="18" charset="0"/>
+                      </a:endParaRPr>
+                    </a:p>
+                  </a:txBody>
+                  <a:tcPr marL="74864" marR="74864" marT="0" marB="0" anchor="ctr"/>
+                </a:tc>
+                <a:tc>
+                  <a:txBody>
+                    <a:bodyPr/>
+                    <a:lstStyle/>
+                    <a:p>
+                      <a:pPr algn="ctr">
+                        <a:lnSpc>
+                          <a:spcPct val="107000"/>
+                        </a:lnSpc>
+                        <a:spcAft>
+                          <a:spcPts val="0"/>
+                        </a:spcAft>
+                      </a:pPr>
+                      <a:r>
+                        <a:rPr lang="pl-PL" sz="1300">
+                          <a:effectLst/>
+                        </a:rPr>
+                        <a:t>0,518014</a:t>
+                      </a:r>
+                      <a:endParaRPr lang="pl-PL" sz="1300">
+                        <a:effectLst/>
+                        <a:latin typeface="Calibri" panose="020F0502020204030204" pitchFamily="34" charset="0"/>
+                        <a:ea typeface="Calibri" panose="020F0502020204030204" pitchFamily="34" charset="0"/>
+                        <a:cs typeface="Times New Roman" panose="02020603050405020304" pitchFamily="18" charset="0"/>
+                      </a:endParaRPr>
+                    </a:p>
+                  </a:txBody>
+                  <a:tcPr marL="74864" marR="74864" marT="0" marB="0" anchor="ctr"/>
+                </a:tc>
+                <a:tc>
+                  <a:txBody>
+                    <a:bodyPr/>
+                    <a:lstStyle/>
+                    <a:p>
+                      <a:pPr algn="ctr">
+                        <a:lnSpc>
+                          <a:spcPct val="107000"/>
+                        </a:lnSpc>
+                        <a:spcAft>
+                          <a:spcPts val="0"/>
+                        </a:spcAft>
+                      </a:pPr>
+                      <a:r>
+                        <a:rPr lang="pl-PL" sz="1300">
+                          <a:effectLst/>
+                        </a:rPr>
+                        <a:t>1,632</a:t>
+                      </a:r>
+                      <a:endParaRPr lang="pl-PL" sz="1300">
+                        <a:effectLst/>
+                        <a:latin typeface="Calibri" panose="020F0502020204030204" pitchFamily="34" charset="0"/>
+                        <a:ea typeface="Calibri" panose="020F0502020204030204" pitchFamily="34" charset="0"/>
+                        <a:cs typeface="Times New Roman" panose="02020603050405020304" pitchFamily="18" charset="0"/>
+                      </a:endParaRPr>
+                    </a:p>
+                  </a:txBody>
+                  <a:tcPr marL="74864" marR="74864" marT="0" marB="0" anchor="ctr"/>
+                </a:tc>
+                <a:tc>
+                  <a:txBody>
+                    <a:bodyPr/>
+                    <a:lstStyle/>
+                    <a:p>
+                      <a:pPr algn="ctr">
+                        <a:lnSpc>
+                          <a:spcPct val="107000"/>
+                        </a:lnSpc>
+                        <a:spcAft>
+                          <a:spcPts val="0"/>
+                        </a:spcAft>
+                      </a:pPr>
+                      <a:r>
+                        <a:rPr lang="pl-PL" sz="1300">
+                          <a:effectLst/>
+                        </a:rPr>
+                        <a:t>82%</a:t>
+                      </a:r>
+                      <a:endParaRPr lang="pl-PL" sz="1300">
+                        <a:effectLst/>
+                        <a:latin typeface="Calibri" panose="020F0502020204030204" pitchFamily="34" charset="0"/>
+                        <a:ea typeface="Calibri" panose="020F0502020204030204" pitchFamily="34" charset="0"/>
+                        <a:cs typeface="Times New Roman" panose="02020603050405020304" pitchFamily="18" charset="0"/>
+                      </a:endParaRPr>
+                    </a:p>
+                  </a:txBody>
+                  <a:tcPr marL="74864" marR="74864" marT="0" marB="0" anchor="ctr"/>
+                </a:tc>
+                <a:extLst>
+                  <a:ext uri="{0D108BD9-81ED-4DB2-BD59-A6C34878D82A}">
+                    <a16:rowId xmlns:a16="http://schemas.microsoft.com/office/drawing/2014/main" val="802781402"/>
+                  </a:ext>
+                </a:extLst>
+              </a:tr>
+              <a:tr h="199638">
+                <a:tc vMerge="1">
+                  <a:txBody>
+                    <a:bodyPr/>
+                    <a:lstStyle/>
+                    <a:p>
+                      <a:endParaRPr lang="pl-PL"/>
+                    </a:p>
+                  </a:txBody>
+                  <a:tcPr/>
+                </a:tc>
+                <a:tc vMerge="1">
+                  <a:txBody>
+                    <a:bodyPr/>
+                    <a:lstStyle/>
+                    <a:p>
+                      <a:endParaRPr lang="pl-PL"/>
+                    </a:p>
+                  </a:txBody>
+                  <a:tcPr/>
+                </a:tc>
+                <a:tc>
+                  <a:txBody>
+                    <a:bodyPr/>
+                    <a:lstStyle/>
+                    <a:p>
+                      <a:pPr algn="ctr">
+                        <a:lnSpc>
+                          <a:spcPct val="107000"/>
+                        </a:lnSpc>
+                        <a:spcAft>
+                          <a:spcPts val="0"/>
+                        </a:spcAft>
+                      </a:pPr>
+                      <a:r>
+                        <a:rPr lang="pl-PL" sz="1300">
+                          <a:effectLst/>
+                        </a:rPr>
+                        <a:t>4</a:t>
+                      </a:r>
+                      <a:endParaRPr lang="pl-PL" sz="1300">
+                        <a:effectLst/>
+                        <a:latin typeface="Calibri" panose="020F0502020204030204" pitchFamily="34" charset="0"/>
+                        <a:ea typeface="Calibri" panose="020F0502020204030204" pitchFamily="34" charset="0"/>
+                        <a:cs typeface="Times New Roman" panose="02020603050405020304" pitchFamily="18" charset="0"/>
+                      </a:endParaRPr>
+                    </a:p>
+                  </a:txBody>
+                  <a:tcPr marL="74864" marR="74864" marT="0" marB="0" anchor="ctr"/>
+                </a:tc>
+                <a:tc>
+                  <a:txBody>
+                    <a:bodyPr/>
+                    <a:lstStyle/>
+                    <a:p>
+                      <a:pPr algn="ctr">
+                        <a:lnSpc>
+                          <a:spcPct val="107000"/>
+                        </a:lnSpc>
+                        <a:spcAft>
+                          <a:spcPts val="0"/>
+                        </a:spcAft>
+                      </a:pPr>
+                      <a:r>
+                        <a:rPr lang="pl-PL" sz="1300">
+                          <a:effectLst/>
+                        </a:rPr>
+                        <a:t>0,432885</a:t>
+                      </a:r>
+                      <a:endParaRPr lang="pl-PL" sz="1300">
+                        <a:effectLst/>
+                        <a:latin typeface="Calibri" panose="020F0502020204030204" pitchFamily="34" charset="0"/>
+                        <a:ea typeface="Calibri" panose="020F0502020204030204" pitchFamily="34" charset="0"/>
+                        <a:cs typeface="Times New Roman" panose="02020603050405020304" pitchFamily="18" charset="0"/>
+                      </a:endParaRPr>
+                    </a:p>
+                  </a:txBody>
+                  <a:tcPr marL="74864" marR="74864" marT="0" marB="0" anchor="ctr"/>
+                </a:tc>
+                <a:tc>
+                  <a:txBody>
+                    <a:bodyPr/>
+                    <a:lstStyle/>
+                    <a:p>
+                      <a:pPr algn="ctr">
+                        <a:lnSpc>
+                          <a:spcPct val="107000"/>
+                        </a:lnSpc>
+                        <a:spcAft>
+                          <a:spcPts val="0"/>
+                        </a:spcAft>
+                      </a:pPr>
+                      <a:r>
+                        <a:rPr lang="pl-PL" sz="1300">
+                          <a:effectLst/>
+                        </a:rPr>
+                        <a:t>1,953</a:t>
+                      </a:r>
+                      <a:endParaRPr lang="pl-PL" sz="1300">
+                        <a:effectLst/>
+                        <a:latin typeface="Calibri" panose="020F0502020204030204" pitchFamily="34" charset="0"/>
+                        <a:ea typeface="Calibri" panose="020F0502020204030204" pitchFamily="34" charset="0"/>
+                        <a:cs typeface="Times New Roman" panose="02020603050405020304" pitchFamily="18" charset="0"/>
+                      </a:endParaRPr>
+                    </a:p>
+                  </a:txBody>
+                  <a:tcPr marL="74864" marR="74864" marT="0" marB="0" anchor="ctr"/>
+                </a:tc>
+                <a:tc>
+                  <a:txBody>
+                    <a:bodyPr/>
+                    <a:lstStyle/>
+                    <a:p>
+                      <a:pPr algn="ctr">
+                        <a:lnSpc>
+                          <a:spcPct val="107000"/>
+                        </a:lnSpc>
+                        <a:spcAft>
+                          <a:spcPts val="0"/>
+                        </a:spcAft>
+                      </a:pPr>
+                      <a:r>
+                        <a:rPr lang="pl-PL" sz="1300">
+                          <a:effectLst/>
+                        </a:rPr>
+                        <a:t>49%</a:t>
+                      </a:r>
+                      <a:endParaRPr lang="pl-PL" sz="1300">
+                        <a:effectLst/>
+                        <a:latin typeface="Calibri" panose="020F0502020204030204" pitchFamily="34" charset="0"/>
+                        <a:ea typeface="Calibri" panose="020F0502020204030204" pitchFamily="34" charset="0"/>
+                        <a:cs typeface="Times New Roman" panose="02020603050405020304" pitchFamily="18" charset="0"/>
+                      </a:endParaRPr>
+                    </a:p>
+                  </a:txBody>
+                  <a:tcPr marL="74864" marR="74864" marT="0" marB="0" anchor="ctr"/>
+                </a:tc>
+                <a:extLst>
+                  <a:ext uri="{0D108BD9-81ED-4DB2-BD59-A6C34878D82A}">
+                    <a16:rowId xmlns:a16="http://schemas.microsoft.com/office/drawing/2014/main" val="536624392"/>
+                  </a:ext>
+                </a:extLst>
+              </a:tr>
+              <a:tr h="199638">
+                <a:tc vMerge="1">
+                  <a:txBody>
+                    <a:bodyPr/>
+                    <a:lstStyle/>
+                    <a:p>
+                      <a:endParaRPr lang="pl-PL"/>
+                    </a:p>
+                  </a:txBody>
+                  <a:tcPr/>
+                </a:tc>
+                <a:tc vMerge="1">
+                  <a:txBody>
+                    <a:bodyPr/>
+                    <a:lstStyle/>
+                    <a:p>
+                      <a:endParaRPr lang="pl-PL"/>
+                    </a:p>
+                  </a:txBody>
+                  <a:tcPr/>
+                </a:tc>
+                <a:tc>
+                  <a:txBody>
+                    <a:bodyPr/>
+                    <a:lstStyle/>
+                    <a:p>
+                      <a:pPr algn="ctr">
+                        <a:lnSpc>
+                          <a:spcPct val="107000"/>
+                        </a:lnSpc>
+                        <a:spcAft>
+                          <a:spcPts val="0"/>
+                        </a:spcAft>
+                      </a:pPr>
+                      <a:r>
+                        <a:rPr lang="pl-PL" sz="1300">
+                          <a:effectLst/>
+                        </a:rPr>
+                        <a:t>8</a:t>
+                      </a:r>
+                      <a:endParaRPr lang="pl-PL" sz="1300">
+                        <a:effectLst/>
+                        <a:latin typeface="Calibri" panose="020F0502020204030204" pitchFamily="34" charset="0"/>
+                        <a:ea typeface="Calibri" panose="020F0502020204030204" pitchFamily="34" charset="0"/>
+                        <a:cs typeface="Times New Roman" panose="02020603050405020304" pitchFamily="18" charset="0"/>
+                      </a:endParaRPr>
+                    </a:p>
+                  </a:txBody>
+                  <a:tcPr marL="74864" marR="74864" marT="0" marB="0" anchor="ctr"/>
+                </a:tc>
+                <a:tc>
+                  <a:txBody>
+                    <a:bodyPr/>
+                    <a:lstStyle/>
+                    <a:p>
+                      <a:pPr algn="ctr">
+                        <a:lnSpc>
+                          <a:spcPct val="107000"/>
+                        </a:lnSpc>
+                        <a:spcAft>
+                          <a:spcPts val="0"/>
+                        </a:spcAft>
+                      </a:pPr>
+                      <a:r>
+                        <a:rPr lang="pl-PL" sz="1300">
+                          <a:effectLst/>
+                        </a:rPr>
+                        <a:t>0,313095</a:t>
+                      </a:r>
+                      <a:endParaRPr lang="pl-PL" sz="1300">
+                        <a:effectLst/>
+                        <a:latin typeface="Calibri" panose="020F0502020204030204" pitchFamily="34" charset="0"/>
+                        <a:ea typeface="Calibri" panose="020F0502020204030204" pitchFamily="34" charset="0"/>
+                        <a:cs typeface="Times New Roman" panose="02020603050405020304" pitchFamily="18" charset="0"/>
+                      </a:endParaRPr>
+                    </a:p>
+                  </a:txBody>
+                  <a:tcPr marL="74864" marR="74864" marT="0" marB="0" anchor="ctr"/>
+                </a:tc>
+                <a:tc>
+                  <a:txBody>
+                    <a:bodyPr/>
+                    <a:lstStyle/>
+                    <a:p>
+                      <a:pPr algn="ctr">
+                        <a:lnSpc>
+                          <a:spcPct val="107000"/>
+                        </a:lnSpc>
+                        <a:spcAft>
+                          <a:spcPts val="0"/>
+                        </a:spcAft>
+                      </a:pPr>
+                      <a:r>
+                        <a:rPr lang="pl-PL" sz="1300">
+                          <a:effectLst/>
+                        </a:rPr>
+                        <a:t>2,700</a:t>
+                      </a:r>
+                      <a:endParaRPr lang="pl-PL" sz="1300">
+                        <a:effectLst/>
+                        <a:latin typeface="Calibri" panose="020F0502020204030204" pitchFamily="34" charset="0"/>
+                        <a:ea typeface="Calibri" panose="020F0502020204030204" pitchFamily="34" charset="0"/>
+                        <a:cs typeface="Times New Roman" panose="02020603050405020304" pitchFamily="18" charset="0"/>
+                      </a:endParaRPr>
+                    </a:p>
+                  </a:txBody>
+                  <a:tcPr marL="74864" marR="74864" marT="0" marB="0" anchor="ctr"/>
+                </a:tc>
+                <a:tc>
+                  <a:txBody>
+                    <a:bodyPr/>
+                    <a:lstStyle/>
+                    <a:p>
+                      <a:pPr algn="ctr">
+                        <a:lnSpc>
+                          <a:spcPct val="107000"/>
+                        </a:lnSpc>
+                        <a:spcAft>
+                          <a:spcPts val="0"/>
+                        </a:spcAft>
+                      </a:pPr>
+                      <a:r>
+                        <a:rPr lang="pl-PL" sz="1300">
+                          <a:effectLst/>
+                        </a:rPr>
+                        <a:t>34%</a:t>
+                      </a:r>
+                      <a:endParaRPr lang="pl-PL" sz="1300">
+                        <a:effectLst/>
+                        <a:latin typeface="Calibri" panose="020F0502020204030204" pitchFamily="34" charset="0"/>
+                        <a:ea typeface="Calibri" panose="020F0502020204030204" pitchFamily="34" charset="0"/>
+                        <a:cs typeface="Times New Roman" panose="02020603050405020304" pitchFamily="18" charset="0"/>
+                      </a:endParaRPr>
+                    </a:p>
+                  </a:txBody>
+                  <a:tcPr marL="74864" marR="74864" marT="0" marB="0" anchor="ctr"/>
+                </a:tc>
+                <a:extLst>
+                  <a:ext uri="{0D108BD9-81ED-4DB2-BD59-A6C34878D82A}">
+                    <a16:rowId xmlns:a16="http://schemas.microsoft.com/office/drawing/2014/main" val="1712425136"/>
+                  </a:ext>
+                </a:extLst>
+              </a:tr>
+              <a:tr h="199638">
+                <a:tc vMerge="1">
+                  <a:txBody>
+                    <a:bodyPr/>
+                    <a:lstStyle/>
+                    <a:p>
+                      <a:endParaRPr lang="pl-PL"/>
+                    </a:p>
+                  </a:txBody>
+                  <a:tcPr/>
+                </a:tc>
+                <a:tc vMerge="1">
+                  <a:txBody>
+                    <a:bodyPr/>
+                    <a:lstStyle/>
+                    <a:p>
+                      <a:endParaRPr lang="pl-PL"/>
+                    </a:p>
+                  </a:txBody>
+                  <a:tcPr/>
+                </a:tc>
+                <a:tc>
+                  <a:txBody>
+                    <a:bodyPr/>
+                    <a:lstStyle/>
+                    <a:p>
+                      <a:pPr algn="ctr">
+                        <a:lnSpc>
+                          <a:spcPct val="107000"/>
+                        </a:lnSpc>
+                        <a:spcAft>
+                          <a:spcPts val="0"/>
+                        </a:spcAft>
+                      </a:pPr>
+                      <a:r>
+                        <a:rPr lang="pl-PL" sz="1300">
+                          <a:effectLst/>
+                        </a:rPr>
+                        <a:t>16</a:t>
+                      </a:r>
+                      <a:endParaRPr lang="pl-PL" sz="1300">
+                        <a:effectLst/>
+                        <a:latin typeface="Calibri" panose="020F0502020204030204" pitchFamily="34" charset="0"/>
+                        <a:ea typeface="Calibri" panose="020F0502020204030204" pitchFamily="34" charset="0"/>
+                        <a:cs typeface="Times New Roman" panose="02020603050405020304" pitchFamily="18" charset="0"/>
+                      </a:endParaRPr>
+                    </a:p>
+                  </a:txBody>
+                  <a:tcPr marL="74864" marR="74864" marT="0" marB="0" anchor="ctr"/>
+                </a:tc>
+                <a:tc>
+                  <a:txBody>
+                    <a:bodyPr/>
+                    <a:lstStyle/>
+                    <a:p>
+                      <a:pPr algn="ctr">
+                        <a:lnSpc>
+                          <a:spcPct val="107000"/>
+                        </a:lnSpc>
+                        <a:spcAft>
+                          <a:spcPts val="0"/>
+                        </a:spcAft>
+                      </a:pPr>
+                      <a:r>
+                        <a:rPr lang="pl-PL" sz="1300">
+                          <a:effectLst/>
+                        </a:rPr>
+                        <a:t>0,249949</a:t>
+                      </a:r>
+                      <a:endParaRPr lang="pl-PL" sz="1300">
+                        <a:effectLst/>
+                        <a:latin typeface="Calibri" panose="020F0502020204030204" pitchFamily="34" charset="0"/>
+                        <a:ea typeface="Calibri" panose="020F0502020204030204" pitchFamily="34" charset="0"/>
+                        <a:cs typeface="Times New Roman" panose="02020603050405020304" pitchFamily="18" charset="0"/>
+                      </a:endParaRPr>
+                    </a:p>
+                  </a:txBody>
+                  <a:tcPr marL="74864" marR="74864" marT="0" marB="0" anchor="ctr"/>
+                </a:tc>
+                <a:tc>
+                  <a:txBody>
+                    <a:bodyPr/>
+                    <a:lstStyle/>
+                    <a:p>
+                      <a:pPr algn="ctr">
+                        <a:lnSpc>
+                          <a:spcPct val="107000"/>
+                        </a:lnSpc>
+                        <a:spcAft>
+                          <a:spcPts val="0"/>
+                        </a:spcAft>
+                      </a:pPr>
+                      <a:r>
+                        <a:rPr lang="pl-PL" sz="1300">
+                          <a:effectLst/>
+                        </a:rPr>
+                        <a:t>3,383</a:t>
+                      </a:r>
+                      <a:endParaRPr lang="pl-PL" sz="1300">
+                        <a:effectLst/>
+                        <a:latin typeface="Calibri" panose="020F0502020204030204" pitchFamily="34" charset="0"/>
+                        <a:ea typeface="Calibri" panose="020F0502020204030204" pitchFamily="34" charset="0"/>
+                        <a:cs typeface="Times New Roman" panose="02020603050405020304" pitchFamily="18" charset="0"/>
+                      </a:endParaRPr>
+                    </a:p>
+                  </a:txBody>
+                  <a:tcPr marL="74864" marR="74864" marT="0" marB="0" anchor="ctr"/>
+                </a:tc>
+                <a:tc>
+                  <a:txBody>
+                    <a:bodyPr/>
+                    <a:lstStyle/>
+                    <a:p>
+                      <a:pPr algn="ctr">
+                        <a:lnSpc>
+                          <a:spcPct val="107000"/>
+                        </a:lnSpc>
+                        <a:spcAft>
+                          <a:spcPts val="0"/>
+                        </a:spcAft>
+                      </a:pPr>
+                      <a:r>
+                        <a:rPr lang="pl-PL" sz="1300">
+                          <a:effectLst/>
+                        </a:rPr>
+                        <a:t>21%</a:t>
+                      </a:r>
+                      <a:endParaRPr lang="pl-PL" sz="1300">
+                        <a:effectLst/>
+                        <a:latin typeface="Calibri" panose="020F0502020204030204" pitchFamily="34" charset="0"/>
+                        <a:ea typeface="Calibri" panose="020F0502020204030204" pitchFamily="34" charset="0"/>
+                        <a:cs typeface="Times New Roman" panose="02020603050405020304" pitchFamily="18" charset="0"/>
+                      </a:endParaRPr>
+                    </a:p>
+                  </a:txBody>
+                  <a:tcPr marL="74864" marR="74864" marT="0" marB="0" anchor="ctr"/>
+                </a:tc>
+                <a:extLst>
+                  <a:ext uri="{0D108BD9-81ED-4DB2-BD59-A6C34878D82A}">
+                    <a16:rowId xmlns:a16="http://schemas.microsoft.com/office/drawing/2014/main" val="2503203145"/>
+                  </a:ext>
+                </a:extLst>
+              </a:tr>
+              <a:tr h="199638">
+                <a:tc vMerge="1">
+                  <a:txBody>
+                    <a:bodyPr/>
+                    <a:lstStyle/>
+                    <a:p>
+                      <a:endParaRPr lang="pl-PL"/>
+                    </a:p>
+                  </a:txBody>
+                  <a:tcPr/>
+                </a:tc>
+                <a:tc vMerge="1">
+                  <a:txBody>
+                    <a:bodyPr/>
+                    <a:lstStyle/>
+                    <a:p>
+                      <a:endParaRPr lang="pl-PL"/>
+                    </a:p>
+                  </a:txBody>
+                  <a:tcPr/>
+                </a:tc>
+                <a:tc>
+                  <a:txBody>
+                    <a:bodyPr/>
+                    <a:lstStyle/>
+                    <a:p>
+                      <a:pPr algn="ctr">
+                        <a:lnSpc>
+                          <a:spcPct val="107000"/>
+                        </a:lnSpc>
+                        <a:spcAft>
+                          <a:spcPts val="0"/>
+                        </a:spcAft>
+                      </a:pPr>
+                      <a:r>
+                        <a:rPr lang="pl-PL" sz="1300">
+                          <a:effectLst/>
+                        </a:rPr>
+                        <a:t>32</a:t>
+                      </a:r>
+                      <a:endParaRPr lang="pl-PL" sz="1300">
+                        <a:effectLst/>
+                        <a:latin typeface="Calibri" panose="020F0502020204030204" pitchFamily="34" charset="0"/>
+                        <a:ea typeface="Calibri" panose="020F0502020204030204" pitchFamily="34" charset="0"/>
+                        <a:cs typeface="Times New Roman" panose="02020603050405020304" pitchFamily="18" charset="0"/>
+                      </a:endParaRPr>
+                    </a:p>
+                  </a:txBody>
+                  <a:tcPr marL="74864" marR="74864" marT="0" marB="0" anchor="ctr"/>
+                </a:tc>
+                <a:tc>
+                  <a:txBody>
+                    <a:bodyPr/>
+                    <a:lstStyle/>
+                    <a:p>
+                      <a:pPr algn="ctr">
+                        <a:lnSpc>
+                          <a:spcPct val="107000"/>
+                        </a:lnSpc>
+                        <a:spcAft>
+                          <a:spcPts val="0"/>
+                        </a:spcAft>
+                      </a:pPr>
+                      <a:r>
+                        <a:rPr lang="pl-PL" sz="1300">
+                          <a:effectLst/>
+                        </a:rPr>
+                        <a:t>0,235940</a:t>
+                      </a:r>
+                      <a:endParaRPr lang="pl-PL" sz="1300">
+                        <a:effectLst/>
+                        <a:latin typeface="Calibri" panose="020F0502020204030204" pitchFamily="34" charset="0"/>
+                        <a:ea typeface="Calibri" panose="020F0502020204030204" pitchFamily="34" charset="0"/>
+                        <a:cs typeface="Times New Roman" panose="02020603050405020304" pitchFamily="18" charset="0"/>
+                      </a:endParaRPr>
+                    </a:p>
+                  </a:txBody>
+                  <a:tcPr marL="74864" marR="74864" marT="0" marB="0" anchor="ctr"/>
+                </a:tc>
+                <a:tc>
+                  <a:txBody>
+                    <a:bodyPr/>
+                    <a:lstStyle/>
+                    <a:p>
+                      <a:pPr algn="ctr">
+                        <a:lnSpc>
+                          <a:spcPct val="107000"/>
+                        </a:lnSpc>
+                        <a:spcAft>
+                          <a:spcPts val="0"/>
+                        </a:spcAft>
+                      </a:pPr>
+                      <a:r>
+                        <a:rPr lang="pl-PL" sz="1300">
+                          <a:effectLst/>
+                        </a:rPr>
+                        <a:t>3,583</a:t>
+                      </a:r>
+                      <a:endParaRPr lang="pl-PL" sz="1300">
+                        <a:effectLst/>
+                        <a:latin typeface="Calibri" panose="020F0502020204030204" pitchFamily="34" charset="0"/>
+                        <a:ea typeface="Calibri" panose="020F0502020204030204" pitchFamily="34" charset="0"/>
+                        <a:cs typeface="Times New Roman" panose="02020603050405020304" pitchFamily="18" charset="0"/>
+                      </a:endParaRPr>
+                    </a:p>
+                  </a:txBody>
+                  <a:tcPr marL="74864" marR="74864" marT="0" marB="0" anchor="ctr"/>
+                </a:tc>
+                <a:tc>
+                  <a:txBody>
+                    <a:bodyPr/>
+                    <a:lstStyle/>
+                    <a:p>
+                      <a:pPr algn="ctr">
+                        <a:lnSpc>
+                          <a:spcPct val="107000"/>
+                        </a:lnSpc>
+                        <a:spcAft>
+                          <a:spcPts val="0"/>
+                        </a:spcAft>
+                      </a:pPr>
+                      <a:r>
+                        <a:rPr lang="pl-PL" sz="1300">
+                          <a:effectLst/>
+                        </a:rPr>
+                        <a:t>11%</a:t>
+                      </a:r>
+                      <a:endParaRPr lang="pl-PL" sz="1300">
+                        <a:effectLst/>
+                        <a:latin typeface="Calibri" panose="020F0502020204030204" pitchFamily="34" charset="0"/>
+                        <a:ea typeface="Calibri" panose="020F0502020204030204" pitchFamily="34" charset="0"/>
+                        <a:cs typeface="Times New Roman" panose="02020603050405020304" pitchFamily="18" charset="0"/>
+                      </a:endParaRPr>
+                    </a:p>
+                  </a:txBody>
+                  <a:tcPr marL="74864" marR="74864" marT="0" marB="0" anchor="ctr"/>
+                </a:tc>
+                <a:extLst>
+                  <a:ext uri="{0D108BD9-81ED-4DB2-BD59-A6C34878D82A}">
+                    <a16:rowId xmlns:a16="http://schemas.microsoft.com/office/drawing/2014/main" val="1910487813"/>
+                  </a:ext>
+                </a:extLst>
+              </a:tr>
+              <a:tr h="199638">
+                <a:tc vMerge="1">
+                  <a:txBody>
+                    <a:bodyPr/>
+                    <a:lstStyle/>
+                    <a:p>
+                      <a:endParaRPr lang="pl-PL"/>
+                    </a:p>
+                  </a:txBody>
+                  <a:tcPr/>
+                </a:tc>
+                <a:tc rowSpan="6">
+                  <a:txBody>
+                    <a:bodyPr/>
+                    <a:lstStyle/>
+                    <a:p>
+                      <a:pPr algn="ctr">
+                        <a:lnSpc>
+                          <a:spcPct val="107000"/>
+                        </a:lnSpc>
+                        <a:spcAft>
+                          <a:spcPts val="0"/>
+                        </a:spcAft>
+                      </a:pPr>
+                      <a:r>
+                        <a:rPr lang="pl-PL" sz="1300" b="1" dirty="0">
+                          <a:effectLst/>
+                        </a:rPr>
+                        <a:t>32768</a:t>
+                      </a:r>
+                      <a:endParaRPr lang="pl-PL" sz="1300" b="1" dirty="0">
+                        <a:effectLst/>
+                        <a:latin typeface="Calibri" panose="020F0502020204030204" pitchFamily="34" charset="0"/>
+                        <a:ea typeface="Calibri" panose="020F0502020204030204" pitchFamily="34" charset="0"/>
+                        <a:cs typeface="Times New Roman" panose="02020603050405020304" pitchFamily="18" charset="0"/>
+                      </a:endParaRPr>
+                    </a:p>
+                  </a:txBody>
+                  <a:tcPr marL="96404" marR="96404" marT="48202" marB="48202" anchor="ctr"/>
+                </a:tc>
+                <a:tc>
+                  <a:txBody>
+                    <a:bodyPr/>
+                    <a:lstStyle/>
+                    <a:p>
+                      <a:pPr algn="ctr">
+                        <a:lnSpc>
+                          <a:spcPct val="107000"/>
+                        </a:lnSpc>
+                        <a:spcAft>
+                          <a:spcPts val="0"/>
+                        </a:spcAft>
+                      </a:pPr>
+                      <a:r>
+                        <a:rPr lang="pl-PL" sz="1300">
+                          <a:effectLst/>
+                        </a:rPr>
+                        <a:t>1</a:t>
+                      </a:r>
+                      <a:endParaRPr lang="pl-PL" sz="1300">
+                        <a:effectLst/>
+                        <a:latin typeface="Calibri" panose="020F0502020204030204" pitchFamily="34" charset="0"/>
+                        <a:ea typeface="Calibri" panose="020F0502020204030204" pitchFamily="34" charset="0"/>
+                        <a:cs typeface="Times New Roman" panose="02020603050405020304" pitchFamily="18" charset="0"/>
+                      </a:endParaRPr>
+                    </a:p>
+                  </a:txBody>
+                  <a:tcPr marL="74864" marR="74864" marT="0" marB="0" anchor="ctr"/>
+                </a:tc>
+                <a:tc>
+                  <a:txBody>
+                    <a:bodyPr/>
+                    <a:lstStyle/>
+                    <a:p>
+                      <a:pPr algn="ctr">
+                        <a:lnSpc>
+                          <a:spcPct val="107000"/>
+                        </a:lnSpc>
+                        <a:spcAft>
+                          <a:spcPts val="0"/>
+                        </a:spcAft>
+                      </a:pPr>
+                      <a:r>
+                        <a:rPr lang="pl-PL" sz="1300">
+                          <a:effectLst/>
+                        </a:rPr>
+                        <a:t>4,473333</a:t>
+                      </a:r>
+                      <a:endParaRPr lang="pl-PL" sz="1300">
+                        <a:effectLst/>
+                        <a:latin typeface="Calibri" panose="020F0502020204030204" pitchFamily="34" charset="0"/>
+                        <a:ea typeface="Calibri" panose="020F0502020204030204" pitchFamily="34" charset="0"/>
+                        <a:cs typeface="Times New Roman" panose="02020603050405020304" pitchFamily="18" charset="0"/>
+                      </a:endParaRPr>
+                    </a:p>
+                  </a:txBody>
+                  <a:tcPr marL="74864" marR="74864" marT="0" marB="0" anchor="ctr"/>
+                </a:tc>
+                <a:tc>
+                  <a:txBody>
+                    <a:bodyPr/>
+                    <a:lstStyle/>
+                    <a:p>
+                      <a:pPr algn="ctr">
+                        <a:lnSpc>
+                          <a:spcPct val="107000"/>
+                        </a:lnSpc>
+                        <a:spcAft>
+                          <a:spcPts val="0"/>
+                        </a:spcAft>
+                      </a:pPr>
+                      <a:r>
+                        <a:rPr lang="pl-PL" sz="1300">
+                          <a:effectLst/>
+                        </a:rPr>
+                        <a:t>1,000</a:t>
+                      </a:r>
+                      <a:endParaRPr lang="pl-PL" sz="1300">
+                        <a:effectLst/>
+                        <a:latin typeface="Calibri" panose="020F0502020204030204" pitchFamily="34" charset="0"/>
+                        <a:ea typeface="Calibri" panose="020F0502020204030204" pitchFamily="34" charset="0"/>
+                        <a:cs typeface="Times New Roman" panose="02020603050405020304" pitchFamily="18" charset="0"/>
+                      </a:endParaRPr>
+                    </a:p>
+                  </a:txBody>
+                  <a:tcPr marL="74864" marR="74864" marT="0" marB="0" anchor="ctr"/>
+                </a:tc>
+                <a:tc>
+                  <a:txBody>
+                    <a:bodyPr/>
+                    <a:lstStyle/>
+                    <a:p>
+                      <a:pPr algn="ctr">
+                        <a:lnSpc>
+                          <a:spcPct val="107000"/>
+                        </a:lnSpc>
+                        <a:spcAft>
+                          <a:spcPts val="0"/>
+                        </a:spcAft>
+                      </a:pPr>
+                      <a:r>
+                        <a:rPr lang="pl-PL" sz="1300">
+                          <a:effectLst/>
+                        </a:rPr>
+                        <a:t>100%</a:t>
+                      </a:r>
+                      <a:endParaRPr lang="pl-PL" sz="1300">
+                        <a:effectLst/>
+                        <a:latin typeface="Calibri" panose="020F0502020204030204" pitchFamily="34" charset="0"/>
+                        <a:ea typeface="Calibri" panose="020F0502020204030204" pitchFamily="34" charset="0"/>
+                        <a:cs typeface="Times New Roman" panose="02020603050405020304" pitchFamily="18" charset="0"/>
+                      </a:endParaRPr>
+                    </a:p>
+                  </a:txBody>
+                  <a:tcPr marL="74864" marR="74864" marT="0" marB="0" anchor="ctr"/>
+                </a:tc>
+                <a:extLst>
+                  <a:ext uri="{0D108BD9-81ED-4DB2-BD59-A6C34878D82A}">
+                    <a16:rowId xmlns:a16="http://schemas.microsoft.com/office/drawing/2014/main" val="3202510781"/>
+                  </a:ext>
+                </a:extLst>
+              </a:tr>
+              <a:tr h="199638">
+                <a:tc vMerge="1">
+                  <a:txBody>
+                    <a:bodyPr/>
+                    <a:lstStyle/>
+                    <a:p>
+                      <a:endParaRPr lang="pl-PL"/>
+                    </a:p>
+                  </a:txBody>
+                  <a:tcPr/>
+                </a:tc>
+                <a:tc vMerge="1">
+                  <a:txBody>
+                    <a:bodyPr/>
+                    <a:lstStyle/>
+                    <a:p>
+                      <a:endParaRPr lang="pl-PL"/>
+                    </a:p>
+                  </a:txBody>
+                  <a:tcPr/>
+                </a:tc>
+                <a:tc>
+                  <a:txBody>
+                    <a:bodyPr/>
+                    <a:lstStyle/>
+                    <a:p>
+                      <a:pPr algn="ctr">
+                        <a:lnSpc>
+                          <a:spcPct val="107000"/>
+                        </a:lnSpc>
+                        <a:spcAft>
+                          <a:spcPts val="0"/>
+                        </a:spcAft>
+                      </a:pPr>
+                      <a:r>
+                        <a:rPr lang="pl-PL" sz="1300">
+                          <a:effectLst/>
+                        </a:rPr>
+                        <a:t>2</a:t>
+                      </a:r>
+                      <a:endParaRPr lang="pl-PL" sz="1300">
+                        <a:effectLst/>
+                        <a:latin typeface="Calibri" panose="020F0502020204030204" pitchFamily="34" charset="0"/>
+                        <a:ea typeface="Calibri" panose="020F0502020204030204" pitchFamily="34" charset="0"/>
+                        <a:cs typeface="Times New Roman" panose="02020603050405020304" pitchFamily="18" charset="0"/>
+                      </a:endParaRPr>
+                    </a:p>
+                  </a:txBody>
+                  <a:tcPr marL="74864" marR="74864" marT="0" marB="0" anchor="ctr"/>
+                </a:tc>
+                <a:tc>
+                  <a:txBody>
+                    <a:bodyPr/>
+                    <a:lstStyle/>
+                    <a:p>
+                      <a:pPr algn="ctr">
+                        <a:lnSpc>
+                          <a:spcPct val="107000"/>
+                        </a:lnSpc>
+                        <a:spcAft>
+                          <a:spcPts val="0"/>
+                        </a:spcAft>
+                      </a:pPr>
+                      <a:r>
+                        <a:rPr lang="pl-PL" sz="1300">
+                          <a:effectLst/>
+                        </a:rPr>
+                        <a:t>2,664443</a:t>
+                      </a:r>
+                      <a:endParaRPr lang="pl-PL" sz="1300">
+                        <a:effectLst/>
+                        <a:latin typeface="Calibri" panose="020F0502020204030204" pitchFamily="34" charset="0"/>
+                        <a:ea typeface="Calibri" panose="020F0502020204030204" pitchFamily="34" charset="0"/>
+                        <a:cs typeface="Times New Roman" panose="02020603050405020304" pitchFamily="18" charset="0"/>
+                      </a:endParaRPr>
+                    </a:p>
+                  </a:txBody>
+                  <a:tcPr marL="74864" marR="74864" marT="0" marB="0" anchor="ctr"/>
+                </a:tc>
+                <a:tc>
+                  <a:txBody>
+                    <a:bodyPr/>
+                    <a:lstStyle/>
+                    <a:p>
+                      <a:pPr algn="ctr">
+                        <a:lnSpc>
+                          <a:spcPct val="107000"/>
+                        </a:lnSpc>
+                        <a:spcAft>
+                          <a:spcPts val="0"/>
+                        </a:spcAft>
+                      </a:pPr>
+                      <a:r>
+                        <a:rPr lang="pl-PL" sz="1300">
+                          <a:effectLst/>
+                        </a:rPr>
+                        <a:t>1,679</a:t>
+                      </a:r>
+                      <a:endParaRPr lang="pl-PL" sz="1300">
+                        <a:effectLst/>
+                        <a:latin typeface="Calibri" panose="020F0502020204030204" pitchFamily="34" charset="0"/>
+                        <a:ea typeface="Calibri" panose="020F0502020204030204" pitchFamily="34" charset="0"/>
+                        <a:cs typeface="Times New Roman" panose="02020603050405020304" pitchFamily="18" charset="0"/>
+                      </a:endParaRPr>
+                    </a:p>
+                  </a:txBody>
+                  <a:tcPr marL="74864" marR="74864" marT="0" marB="0" anchor="ctr"/>
+                </a:tc>
+                <a:tc>
+                  <a:txBody>
+                    <a:bodyPr/>
+                    <a:lstStyle/>
+                    <a:p>
+                      <a:pPr algn="ctr">
+                        <a:lnSpc>
+                          <a:spcPct val="107000"/>
+                        </a:lnSpc>
+                        <a:spcAft>
+                          <a:spcPts val="0"/>
+                        </a:spcAft>
+                      </a:pPr>
+                      <a:r>
+                        <a:rPr lang="pl-PL" sz="1300">
+                          <a:effectLst/>
+                        </a:rPr>
+                        <a:t>84%</a:t>
+                      </a:r>
+                      <a:endParaRPr lang="pl-PL" sz="1300">
+                        <a:effectLst/>
+                        <a:latin typeface="Calibri" panose="020F0502020204030204" pitchFamily="34" charset="0"/>
+                        <a:ea typeface="Calibri" panose="020F0502020204030204" pitchFamily="34" charset="0"/>
+                        <a:cs typeface="Times New Roman" panose="02020603050405020304" pitchFamily="18" charset="0"/>
+                      </a:endParaRPr>
+                    </a:p>
+                  </a:txBody>
+                  <a:tcPr marL="74864" marR="74864" marT="0" marB="0" anchor="ctr"/>
+                </a:tc>
+                <a:extLst>
+                  <a:ext uri="{0D108BD9-81ED-4DB2-BD59-A6C34878D82A}">
+                    <a16:rowId xmlns:a16="http://schemas.microsoft.com/office/drawing/2014/main" val="2648996382"/>
+                  </a:ext>
+                </a:extLst>
+              </a:tr>
+              <a:tr h="199638">
+                <a:tc vMerge="1">
+                  <a:txBody>
+                    <a:bodyPr/>
+                    <a:lstStyle/>
+                    <a:p>
+                      <a:endParaRPr lang="pl-PL"/>
+                    </a:p>
+                  </a:txBody>
+                  <a:tcPr/>
+                </a:tc>
+                <a:tc vMerge="1">
+                  <a:txBody>
+                    <a:bodyPr/>
+                    <a:lstStyle/>
+                    <a:p>
+                      <a:endParaRPr lang="pl-PL"/>
+                    </a:p>
+                  </a:txBody>
+                  <a:tcPr/>
+                </a:tc>
+                <a:tc>
+                  <a:txBody>
+                    <a:bodyPr/>
+                    <a:lstStyle/>
+                    <a:p>
+                      <a:pPr algn="ctr">
+                        <a:lnSpc>
+                          <a:spcPct val="107000"/>
+                        </a:lnSpc>
+                        <a:spcAft>
+                          <a:spcPts val="0"/>
+                        </a:spcAft>
+                      </a:pPr>
+                      <a:r>
+                        <a:rPr lang="pl-PL" sz="1300">
+                          <a:effectLst/>
+                        </a:rPr>
+                        <a:t>4</a:t>
+                      </a:r>
+                      <a:endParaRPr lang="pl-PL" sz="1300">
+                        <a:effectLst/>
+                        <a:latin typeface="Calibri" panose="020F0502020204030204" pitchFamily="34" charset="0"/>
+                        <a:ea typeface="Calibri" panose="020F0502020204030204" pitchFamily="34" charset="0"/>
+                        <a:cs typeface="Times New Roman" panose="02020603050405020304" pitchFamily="18" charset="0"/>
+                      </a:endParaRPr>
+                    </a:p>
+                  </a:txBody>
+                  <a:tcPr marL="74864" marR="74864" marT="0" marB="0" anchor="ctr"/>
+                </a:tc>
+                <a:tc>
+                  <a:txBody>
+                    <a:bodyPr/>
+                    <a:lstStyle/>
+                    <a:p>
+                      <a:pPr algn="ctr">
+                        <a:lnSpc>
+                          <a:spcPct val="107000"/>
+                        </a:lnSpc>
+                        <a:spcAft>
+                          <a:spcPts val="0"/>
+                        </a:spcAft>
+                      </a:pPr>
+                      <a:r>
+                        <a:rPr lang="pl-PL" sz="1300">
+                          <a:effectLst/>
+                        </a:rPr>
+                        <a:t>2,280371</a:t>
+                      </a:r>
+                      <a:endParaRPr lang="pl-PL" sz="1300">
+                        <a:effectLst/>
+                        <a:latin typeface="Calibri" panose="020F0502020204030204" pitchFamily="34" charset="0"/>
+                        <a:ea typeface="Calibri" panose="020F0502020204030204" pitchFamily="34" charset="0"/>
+                        <a:cs typeface="Times New Roman" panose="02020603050405020304" pitchFamily="18" charset="0"/>
+                      </a:endParaRPr>
+                    </a:p>
+                  </a:txBody>
+                  <a:tcPr marL="74864" marR="74864" marT="0" marB="0" anchor="ctr"/>
+                </a:tc>
+                <a:tc>
+                  <a:txBody>
+                    <a:bodyPr/>
+                    <a:lstStyle/>
+                    <a:p>
+                      <a:pPr algn="ctr">
+                        <a:lnSpc>
+                          <a:spcPct val="107000"/>
+                        </a:lnSpc>
+                        <a:spcAft>
+                          <a:spcPts val="0"/>
+                        </a:spcAft>
+                      </a:pPr>
+                      <a:r>
+                        <a:rPr lang="pl-PL" sz="1300">
+                          <a:effectLst/>
+                        </a:rPr>
+                        <a:t>1,962</a:t>
+                      </a:r>
+                      <a:endParaRPr lang="pl-PL" sz="1300">
+                        <a:effectLst/>
+                        <a:latin typeface="Calibri" panose="020F0502020204030204" pitchFamily="34" charset="0"/>
+                        <a:ea typeface="Calibri" panose="020F0502020204030204" pitchFamily="34" charset="0"/>
+                        <a:cs typeface="Times New Roman" panose="02020603050405020304" pitchFamily="18" charset="0"/>
+                      </a:endParaRPr>
+                    </a:p>
+                  </a:txBody>
+                  <a:tcPr marL="74864" marR="74864" marT="0" marB="0" anchor="ctr"/>
+                </a:tc>
+                <a:tc>
+                  <a:txBody>
+                    <a:bodyPr/>
+                    <a:lstStyle/>
+                    <a:p>
+                      <a:pPr algn="ctr">
+                        <a:lnSpc>
+                          <a:spcPct val="107000"/>
+                        </a:lnSpc>
+                        <a:spcAft>
+                          <a:spcPts val="0"/>
+                        </a:spcAft>
+                      </a:pPr>
+                      <a:r>
+                        <a:rPr lang="pl-PL" sz="1300">
+                          <a:effectLst/>
+                        </a:rPr>
+                        <a:t>49%</a:t>
+                      </a:r>
+                      <a:endParaRPr lang="pl-PL" sz="1300">
+                        <a:effectLst/>
+                        <a:latin typeface="Calibri" panose="020F0502020204030204" pitchFamily="34" charset="0"/>
+                        <a:ea typeface="Calibri" panose="020F0502020204030204" pitchFamily="34" charset="0"/>
+                        <a:cs typeface="Times New Roman" panose="02020603050405020304" pitchFamily="18" charset="0"/>
+                      </a:endParaRPr>
+                    </a:p>
+                  </a:txBody>
+                  <a:tcPr marL="74864" marR="74864" marT="0" marB="0" anchor="ctr"/>
+                </a:tc>
+                <a:extLst>
+                  <a:ext uri="{0D108BD9-81ED-4DB2-BD59-A6C34878D82A}">
+                    <a16:rowId xmlns:a16="http://schemas.microsoft.com/office/drawing/2014/main" val="2536000833"/>
+                  </a:ext>
+                </a:extLst>
+              </a:tr>
+              <a:tr h="199638">
+                <a:tc vMerge="1">
+                  <a:txBody>
+                    <a:bodyPr/>
+                    <a:lstStyle/>
+                    <a:p>
+                      <a:endParaRPr lang="pl-PL"/>
+                    </a:p>
+                  </a:txBody>
+                  <a:tcPr/>
+                </a:tc>
+                <a:tc vMerge="1">
+                  <a:txBody>
+                    <a:bodyPr/>
+                    <a:lstStyle/>
+                    <a:p>
+                      <a:endParaRPr lang="pl-PL"/>
+                    </a:p>
+                  </a:txBody>
+                  <a:tcPr/>
+                </a:tc>
+                <a:tc>
+                  <a:txBody>
+                    <a:bodyPr/>
+                    <a:lstStyle/>
+                    <a:p>
+                      <a:pPr algn="ctr">
+                        <a:lnSpc>
+                          <a:spcPct val="107000"/>
+                        </a:lnSpc>
+                        <a:spcAft>
+                          <a:spcPts val="0"/>
+                        </a:spcAft>
+                      </a:pPr>
+                      <a:r>
+                        <a:rPr lang="pl-PL" sz="1300">
+                          <a:effectLst/>
+                        </a:rPr>
+                        <a:t>8</a:t>
+                      </a:r>
+                      <a:endParaRPr lang="pl-PL" sz="1300">
+                        <a:effectLst/>
+                        <a:latin typeface="Calibri" panose="020F0502020204030204" pitchFamily="34" charset="0"/>
+                        <a:ea typeface="Calibri" panose="020F0502020204030204" pitchFamily="34" charset="0"/>
+                        <a:cs typeface="Times New Roman" panose="02020603050405020304" pitchFamily="18" charset="0"/>
+                      </a:endParaRPr>
+                    </a:p>
+                  </a:txBody>
+                  <a:tcPr marL="74864" marR="74864" marT="0" marB="0" anchor="ctr"/>
+                </a:tc>
+                <a:tc>
+                  <a:txBody>
+                    <a:bodyPr/>
+                    <a:lstStyle/>
+                    <a:p>
+                      <a:pPr algn="ctr">
+                        <a:lnSpc>
+                          <a:spcPct val="107000"/>
+                        </a:lnSpc>
+                        <a:spcAft>
+                          <a:spcPts val="0"/>
+                        </a:spcAft>
+                      </a:pPr>
+                      <a:r>
+                        <a:rPr lang="pl-PL" sz="1300">
+                          <a:effectLst/>
+                        </a:rPr>
+                        <a:t>1,609433</a:t>
+                      </a:r>
+                      <a:endParaRPr lang="pl-PL" sz="1300">
+                        <a:effectLst/>
+                        <a:latin typeface="Calibri" panose="020F0502020204030204" pitchFamily="34" charset="0"/>
+                        <a:ea typeface="Calibri" panose="020F0502020204030204" pitchFamily="34" charset="0"/>
+                        <a:cs typeface="Times New Roman" panose="02020603050405020304" pitchFamily="18" charset="0"/>
+                      </a:endParaRPr>
+                    </a:p>
+                  </a:txBody>
+                  <a:tcPr marL="74864" marR="74864" marT="0" marB="0" anchor="ctr"/>
+                </a:tc>
+                <a:tc>
+                  <a:txBody>
+                    <a:bodyPr/>
+                    <a:lstStyle/>
+                    <a:p>
+                      <a:pPr algn="ctr">
+                        <a:lnSpc>
+                          <a:spcPct val="107000"/>
+                        </a:lnSpc>
+                        <a:spcAft>
+                          <a:spcPts val="0"/>
+                        </a:spcAft>
+                      </a:pPr>
+                      <a:r>
+                        <a:rPr lang="pl-PL" sz="1300">
+                          <a:effectLst/>
+                        </a:rPr>
+                        <a:t>2,779</a:t>
+                      </a:r>
+                      <a:endParaRPr lang="pl-PL" sz="1300">
+                        <a:effectLst/>
+                        <a:latin typeface="Calibri" panose="020F0502020204030204" pitchFamily="34" charset="0"/>
+                        <a:ea typeface="Calibri" panose="020F0502020204030204" pitchFamily="34" charset="0"/>
+                        <a:cs typeface="Times New Roman" panose="02020603050405020304" pitchFamily="18" charset="0"/>
+                      </a:endParaRPr>
+                    </a:p>
+                  </a:txBody>
+                  <a:tcPr marL="74864" marR="74864" marT="0" marB="0" anchor="ctr"/>
+                </a:tc>
+                <a:tc>
+                  <a:txBody>
+                    <a:bodyPr/>
+                    <a:lstStyle/>
+                    <a:p>
+                      <a:pPr algn="ctr">
+                        <a:lnSpc>
+                          <a:spcPct val="107000"/>
+                        </a:lnSpc>
+                        <a:spcAft>
+                          <a:spcPts val="0"/>
+                        </a:spcAft>
+                      </a:pPr>
+                      <a:r>
+                        <a:rPr lang="pl-PL" sz="1300">
+                          <a:effectLst/>
+                        </a:rPr>
+                        <a:t>35%</a:t>
+                      </a:r>
+                      <a:endParaRPr lang="pl-PL" sz="1300">
+                        <a:effectLst/>
+                        <a:latin typeface="Calibri" panose="020F0502020204030204" pitchFamily="34" charset="0"/>
+                        <a:ea typeface="Calibri" panose="020F0502020204030204" pitchFamily="34" charset="0"/>
+                        <a:cs typeface="Times New Roman" panose="02020603050405020304" pitchFamily="18" charset="0"/>
+                      </a:endParaRPr>
+                    </a:p>
+                  </a:txBody>
+                  <a:tcPr marL="74864" marR="74864" marT="0" marB="0" anchor="ctr"/>
+                </a:tc>
+                <a:extLst>
+                  <a:ext uri="{0D108BD9-81ED-4DB2-BD59-A6C34878D82A}">
+                    <a16:rowId xmlns:a16="http://schemas.microsoft.com/office/drawing/2014/main" val="2049741673"/>
+                  </a:ext>
+                </a:extLst>
+              </a:tr>
+              <a:tr h="199638">
+                <a:tc vMerge="1">
+                  <a:txBody>
+                    <a:bodyPr/>
+                    <a:lstStyle/>
+                    <a:p>
+                      <a:endParaRPr lang="pl-PL"/>
+                    </a:p>
+                  </a:txBody>
+                  <a:tcPr/>
+                </a:tc>
+                <a:tc vMerge="1">
+                  <a:txBody>
+                    <a:bodyPr/>
+                    <a:lstStyle/>
+                    <a:p>
+                      <a:endParaRPr lang="pl-PL"/>
+                    </a:p>
+                  </a:txBody>
+                  <a:tcPr/>
+                </a:tc>
+                <a:tc>
+                  <a:txBody>
+                    <a:bodyPr/>
+                    <a:lstStyle/>
+                    <a:p>
+                      <a:pPr algn="ctr">
+                        <a:lnSpc>
+                          <a:spcPct val="107000"/>
+                        </a:lnSpc>
+                        <a:spcAft>
+                          <a:spcPts val="0"/>
+                        </a:spcAft>
+                      </a:pPr>
+                      <a:r>
+                        <a:rPr lang="pl-PL" sz="1300">
+                          <a:effectLst/>
+                        </a:rPr>
+                        <a:t>16</a:t>
+                      </a:r>
+                      <a:endParaRPr lang="pl-PL" sz="1300">
+                        <a:effectLst/>
+                        <a:latin typeface="Calibri" panose="020F0502020204030204" pitchFamily="34" charset="0"/>
+                        <a:ea typeface="Calibri" panose="020F0502020204030204" pitchFamily="34" charset="0"/>
+                        <a:cs typeface="Times New Roman" panose="02020603050405020304" pitchFamily="18" charset="0"/>
+                      </a:endParaRPr>
+                    </a:p>
+                  </a:txBody>
+                  <a:tcPr marL="74864" marR="74864" marT="0" marB="0" anchor="ctr"/>
+                </a:tc>
+                <a:tc>
+                  <a:txBody>
+                    <a:bodyPr/>
+                    <a:lstStyle/>
+                    <a:p>
+                      <a:pPr algn="ctr">
+                        <a:lnSpc>
+                          <a:spcPct val="107000"/>
+                        </a:lnSpc>
+                        <a:spcAft>
+                          <a:spcPts val="0"/>
+                        </a:spcAft>
+                      </a:pPr>
+                      <a:r>
+                        <a:rPr lang="pl-PL" sz="1300">
+                          <a:effectLst/>
+                        </a:rPr>
+                        <a:t>1,126289</a:t>
+                      </a:r>
+                      <a:endParaRPr lang="pl-PL" sz="1300">
+                        <a:effectLst/>
+                        <a:latin typeface="Calibri" panose="020F0502020204030204" pitchFamily="34" charset="0"/>
+                        <a:ea typeface="Calibri" panose="020F0502020204030204" pitchFamily="34" charset="0"/>
+                        <a:cs typeface="Times New Roman" panose="02020603050405020304" pitchFamily="18" charset="0"/>
+                      </a:endParaRPr>
+                    </a:p>
+                  </a:txBody>
+                  <a:tcPr marL="74864" marR="74864" marT="0" marB="0" anchor="ctr"/>
+                </a:tc>
+                <a:tc>
+                  <a:txBody>
+                    <a:bodyPr/>
+                    <a:lstStyle/>
+                    <a:p>
+                      <a:pPr algn="ctr">
+                        <a:lnSpc>
+                          <a:spcPct val="107000"/>
+                        </a:lnSpc>
+                        <a:spcAft>
+                          <a:spcPts val="0"/>
+                        </a:spcAft>
+                      </a:pPr>
+                      <a:r>
+                        <a:rPr lang="pl-PL" sz="1300">
+                          <a:effectLst/>
+                        </a:rPr>
+                        <a:t>3,972</a:t>
+                      </a:r>
+                      <a:endParaRPr lang="pl-PL" sz="1300">
+                        <a:effectLst/>
+                        <a:latin typeface="Calibri" panose="020F0502020204030204" pitchFamily="34" charset="0"/>
+                        <a:ea typeface="Calibri" panose="020F0502020204030204" pitchFamily="34" charset="0"/>
+                        <a:cs typeface="Times New Roman" panose="02020603050405020304" pitchFamily="18" charset="0"/>
+                      </a:endParaRPr>
+                    </a:p>
+                  </a:txBody>
+                  <a:tcPr marL="74864" marR="74864" marT="0" marB="0" anchor="ctr"/>
+                </a:tc>
+                <a:tc>
+                  <a:txBody>
+                    <a:bodyPr/>
+                    <a:lstStyle/>
+                    <a:p>
+                      <a:pPr algn="ctr">
+                        <a:lnSpc>
+                          <a:spcPct val="107000"/>
+                        </a:lnSpc>
+                        <a:spcAft>
+                          <a:spcPts val="0"/>
+                        </a:spcAft>
+                      </a:pPr>
+                      <a:r>
+                        <a:rPr lang="pl-PL" sz="1300">
+                          <a:effectLst/>
+                        </a:rPr>
+                        <a:t>25%</a:t>
+                      </a:r>
+                      <a:endParaRPr lang="pl-PL" sz="1300">
+                        <a:effectLst/>
+                        <a:latin typeface="Calibri" panose="020F0502020204030204" pitchFamily="34" charset="0"/>
+                        <a:ea typeface="Calibri" panose="020F0502020204030204" pitchFamily="34" charset="0"/>
+                        <a:cs typeface="Times New Roman" panose="02020603050405020304" pitchFamily="18" charset="0"/>
+                      </a:endParaRPr>
+                    </a:p>
+                  </a:txBody>
+                  <a:tcPr marL="74864" marR="74864" marT="0" marB="0" anchor="ctr"/>
+                </a:tc>
+                <a:extLst>
+                  <a:ext uri="{0D108BD9-81ED-4DB2-BD59-A6C34878D82A}">
+                    <a16:rowId xmlns:a16="http://schemas.microsoft.com/office/drawing/2014/main" val="3450503223"/>
+                  </a:ext>
+                </a:extLst>
+              </a:tr>
+              <a:tr h="199638">
+                <a:tc vMerge="1">
+                  <a:txBody>
+                    <a:bodyPr/>
+                    <a:lstStyle/>
+                    <a:p>
+                      <a:endParaRPr lang="pl-PL"/>
+                    </a:p>
+                  </a:txBody>
+                  <a:tcPr/>
+                </a:tc>
+                <a:tc vMerge="1">
+                  <a:txBody>
+                    <a:bodyPr/>
+                    <a:lstStyle/>
+                    <a:p>
+                      <a:endParaRPr lang="pl-PL"/>
+                    </a:p>
+                  </a:txBody>
+                  <a:tcPr/>
+                </a:tc>
+                <a:tc>
+                  <a:txBody>
+                    <a:bodyPr/>
+                    <a:lstStyle/>
+                    <a:p>
+                      <a:pPr algn="ctr">
+                        <a:lnSpc>
+                          <a:spcPct val="107000"/>
+                        </a:lnSpc>
+                        <a:spcAft>
+                          <a:spcPts val="0"/>
+                        </a:spcAft>
+                      </a:pPr>
+                      <a:r>
+                        <a:rPr lang="pl-PL" sz="1300">
+                          <a:effectLst/>
+                        </a:rPr>
+                        <a:t>32</a:t>
+                      </a:r>
+                      <a:endParaRPr lang="pl-PL" sz="1300">
+                        <a:effectLst/>
+                        <a:latin typeface="Calibri" panose="020F0502020204030204" pitchFamily="34" charset="0"/>
+                        <a:ea typeface="Calibri" panose="020F0502020204030204" pitchFamily="34" charset="0"/>
+                        <a:cs typeface="Times New Roman" panose="02020603050405020304" pitchFamily="18" charset="0"/>
+                      </a:endParaRPr>
+                    </a:p>
+                  </a:txBody>
+                  <a:tcPr marL="74864" marR="74864" marT="0" marB="0" anchor="ctr"/>
+                </a:tc>
+                <a:tc>
+                  <a:txBody>
+                    <a:bodyPr/>
+                    <a:lstStyle/>
+                    <a:p>
+                      <a:pPr algn="ctr">
+                        <a:lnSpc>
+                          <a:spcPct val="107000"/>
+                        </a:lnSpc>
+                        <a:spcAft>
+                          <a:spcPts val="0"/>
+                        </a:spcAft>
+                      </a:pPr>
+                      <a:r>
+                        <a:rPr lang="pl-PL" sz="1300">
+                          <a:effectLst/>
+                        </a:rPr>
+                        <a:t>0,848957</a:t>
+                      </a:r>
+                      <a:endParaRPr lang="pl-PL" sz="1300">
+                        <a:effectLst/>
+                        <a:latin typeface="Calibri" panose="020F0502020204030204" pitchFamily="34" charset="0"/>
+                        <a:ea typeface="Calibri" panose="020F0502020204030204" pitchFamily="34" charset="0"/>
+                        <a:cs typeface="Times New Roman" panose="02020603050405020304" pitchFamily="18" charset="0"/>
+                      </a:endParaRPr>
+                    </a:p>
+                  </a:txBody>
+                  <a:tcPr marL="74864" marR="74864" marT="0" marB="0" anchor="ctr"/>
+                </a:tc>
+                <a:tc>
+                  <a:txBody>
+                    <a:bodyPr/>
+                    <a:lstStyle/>
+                    <a:p>
+                      <a:pPr algn="ctr">
+                        <a:lnSpc>
+                          <a:spcPct val="107000"/>
+                        </a:lnSpc>
+                        <a:spcAft>
+                          <a:spcPts val="0"/>
+                        </a:spcAft>
+                      </a:pPr>
+                      <a:r>
+                        <a:rPr lang="pl-PL" sz="1300">
+                          <a:effectLst/>
+                        </a:rPr>
+                        <a:t>5,269</a:t>
+                      </a:r>
+                      <a:endParaRPr lang="pl-PL" sz="1300">
+                        <a:effectLst/>
+                        <a:latin typeface="Calibri" panose="020F0502020204030204" pitchFamily="34" charset="0"/>
+                        <a:ea typeface="Calibri" panose="020F0502020204030204" pitchFamily="34" charset="0"/>
+                        <a:cs typeface="Times New Roman" panose="02020603050405020304" pitchFamily="18" charset="0"/>
+                      </a:endParaRPr>
+                    </a:p>
+                  </a:txBody>
+                  <a:tcPr marL="74864" marR="74864" marT="0" marB="0" anchor="ctr"/>
+                </a:tc>
+                <a:tc>
+                  <a:txBody>
+                    <a:bodyPr/>
+                    <a:lstStyle/>
+                    <a:p>
+                      <a:pPr algn="ctr">
+                        <a:lnSpc>
+                          <a:spcPct val="107000"/>
+                        </a:lnSpc>
+                        <a:spcAft>
+                          <a:spcPts val="0"/>
+                        </a:spcAft>
+                      </a:pPr>
+                      <a:r>
+                        <a:rPr lang="pl-PL" sz="1300">
+                          <a:effectLst/>
+                        </a:rPr>
+                        <a:t>16%</a:t>
+                      </a:r>
+                      <a:endParaRPr lang="pl-PL" sz="1300">
+                        <a:effectLst/>
+                        <a:latin typeface="Calibri" panose="020F0502020204030204" pitchFamily="34" charset="0"/>
+                        <a:ea typeface="Calibri" panose="020F0502020204030204" pitchFamily="34" charset="0"/>
+                        <a:cs typeface="Times New Roman" panose="02020603050405020304" pitchFamily="18" charset="0"/>
+                      </a:endParaRPr>
+                    </a:p>
+                  </a:txBody>
+                  <a:tcPr marL="74864" marR="74864" marT="0" marB="0" anchor="ctr"/>
+                </a:tc>
+                <a:extLst>
+                  <a:ext uri="{0D108BD9-81ED-4DB2-BD59-A6C34878D82A}">
+                    <a16:rowId xmlns:a16="http://schemas.microsoft.com/office/drawing/2014/main" val="1729035982"/>
+                  </a:ext>
+                </a:extLst>
+              </a:tr>
+              <a:tr h="199638">
+                <a:tc vMerge="1">
+                  <a:txBody>
+                    <a:bodyPr/>
+                    <a:lstStyle/>
+                    <a:p>
+                      <a:endParaRPr lang="pl-PL"/>
+                    </a:p>
+                  </a:txBody>
+                  <a:tcPr/>
+                </a:tc>
+                <a:tc rowSpan="6">
+                  <a:txBody>
+                    <a:bodyPr/>
+                    <a:lstStyle/>
+                    <a:p>
+                      <a:pPr algn="ctr">
+                        <a:lnSpc>
+                          <a:spcPct val="107000"/>
+                        </a:lnSpc>
+                        <a:spcAft>
+                          <a:spcPts val="0"/>
+                        </a:spcAft>
+                      </a:pPr>
+                      <a:r>
+                        <a:rPr lang="pl-PL" sz="1300" b="1" dirty="0">
+                          <a:effectLst/>
+                        </a:rPr>
+                        <a:t>131072</a:t>
+                      </a:r>
+                      <a:endParaRPr lang="pl-PL" sz="1300" b="1" dirty="0">
+                        <a:effectLst/>
+                        <a:latin typeface="Calibri" panose="020F0502020204030204" pitchFamily="34" charset="0"/>
+                        <a:ea typeface="Calibri" panose="020F0502020204030204" pitchFamily="34" charset="0"/>
+                        <a:cs typeface="Times New Roman" panose="02020603050405020304" pitchFamily="18" charset="0"/>
+                      </a:endParaRPr>
+                    </a:p>
+                  </a:txBody>
+                  <a:tcPr marL="96404" marR="96404" marT="48202" marB="48202" anchor="ctr"/>
+                </a:tc>
+                <a:tc>
+                  <a:txBody>
+                    <a:bodyPr/>
+                    <a:lstStyle/>
+                    <a:p>
+                      <a:pPr algn="ctr">
+                        <a:lnSpc>
+                          <a:spcPct val="107000"/>
+                        </a:lnSpc>
+                        <a:spcAft>
+                          <a:spcPts val="0"/>
+                        </a:spcAft>
+                      </a:pPr>
+                      <a:r>
+                        <a:rPr lang="pl-PL" sz="1300">
+                          <a:effectLst/>
+                        </a:rPr>
+                        <a:t>1</a:t>
+                      </a:r>
+                      <a:endParaRPr lang="pl-PL" sz="1300">
+                        <a:effectLst/>
+                        <a:latin typeface="Calibri" panose="020F0502020204030204" pitchFamily="34" charset="0"/>
+                        <a:ea typeface="Calibri" panose="020F0502020204030204" pitchFamily="34" charset="0"/>
+                        <a:cs typeface="Times New Roman" panose="02020603050405020304" pitchFamily="18" charset="0"/>
+                      </a:endParaRPr>
+                    </a:p>
+                  </a:txBody>
+                  <a:tcPr marL="74864" marR="74864" marT="0" marB="0" anchor="ctr"/>
+                </a:tc>
+                <a:tc>
+                  <a:txBody>
+                    <a:bodyPr/>
+                    <a:lstStyle/>
+                    <a:p>
+                      <a:pPr algn="ctr">
+                        <a:lnSpc>
+                          <a:spcPct val="107000"/>
+                        </a:lnSpc>
+                        <a:spcAft>
+                          <a:spcPts val="0"/>
+                        </a:spcAft>
+                      </a:pPr>
+                      <a:r>
+                        <a:rPr lang="pl-PL" sz="1300">
+                          <a:effectLst/>
+                        </a:rPr>
+                        <a:t>21,796237</a:t>
+                      </a:r>
+                      <a:endParaRPr lang="pl-PL" sz="1300">
+                        <a:effectLst/>
+                        <a:latin typeface="Calibri" panose="020F0502020204030204" pitchFamily="34" charset="0"/>
+                        <a:ea typeface="Calibri" panose="020F0502020204030204" pitchFamily="34" charset="0"/>
+                        <a:cs typeface="Times New Roman" panose="02020603050405020304" pitchFamily="18" charset="0"/>
+                      </a:endParaRPr>
+                    </a:p>
+                  </a:txBody>
+                  <a:tcPr marL="74864" marR="74864" marT="0" marB="0" anchor="ctr"/>
+                </a:tc>
+                <a:tc>
+                  <a:txBody>
+                    <a:bodyPr/>
+                    <a:lstStyle/>
+                    <a:p>
+                      <a:pPr algn="ctr">
+                        <a:lnSpc>
+                          <a:spcPct val="107000"/>
+                        </a:lnSpc>
+                        <a:spcAft>
+                          <a:spcPts val="0"/>
+                        </a:spcAft>
+                      </a:pPr>
+                      <a:r>
+                        <a:rPr lang="pl-PL" sz="1300">
+                          <a:effectLst/>
+                        </a:rPr>
+                        <a:t>1,000</a:t>
+                      </a:r>
+                      <a:endParaRPr lang="pl-PL" sz="1300">
+                        <a:effectLst/>
+                        <a:latin typeface="Calibri" panose="020F0502020204030204" pitchFamily="34" charset="0"/>
+                        <a:ea typeface="Calibri" panose="020F0502020204030204" pitchFamily="34" charset="0"/>
+                        <a:cs typeface="Times New Roman" panose="02020603050405020304" pitchFamily="18" charset="0"/>
+                      </a:endParaRPr>
+                    </a:p>
+                  </a:txBody>
+                  <a:tcPr marL="74864" marR="74864" marT="0" marB="0" anchor="ctr"/>
+                </a:tc>
+                <a:tc>
+                  <a:txBody>
+                    <a:bodyPr/>
+                    <a:lstStyle/>
+                    <a:p>
+                      <a:pPr algn="ctr">
+                        <a:lnSpc>
+                          <a:spcPct val="107000"/>
+                        </a:lnSpc>
+                        <a:spcAft>
+                          <a:spcPts val="0"/>
+                        </a:spcAft>
+                      </a:pPr>
+                      <a:r>
+                        <a:rPr lang="pl-PL" sz="1300">
+                          <a:effectLst/>
+                        </a:rPr>
+                        <a:t>100%</a:t>
+                      </a:r>
+                      <a:endParaRPr lang="pl-PL" sz="1300">
+                        <a:effectLst/>
+                        <a:latin typeface="Calibri" panose="020F0502020204030204" pitchFamily="34" charset="0"/>
+                        <a:ea typeface="Calibri" panose="020F0502020204030204" pitchFamily="34" charset="0"/>
+                        <a:cs typeface="Times New Roman" panose="02020603050405020304" pitchFamily="18" charset="0"/>
+                      </a:endParaRPr>
+                    </a:p>
+                  </a:txBody>
+                  <a:tcPr marL="74864" marR="74864" marT="0" marB="0" anchor="ctr"/>
+                </a:tc>
+                <a:extLst>
+                  <a:ext uri="{0D108BD9-81ED-4DB2-BD59-A6C34878D82A}">
+                    <a16:rowId xmlns:a16="http://schemas.microsoft.com/office/drawing/2014/main" val="2897981921"/>
+                  </a:ext>
+                </a:extLst>
+              </a:tr>
+              <a:tr h="199638">
+                <a:tc vMerge="1">
+                  <a:txBody>
+                    <a:bodyPr/>
+                    <a:lstStyle/>
+                    <a:p>
+                      <a:endParaRPr lang="pl-PL"/>
+                    </a:p>
+                  </a:txBody>
+                  <a:tcPr/>
+                </a:tc>
+                <a:tc vMerge="1">
+                  <a:txBody>
+                    <a:bodyPr/>
+                    <a:lstStyle/>
+                    <a:p>
+                      <a:endParaRPr lang="pl-PL"/>
+                    </a:p>
+                  </a:txBody>
+                  <a:tcPr/>
+                </a:tc>
+                <a:tc>
+                  <a:txBody>
+                    <a:bodyPr/>
+                    <a:lstStyle/>
+                    <a:p>
+                      <a:pPr algn="ctr">
+                        <a:lnSpc>
+                          <a:spcPct val="107000"/>
+                        </a:lnSpc>
+                        <a:spcAft>
+                          <a:spcPts val="0"/>
+                        </a:spcAft>
+                      </a:pPr>
+                      <a:r>
+                        <a:rPr lang="pl-PL" sz="1300">
+                          <a:effectLst/>
+                        </a:rPr>
+                        <a:t>2</a:t>
+                      </a:r>
+                      <a:endParaRPr lang="pl-PL" sz="1300">
+                        <a:effectLst/>
+                        <a:latin typeface="Calibri" panose="020F0502020204030204" pitchFamily="34" charset="0"/>
+                        <a:ea typeface="Calibri" panose="020F0502020204030204" pitchFamily="34" charset="0"/>
+                        <a:cs typeface="Times New Roman" panose="02020603050405020304" pitchFamily="18" charset="0"/>
+                      </a:endParaRPr>
+                    </a:p>
+                  </a:txBody>
+                  <a:tcPr marL="74864" marR="74864" marT="0" marB="0" anchor="ctr"/>
+                </a:tc>
+                <a:tc>
+                  <a:txBody>
+                    <a:bodyPr/>
+                    <a:lstStyle/>
+                    <a:p>
+                      <a:pPr algn="ctr">
+                        <a:lnSpc>
+                          <a:spcPct val="107000"/>
+                        </a:lnSpc>
+                        <a:spcAft>
+                          <a:spcPts val="0"/>
+                        </a:spcAft>
+                      </a:pPr>
+                      <a:r>
+                        <a:rPr lang="pl-PL" sz="1300">
+                          <a:effectLst/>
+                        </a:rPr>
+                        <a:t>12,131160</a:t>
+                      </a:r>
+                      <a:endParaRPr lang="pl-PL" sz="1300">
+                        <a:effectLst/>
+                        <a:latin typeface="Calibri" panose="020F0502020204030204" pitchFamily="34" charset="0"/>
+                        <a:ea typeface="Calibri" panose="020F0502020204030204" pitchFamily="34" charset="0"/>
+                        <a:cs typeface="Times New Roman" panose="02020603050405020304" pitchFamily="18" charset="0"/>
+                      </a:endParaRPr>
+                    </a:p>
+                  </a:txBody>
+                  <a:tcPr marL="74864" marR="74864" marT="0" marB="0" anchor="ctr"/>
+                </a:tc>
+                <a:tc>
+                  <a:txBody>
+                    <a:bodyPr/>
+                    <a:lstStyle/>
+                    <a:p>
+                      <a:pPr algn="ctr">
+                        <a:lnSpc>
+                          <a:spcPct val="107000"/>
+                        </a:lnSpc>
+                        <a:spcAft>
+                          <a:spcPts val="0"/>
+                        </a:spcAft>
+                      </a:pPr>
+                      <a:r>
+                        <a:rPr lang="pl-PL" sz="1300">
+                          <a:effectLst/>
+                        </a:rPr>
+                        <a:t>1,797</a:t>
+                      </a:r>
+                      <a:endParaRPr lang="pl-PL" sz="1300">
+                        <a:effectLst/>
+                        <a:latin typeface="Calibri" panose="020F0502020204030204" pitchFamily="34" charset="0"/>
+                        <a:ea typeface="Calibri" panose="020F0502020204030204" pitchFamily="34" charset="0"/>
+                        <a:cs typeface="Times New Roman" panose="02020603050405020304" pitchFamily="18" charset="0"/>
+                      </a:endParaRPr>
+                    </a:p>
+                  </a:txBody>
+                  <a:tcPr marL="74864" marR="74864" marT="0" marB="0" anchor="ctr"/>
+                </a:tc>
+                <a:tc>
+                  <a:txBody>
+                    <a:bodyPr/>
+                    <a:lstStyle/>
+                    <a:p>
+                      <a:pPr algn="ctr">
+                        <a:lnSpc>
+                          <a:spcPct val="107000"/>
+                        </a:lnSpc>
+                        <a:spcAft>
+                          <a:spcPts val="0"/>
+                        </a:spcAft>
+                      </a:pPr>
+                      <a:r>
+                        <a:rPr lang="pl-PL" sz="1300">
+                          <a:effectLst/>
+                        </a:rPr>
+                        <a:t>90%</a:t>
+                      </a:r>
+                      <a:endParaRPr lang="pl-PL" sz="1300">
+                        <a:effectLst/>
+                        <a:latin typeface="Calibri" panose="020F0502020204030204" pitchFamily="34" charset="0"/>
+                        <a:ea typeface="Calibri" panose="020F0502020204030204" pitchFamily="34" charset="0"/>
+                        <a:cs typeface="Times New Roman" panose="02020603050405020304" pitchFamily="18" charset="0"/>
+                      </a:endParaRPr>
+                    </a:p>
+                  </a:txBody>
+                  <a:tcPr marL="74864" marR="74864" marT="0" marB="0" anchor="ctr"/>
+                </a:tc>
+                <a:extLst>
+                  <a:ext uri="{0D108BD9-81ED-4DB2-BD59-A6C34878D82A}">
+                    <a16:rowId xmlns:a16="http://schemas.microsoft.com/office/drawing/2014/main" val="1443803162"/>
+                  </a:ext>
+                </a:extLst>
+              </a:tr>
+              <a:tr h="199638">
+                <a:tc vMerge="1">
+                  <a:txBody>
+                    <a:bodyPr/>
+                    <a:lstStyle/>
+                    <a:p>
+                      <a:endParaRPr lang="pl-PL"/>
+                    </a:p>
+                  </a:txBody>
+                  <a:tcPr/>
+                </a:tc>
+                <a:tc vMerge="1">
+                  <a:txBody>
+                    <a:bodyPr/>
+                    <a:lstStyle/>
+                    <a:p>
+                      <a:endParaRPr lang="pl-PL"/>
+                    </a:p>
+                  </a:txBody>
+                  <a:tcPr/>
+                </a:tc>
+                <a:tc>
+                  <a:txBody>
+                    <a:bodyPr/>
+                    <a:lstStyle/>
+                    <a:p>
+                      <a:pPr algn="ctr">
+                        <a:lnSpc>
+                          <a:spcPct val="107000"/>
+                        </a:lnSpc>
+                        <a:spcAft>
+                          <a:spcPts val="0"/>
+                        </a:spcAft>
+                      </a:pPr>
+                      <a:r>
+                        <a:rPr lang="pl-PL" sz="1300">
+                          <a:effectLst/>
+                        </a:rPr>
+                        <a:t>4</a:t>
+                      </a:r>
+                      <a:endParaRPr lang="pl-PL" sz="1300">
+                        <a:effectLst/>
+                        <a:latin typeface="Calibri" panose="020F0502020204030204" pitchFamily="34" charset="0"/>
+                        <a:ea typeface="Calibri" panose="020F0502020204030204" pitchFamily="34" charset="0"/>
+                        <a:cs typeface="Times New Roman" panose="02020603050405020304" pitchFamily="18" charset="0"/>
+                      </a:endParaRPr>
+                    </a:p>
+                  </a:txBody>
+                  <a:tcPr marL="74864" marR="74864" marT="0" marB="0" anchor="ctr"/>
+                </a:tc>
+                <a:tc>
+                  <a:txBody>
+                    <a:bodyPr/>
+                    <a:lstStyle/>
+                    <a:p>
+                      <a:pPr algn="ctr">
+                        <a:lnSpc>
+                          <a:spcPct val="107000"/>
+                        </a:lnSpc>
+                        <a:spcAft>
+                          <a:spcPts val="0"/>
+                        </a:spcAft>
+                      </a:pPr>
+                      <a:r>
+                        <a:rPr lang="pl-PL" sz="1300">
+                          <a:effectLst/>
+                        </a:rPr>
+                        <a:t>8,972502</a:t>
+                      </a:r>
+                      <a:endParaRPr lang="pl-PL" sz="1300">
+                        <a:effectLst/>
+                        <a:latin typeface="Calibri" panose="020F0502020204030204" pitchFamily="34" charset="0"/>
+                        <a:ea typeface="Calibri" panose="020F0502020204030204" pitchFamily="34" charset="0"/>
+                        <a:cs typeface="Times New Roman" panose="02020603050405020304" pitchFamily="18" charset="0"/>
+                      </a:endParaRPr>
+                    </a:p>
+                  </a:txBody>
+                  <a:tcPr marL="74864" marR="74864" marT="0" marB="0" anchor="ctr"/>
+                </a:tc>
+                <a:tc>
+                  <a:txBody>
+                    <a:bodyPr/>
+                    <a:lstStyle/>
+                    <a:p>
+                      <a:pPr algn="ctr">
+                        <a:lnSpc>
+                          <a:spcPct val="107000"/>
+                        </a:lnSpc>
+                        <a:spcAft>
+                          <a:spcPts val="0"/>
+                        </a:spcAft>
+                      </a:pPr>
+                      <a:r>
+                        <a:rPr lang="pl-PL" sz="1300">
+                          <a:effectLst/>
+                        </a:rPr>
+                        <a:t>2,429</a:t>
+                      </a:r>
+                      <a:endParaRPr lang="pl-PL" sz="1300">
+                        <a:effectLst/>
+                        <a:latin typeface="Calibri" panose="020F0502020204030204" pitchFamily="34" charset="0"/>
+                        <a:ea typeface="Calibri" panose="020F0502020204030204" pitchFamily="34" charset="0"/>
+                        <a:cs typeface="Times New Roman" panose="02020603050405020304" pitchFamily="18" charset="0"/>
+                      </a:endParaRPr>
+                    </a:p>
+                  </a:txBody>
+                  <a:tcPr marL="74864" marR="74864" marT="0" marB="0" anchor="ctr"/>
+                </a:tc>
+                <a:tc>
+                  <a:txBody>
+                    <a:bodyPr/>
+                    <a:lstStyle/>
+                    <a:p>
+                      <a:pPr algn="ctr">
+                        <a:lnSpc>
+                          <a:spcPct val="107000"/>
+                        </a:lnSpc>
+                        <a:spcAft>
+                          <a:spcPts val="0"/>
+                        </a:spcAft>
+                      </a:pPr>
+                      <a:r>
+                        <a:rPr lang="pl-PL" sz="1300">
+                          <a:effectLst/>
+                        </a:rPr>
+                        <a:t>61%</a:t>
+                      </a:r>
+                      <a:endParaRPr lang="pl-PL" sz="1300">
+                        <a:effectLst/>
+                        <a:latin typeface="Calibri" panose="020F0502020204030204" pitchFamily="34" charset="0"/>
+                        <a:ea typeface="Calibri" panose="020F0502020204030204" pitchFamily="34" charset="0"/>
+                        <a:cs typeface="Times New Roman" panose="02020603050405020304" pitchFamily="18" charset="0"/>
+                      </a:endParaRPr>
+                    </a:p>
+                  </a:txBody>
+                  <a:tcPr marL="74864" marR="74864" marT="0" marB="0" anchor="ctr"/>
+                </a:tc>
+                <a:extLst>
+                  <a:ext uri="{0D108BD9-81ED-4DB2-BD59-A6C34878D82A}">
+                    <a16:rowId xmlns:a16="http://schemas.microsoft.com/office/drawing/2014/main" val="2863336325"/>
+                  </a:ext>
+                </a:extLst>
+              </a:tr>
+              <a:tr h="199638">
+                <a:tc vMerge="1">
+                  <a:txBody>
+                    <a:bodyPr/>
+                    <a:lstStyle/>
+                    <a:p>
+                      <a:endParaRPr lang="pl-PL"/>
+                    </a:p>
+                  </a:txBody>
+                  <a:tcPr/>
+                </a:tc>
+                <a:tc vMerge="1">
+                  <a:txBody>
+                    <a:bodyPr/>
+                    <a:lstStyle/>
+                    <a:p>
+                      <a:endParaRPr lang="pl-PL"/>
+                    </a:p>
+                  </a:txBody>
+                  <a:tcPr/>
+                </a:tc>
+                <a:tc>
+                  <a:txBody>
+                    <a:bodyPr/>
+                    <a:lstStyle/>
+                    <a:p>
+                      <a:pPr algn="ctr">
+                        <a:lnSpc>
+                          <a:spcPct val="107000"/>
+                        </a:lnSpc>
+                        <a:spcAft>
+                          <a:spcPts val="0"/>
+                        </a:spcAft>
+                      </a:pPr>
+                      <a:r>
+                        <a:rPr lang="pl-PL" sz="1300">
+                          <a:effectLst/>
+                        </a:rPr>
+                        <a:t>8</a:t>
+                      </a:r>
+                      <a:endParaRPr lang="pl-PL" sz="1300">
+                        <a:effectLst/>
+                        <a:latin typeface="Calibri" panose="020F0502020204030204" pitchFamily="34" charset="0"/>
+                        <a:ea typeface="Calibri" panose="020F0502020204030204" pitchFamily="34" charset="0"/>
+                        <a:cs typeface="Times New Roman" panose="02020603050405020304" pitchFamily="18" charset="0"/>
+                      </a:endParaRPr>
+                    </a:p>
+                  </a:txBody>
+                  <a:tcPr marL="74864" marR="74864" marT="0" marB="0" anchor="ctr"/>
+                </a:tc>
+                <a:tc>
+                  <a:txBody>
+                    <a:bodyPr/>
+                    <a:lstStyle/>
+                    <a:p>
+                      <a:pPr algn="ctr">
+                        <a:lnSpc>
+                          <a:spcPct val="107000"/>
+                        </a:lnSpc>
+                        <a:spcAft>
+                          <a:spcPts val="0"/>
+                        </a:spcAft>
+                      </a:pPr>
+                      <a:r>
+                        <a:rPr lang="pl-PL" sz="1300">
+                          <a:effectLst/>
+                        </a:rPr>
+                        <a:t>6,590262</a:t>
+                      </a:r>
+                      <a:endParaRPr lang="pl-PL" sz="1300">
+                        <a:effectLst/>
+                        <a:latin typeface="Calibri" panose="020F0502020204030204" pitchFamily="34" charset="0"/>
+                        <a:ea typeface="Calibri" panose="020F0502020204030204" pitchFamily="34" charset="0"/>
+                        <a:cs typeface="Times New Roman" panose="02020603050405020304" pitchFamily="18" charset="0"/>
+                      </a:endParaRPr>
+                    </a:p>
+                  </a:txBody>
+                  <a:tcPr marL="74864" marR="74864" marT="0" marB="0" anchor="ctr"/>
+                </a:tc>
+                <a:tc>
+                  <a:txBody>
+                    <a:bodyPr/>
+                    <a:lstStyle/>
+                    <a:p>
+                      <a:pPr algn="ctr">
+                        <a:lnSpc>
+                          <a:spcPct val="107000"/>
+                        </a:lnSpc>
+                        <a:spcAft>
+                          <a:spcPts val="0"/>
+                        </a:spcAft>
+                      </a:pPr>
+                      <a:r>
+                        <a:rPr lang="pl-PL" sz="1300">
+                          <a:effectLst/>
+                        </a:rPr>
+                        <a:t>3,307</a:t>
+                      </a:r>
+                      <a:endParaRPr lang="pl-PL" sz="1300">
+                        <a:effectLst/>
+                        <a:latin typeface="Calibri" panose="020F0502020204030204" pitchFamily="34" charset="0"/>
+                        <a:ea typeface="Calibri" panose="020F0502020204030204" pitchFamily="34" charset="0"/>
+                        <a:cs typeface="Times New Roman" panose="02020603050405020304" pitchFamily="18" charset="0"/>
+                      </a:endParaRPr>
+                    </a:p>
+                  </a:txBody>
+                  <a:tcPr marL="74864" marR="74864" marT="0" marB="0" anchor="ctr"/>
+                </a:tc>
+                <a:tc>
+                  <a:txBody>
+                    <a:bodyPr/>
+                    <a:lstStyle/>
+                    <a:p>
+                      <a:pPr algn="ctr">
+                        <a:lnSpc>
+                          <a:spcPct val="107000"/>
+                        </a:lnSpc>
+                        <a:spcAft>
+                          <a:spcPts val="0"/>
+                        </a:spcAft>
+                      </a:pPr>
+                      <a:r>
+                        <a:rPr lang="pl-PL" sz="1300">
+                          <a:effectLst/>
+                        </a:rPr>
+                        <a:t>41%</a:t>
+                      </a:r>
+                      <a:endParaRPr lang="pl-PL" sz="1300">
+                        <a:effectLst/>
+                        <a:latin typeface="Calibri" panose="020F0502020204030204" pitchFamily="34" charset="0"/>
+                        <a:ea typeface="Calibri" panose="020F0502020204030204" pitchFamily="34" charset="0"/>
+                        <a:cs typeface="Times New Roman" panose="02020603050405020304" pitchFamily="18" charset="0"/>
+                      </a:endParaRPr>
+                    </a:p>
+                  </a:txBody>
+                  <a:tcPr marL="74864" marR="74864" marT="0" marB="0" anchor="ctr"/>
+                </a:tc>
+                <a:extLst>
+                  <a:ext uri="{0D108BD9-81ED-4DB2-BD59-A6C34878D82A}">
+                    <a16:rowId xmlns:a16="http://schemas.microsoft.com/office/drawing/2014/main" val="298350379"/>
+                  </a:ext>
+                </a:extLst>
+              </a:tr>
+              <a:tr h="199638">
+                <a:tc vMerge="1">
+                  <a:txBody>
+                    <a:bodyPr/>
+                    <a:lstStyle/>
+                    <a:p>
+                      <a:endParaRPr lang="pl-PL"/>
+                    </a:p>
+                  </a:txBody>
+                  <a:tcPr/>
+                </a:tc>
+                <a:tc vMerge="1">
+                  <a:txBody>
+                    <a:bodyPr/>
+                    <a:lstStyle/>
+                    <a:p>
+                      <a:endParaRPr lang="pl-PL"/>
+                    </a:p>
+                  </a:txBody>
+                  <a:tcPr/>
+                </a:tc>
+                <a:tc>
+                  <a:txBody>
+                    <a:bodyPr/>
+                    <a:lstStyle/>
+                    <a:p>
+                      <a:pPr algn="ctr">
+                        <a:lnSpc>
+                          <a:spcPct val="107000"/>
+                        </a:lnSpc>
+                        <a:spcAft>
+                          <a:spcPts val="0"/>
+                        </a:spcAft>
+                      </a:pPr>
+                      <a:r>
+                        <a:rPr lang="pl-PL" sz="1300">
+                          <a:effectLst/>
+                        </a:rPr>
+                        <a:t>16</a:t>
+                      </a:r>
+                      <a:endParaRPr lang="pl-PL" sz="1300">
+                        <a:effectLst/>
+                        <a:latin typeface="Calibri" panose="020F0502020204030204" pitchFamily="34" charset="0"/>
+                        <a:ea typeface="Calibri" panose="020F0502020204030204" pitchFamily="34" charset="0"/>
+                        <a:cs typeface="Times New Roman" panose="02020603050405020304" pitchFamily="18" charset="0"/>
+                      </a:endParaRPr>
+                    </a:p>
+                  </a:txBody>
+                  <a:tcPr marL="74864" marR="74864" marT="0" marB="0" anchor="ctr"/>
+                </a:tc>
+                <a:tc>
+                  <a:txBody>
+                    <a:bodyPr/>
+                    <a:lstStyle/>
+                    <a:p>
+                      <a:pPr algn="ctr">
+                        <a:lnSpc>
+                          <a:spcPct val="107000"/>
+                        </a:lnSpc>
+                        <a:spcAft>
+                          <a:spcPts val="0"/>
+                        </a:spcAft>
+                      </a:pPr>
+                      <a:r>
+                        <a:rPr lang="pl-PL" sz="1300">
+                          <a:effectLst/>
+                        </a:rPr>
+                        <a:t>4,814520</a:t>
+                      </a:r>
+                      <a:endParaRPr lang="pl-PL" sz="1300">
+                        <a:effectLst/>
+                        <a:latin typeface="Calibri" panose="020F0502020204030204" pitchFamily="34" charset="0"/>
+                        <a:ea typeface="Calibri" panose="020F0502020204030204" pitchFamily="34" charset="0"/>
+                        <a:cs typeface="Times New Roman" panose="02020603050405020304" pitchFamily="18" charset="0"/>
+                      </a:endParaRPr>
+                    </a:p>
+                  </a:txBody>
+                  <a:tcPr marL="74864" marR="74864" marT="0" marB="0" anchor="ctr"/>
+                </a:tc>
+                <a:tc>
+                  <a:txBody>
+                    <a:bodyPr/>
+                    <a:lstStyle/>
+                    <a:p>
+                      <a:pPr algn="ctr">
+                        <a:lnSpc>
+                          <a:spcPct val="107000"/>
+                        </a:lnSpc>
+                        <a:spcAft>
+                          <a:spcPts val="0"/>
+                        </a:spcAft>
+                      </a:pPr>
+                      <a:r>
+                        <a:rPr lang="pl-PL" sz="1300">
+                          <a:effectLst/>
+                        </a:rPr>
+                        <a:t>4,527</a:t>
+                      </a:r>
+                      <a:endParaRPr lang="pl-PL" sz="1300">
+                        <a:effectLst/>
+                        <a:latin typeface="Calibri" panose="020F0502020204030204" pitchFamily="34" charset="0"/>
+                        <a:ea typeface="Calibri" panose="020F0502020204030204" pitchFamily="34" charset="0"/>
+                        <a:cs typeface="Times New Roman" panose="02020603050405020304" pitchFamily="18" charset="0"/>
+                      </a:endParaRPr>
+                    </a:p>
+                  </a:txBody>
+                  <a:tcPr marL="74864" marR="74864" marT="0" marB="0" anchor="ctr"/>
+                </a:tc>
+                <a:tc>
+                  <a:txBody>
+                    <a:bodyPr/>
+                    <a:lstStyle/>
+                    <a:p>
+                      <a:pPr algn="ctr">
+                        <a:lnSpc>
+                          <a:spcPct val="107000"/>
+                        </a:lnSpc>
+                        <a:spcAft>
+                          <a:spcPts val="0"/>
+                        </a:spcAft>
+                      </a:pPr>
+                      <a:r>
+                        <a:rPr lang="pl-PL" sz="1300">
+                          <a:effectLst/>
+                        </a:rPr>
+                        <a:t>28%</a:t>
+                      </a:r>
+                      <a:endParaRPr lang="pl-PL" sz="1300">
+                        <a:effectLst/>
+                        <a:latin typeface="Calibri" panose="020F0502020204030204" pitchFamily="34" charset="0"/>
+                        <a:ea typeface="Calibri" panose="020F0502020204030204" pitchFamily="34" charset="0"/>
+                        <a:cs typeface="Times New Roman" panose="02020603050405020304" pitchFamily="18" charset="0"/>
+                      </a:endParaRPr>
+                    </a:p>
+                  </a:txBody>
+                  <a:tcPr marL="74864" marR="74864" marT="0" marB="0" anchor="ctr"/>
+                </a:tc>
+                <a:extLst>
+                  <a:ext uri="{0D108BD9-81ED-4DB2-BD59-A6C34878D82A}">
+                    <a16:rowId xmlns:a16="http://schemas.microsoft.com/office/drawing/2014/main" val="3192205042"/>
+                  </a:ext>
+                </a:extLst>
+              </a:tr>
+              <a:tr h="199638">
+                <a:tc vMerge="1">
+                  <a:txBody>
+                    <a:bodyPr/>
+                    <a:lstStyle/>
+                    <a:p>
+                      <a:endParaRPr lang="pl-PL"/>
+                    </a:p>
+                  </a:txBody>
+                  <a:tcPr/>
+                </a:tc>
+                <a:tc vMerge="1">
+                  <a:txBody>
+                    <a:bodyPr/>
+                    <a:lstStyle/>
+                    <a:p>
+                      <a:endParaRPr lang="pl-PL"/>
+                    </a:p>
+                  </a:txBody>
+                  <a:tcPr/>
+                </a:tc>
+                <a:tc>
+                  <a:txBody>
+                    <a:bodyPr/>
+                    <a:lstStyle/>
+                    <a:p>
+                      <a:pPr algn="ctr">
+                        <a:lnSpc>
+                          <a:spcPct val="107000"/>
+                        </a:lnSpc>
+                        <a:spcAft>
+                          <a:spcPts val="0"/>
+                        </a:spcAft>
+                      </a:pPr>
+                      <a:r>
+                        <a:rPr lang="pl-PL" sz="1300">
+                          <a:effectLst/>
+                        </a:rPr>
+                        <a:t>32</a:t>
+                      </a:r>
+                      <a:endParaRPr lang="pl-PL" sz="1300">
+                        <a:effectLst/>
+                        <a:latin typeface="Calibri" panose="020F0502020204030204" pitchFamily="34" charset="0"/>
+                        <a:ea typeface="Calibri" panose="020F0502020204030204" pitchFamily="34" charset="0"/>
+                        <a:cs typeface="Times New Roman" panose="02020603050405020304" pitchFamily="18" charset="0"/>
+                      </a:endParaRPr>
+                    </a:p>
+                  </a:txBody>
+                  <a:tcPr marL="74864" marR="74864" marT="0" marB="0" anchor="ctr"/>
+                </a:tc>
+                <a:tc>
+                  <a:txBody>
+                    <a:bodyPr/>
+                    <a:lstStyle/>
+                    <a:p>
+                      <a:pPr algn="ctr">
+                        <a:lnSpc>
+                          <a:spcPct val="107000"/>
+                        </a:lnSpc>
+                        <a:spcAft>
+                          <a:spcPts val="0"/>
+                        </a:spcAft>
+                      </a:pPr>
+                      <a:r>
+                        <a:rPr lang="pl-PL" sz="1300">
+                          <a:effectLst/>
+                        </a:rPr>
+                        <a:t>3,722278</a:t>
+                      </a:r>
+                      <a:endParaRPr lang="pl-PL" sz="1300">
+                        <a:effectLst/>
+                        <a:latin typeface="Calibri" panose="020F0502020204030204" pitchFamily="34" charset="0"/>
+                        <a:ea typeface="Calibri" panose="020F0502020204030204" pitchFamily="34" charset="0"/>
+                        <a:cs typeface="Times New Roman" panose="02020603050405020304" pitchFamily="18" charset="0"/>
+                      </a:endParaRPr>
+                    </a:p>
+                  </a:txBody>
+                  <a:tcPr marL="74864" marR="74864" marT="0" marB="0" anchor="ctr"/>
+                </a:tc>
+                <a:tc>
+                  <a:txBody>
+                    <a:bodyPr/>
+                    <a:lstStyle/>
+                    <a:p>
+                      <a:pPr algn="ctr">
+                        <a:lnSpc>
+                          <a:spcPct val="107000"/>
+                        </a:lnSpc>
+                        <a:spcAft>
+                          <a:spcPts val="0"/>
+                        </a:spcAft>
+                      </a:pPr>
+                      <a:r>
+                        <a:rPr lang="pl-PL" sz="1300">
+                          <a:effectLst/>
+                        </a:rPr>
+                        <a:t>5,856</a:t>
+                      </a:r>
+                      <a:endParaRPr lang="pl-PL" sz="1300">
+                        <a:effectLst/>
+                        <a:latin typeface="Calibri" panose="020F0502020204030204" pitchFamily="34" charset="0"/>
+                        <a:ea typeface="Calibri" panose="020F0502020204030204" pitchFamily="34" charset="0"/>
+                        <a:cs typeface="Times New Roman" panose="02020603050405020304" pitchFamily="18" charset="0"/>
+                      </a:endParaRPr>
+                    </a:p>
+                  </a:txBody>
+                  <a:tcPr marL="74864" marR="74864" marT="0" marB="0" anchor="ctr"/>
+                </a:tc>
+                <a:tc>
+                  <a:txBody>
+                    <a:bodyPr/>
+                    <a:lstStyle/>
+                    <a:p>
+                      <a:pPr algn="ctr">
+                        <a:lnSpc>
+                          <a:spcPct val="107000"/>
+                        </a:lnSpc>
+                        <a:spcAft>
+                          <a:spcPts val="0"/>
+                        </a:spcAft>
+                      </a:pPr>
+                      <a:r>
+                        <a:rPr lang="pl-PL" sz="1300" dirty="0">
+                          <a:effectLst/>
+                        </a:rPr>
+                        <a:t>18%</a:t>
+                      </a:r>
+                      <a:endParaRPr lang="pl-PL" sz="1300" dirty="0">
+                        <a:effectLst/>
+                        <a:latin typeface="Calibri" panose="020F0502020204030204" pitchFamily="34" charset="0"/>
+                        <a:ea typeface="Calibri" panose="020F0502020204030204" pitchFamily="34" charset="0"/>
+                        <a:cs typeface="Times New Roman" panose="02020603050405020304" pitchFamily="18" charset="0"/>
+                      </a:endParaRPr>
+                    </a:p>
+                  </a:txBody>
+                  <a:tcPr marL="74864" marR="74864" marT="0" marB="0" anchor="ctr"/>
+                </a:tc>
+                <a:extLst>
+                  <a:ext uri="{0D108BD9-81ED-4DB2-BD59-A6C34878D82A}">
+                    <a16:rowId xmlns:a16="http://schemas.microsoft.com/office/drawing/2014/main" val="2183823109"/>
+                  </a:ext>
+                </a:extLst>
+              </a:tr>
+            </a:tbl>
+          </a:graphicData>
+        </a:graphic>
+      </p:graphicFrame>
+    </p:spTree>
+    <p:extLst>
+      <p:ext uri="{BB962C8B-B14F-4D97-AF65-F5344CB8AC3E}">
+        <p14:creationId xmlns:p14="http://schemas.microsoft.com/office/powerpoint/2010/main" val="963541635"/>
       </p:ext>
     </p:extLst>
   </p:cSld>
